--- a/images/PID.pptx
+++ b/images/PID.pptx
@@ -5,15 +5,23 @@
     <p:sldMasterId id="2147493482" r:id="rId4"/>
     <p:sldMasterId id="2147493480" r:id="rId5"/>
     <p:sldMasterId id="2147493455" r:id="rId6"/>
+    <p:sldMasterId id="2147493535" r:id="rId7"/>
   </p:sldMasterIdLst>
   <p:notesMasterIdLst>
-    <p:notesMasterId r:id="rId8"/>
+    <p:notesMasterId r:id="rId16"/>
   </p:notesMasterIdLst>
   <p:handoutMasterIdLst>
-    <p:handoutMasterId r:id="rId9"/>
+    <p:handoutMasterId r:id="rId17"/>
   </p:handoutMasterIdLst>
   <p:sldIdLst>
-    <p:sldId id="368" r:id="rId7"/>
+    <p:sldId id="368" r:id="rId8"/>
+    <p:sldId id="370" r:id="rId9"/>
+    <p:sldId id="371" r:id="rId10"/>
+    <p:sldId id="372" r:id="rId11"/>
+    <p:sldId id="373" r:id="rId12"/>
+    <p:sldId id="375" r:id="rId13"/>
+    <p:sldId id="374" r:id="rId14"/>
+    <p:sldId id="376" r:id="rId15"/>
   </p:sldIdLst>
   <p:sldSz cx="9144000" cy="6858000" type="screen4x3"/>
   <p:notesSz cx="7023100" cy="9309100"/>
@@ -937,6 +945,1028 @@
 </p:notes>
 </file>
 
+<file path=ppt/notesSlides/notesSlide2.xml><?xml version="1.0" encoding="utf-8"?>
+<p:notes xmlns:a="http://schemas.openxmlformats.org/drawingml/2006/main" xmlns:r="http://schemas.openxmlformats.org/officeDocument/2006/relationships" xmlns:p="http://schemas.openxmlformats.org/presentationml/2006/main">
+  <p:cSld>
+    <p:spTree>
+      <p:nvGrpSpPr>
+        <p:cNvPr id="1" name=""/>
+        <p:cNvGrpSpPr/>
+        <p:nvPr/>
+      </p:nvGrpSpPr>
+      <p:grpSpPr>
+        <a:xfrm>
+          <a:off x="0" y="0"/>
+          <a:ext cx="0" cy="0"/>
+          <a:chOff x="0" y="0"/>
+          <a:chExt cx="0" cy="0"/>
+        </a:xfrm>
+      </p:grpSpPr>
+      <p:sp>
+        <p:nvSpPr>
+          <p:cNvPr id="2" name="Slide Image Placeholder 1"/>
+          <p:cNvSpPr>
+            <a:spLocks noGrp="1" noRot="1" noChangeAspect="1"/>
+          </p:cNvSpPr>
+          <p:nvPr>
+            <p:ph type="sldImg"/>
+          </p:nvPr>
+        </p:nvSpPr>
+        <p:spPr/>
+      </p:sp>
+      <p:sp>
+        <p:nvSpPr>
+          <p:cNvPr id="3" name="Notes Placeholder 2"/>
+          <p:cNvSpPr>
+            <a:spLocks noGrp="1"/>
+          </p:cNvSpPr>
+          <p:nvPr>
+            <p:ph type="body" idx="1"/>
+          </p:nvPr>
+        </p:nvSpPr>
+        <p:spPr/>
+        <p:txBody>
+          <a:bodyPr/>
+          <a:lstStyle/>
+          <a:p>
+            <a:endParaRPr lang="en-US"/>
+          </a:p>
+        </p:txBody>
+      </p:sp>
+      <p:sp>
+        <p:nvSpPr>
+          <p:cNvPr id="4" name="Header Placeholder 3"/>
+          <p:cNvSpPr>
+            <a:spLocks noGrp="1"/>
+          </p:cNvSpPr>
+          <p:nvPr>
+            <p:ph type="hdr" sz="quarter" idx="10"/>
+          </p:nvPr>
+        </p:nvSpPr>
+        <p:spPr/>
+        <p:txBody>
+          <a:bodyPr/>
+          <a:lstStyle/>
+          <a:p>
+            <a:pPr>
+              <a:defRPr/>
+            </a:pPr>
+            <a:endParaRPr lang="en-US"/>
+          </a:p>
+        </p:txBody>
+      </p:sp>
+      <p:sp>
+        <p:nvSpPr>
+          <p:cNvPr id="5" name="Footer Placeholder 4"/>
+          <p:cNvSpPr>
+            <a:spLocks noGrp="1"/>
+          </p:cNvSpPr>
+          <p:nvPr>
+            <p:ph type="ftr" sz="quarter" idx="11"/>
+            <p:custDataLst>
+              <p:tags r:id="rId1"/>
+            </p:custDataLst>
+          </p:nvPr>
+        </p:nvSpPr>
+        <p:spPr>
+          <a:xfrm>
+            <a:off x="0" y="8842375"/>
+            <a:ext cx="7023100" cy="465138"/>
+          </a:xfrm>
+        </p:spPr>
+        <p:txBody>
+          <a:bodyPr/>
+          <a:lstStyle/>
+          <a:p>
+            <a:pPr>
+              <a:defRPr/>
+            </a:pPr>
+            <a:r>
+              <a:rPr lang="en-US" smtClean="0"/>
+              <a:t>Honeywell Internal</a:t>
+            </a:r>
+            <a:endParaRPr lang="en-US"/>
+          </a:p>
+        </p:txBody>
+      </p:sp>
+      <p:sp>
+        <p:nvSpPr>
+          <p:cNvPr id="6" name="Slide Number Placeholder 5"/>
+          <p:cNvSpPr>
+            <a:spLocks noGrp="1"/>
+          </p:cNvSpPr>
+          <p:nvPr>
+            <p:ph type="sldNum" sz="quarter" idx="12"/>
+          </p:nvPr>
+        </p:nvSpPr>
+        <p:spPr/>
+        <p:txBody>
+          <a:bodyPr/>
+          <a:lstStyle/>
+          <a:p>
+            <a:pPr>
+              <a:defRPr/>
+            </a:pPr>
+            <a:fld id="{0BE59ADA-CF08-9440-BACD-BF7F5C851E71}" type="slidenum">
+              <a:rPr lang="en-US" smtClean="0"/>
+              <a:pPr>
+                <a:defRPr/>
+              </a:pPr>
+              <a:t>1</a:t>
+            </a:fld>
+            <a:endParaRPr lang="en-US"/>
+          </a:p>
+        </p:txBody>
+      </p:sp>
+    </p:spTree>
+    <p:extLst>
+      <p:ext uri="{BB962C8B-B14F-4D97-AF65-F5344CB8AC3E}">
+        <p14:creationId xmlns:p14="http://schemas.microsoft.com/office/powerpoint/2010/main" val="1434034275"/>
+      </p:ext>
+    </p:extLst>
+  </p:cSld>
+  <p:clrMapOvr>
+    <a:masterClrMapping/>
+  </p:clrMapOvr>
+</p:notes>
+</file>
+
+<file path=ppt/notesSlides/notesSlide3.xml><?xml version="1.0" encoding="utf-8"?>
+<p:notes xmlns:a="http://schemas.openxmlformats.org/drawingml/2006/main" xmlns:r="http://schemas.openxmlformats.org/officeDocument/2006/relationships" xmlns:p="http://schemas.openxmlformats.org/presentationml/2006/main">
+  <p:cSld>
+    <p:spTree>
+      <p:nvGrpSpPr>
+        <p:cNvPr id="1" name=""/>
+        <p:cNvGrpSpPr/>
+        <p:nvPr/>
+      </p:nvGrpSpPr>
+      <p:grpSpPr>
+        <a:xfrm>
+          <a:off x="0" y="0"/>
+          <a:ext cx="0" cy="0"/>
+          <a:chOff x="0" y="0"/>
+          <a:chExt cx="0" cy="0"/>
+        </a:xfrm>
+      </p:grpSpPr>
+      <p:sp>
+        <p:nvSpPr>
+          <p:cNvPr id="2" name="Slide Image Placeholder 1"/>
+          <p:cNvSpPr>
+            <a:spLocks noGrp="1" noRot="1" noChangeAspect="1"/>
+          </p:cNvSpPr>
+          <p:nvPr>
+            <p:ph type="sldImg"/>
+          </p:nvPr>
+        </p:nvSpPr>
+        <p:spPr/>
+      </p:sp>
+      <p:sp>
+        <p:nvSpPr>
+          <p:cNvPr id="3" name="Notes Placeholder 2"/>
+          <p:cNvSpPr>
+            <a:spLocks noGrp="1"/>
+          </p:cNvSpPr>
+          <p:nvPr>
+            <p:ph type="body" idx="1"/>
+          </p:nvPr>
+        </p:nvSpPr>
+        <p:spPr/>
+        <p:txBody>
+          <a:bodyPr/>
+          <a:lstStyle/>
+          <a:p>
+            <a:endParaRPr lang="en-US"/>
+          </a:p>
+        </p:txBody>
+      </p:sp>
+      <p:sp>
+        <p:nvSpPr>
+          <p:cNvPr id="4" name="Header Placeholder 3"/>
+          <p:cNvSpPr>
+            <a:spLocks noGrp="1"/>
+          </p:cNvSpPr>
+          <p:nvPr>
+            <p:ph type="hdr" sz="quarter" idx="10"/>
+          </p:nvPr>
+        </p:nvSpPr>
+        <p:spPr/>
+        <p:txBody>
+          <a:bodyPr/>
+          <a:lstStyle/>
+          <a:p>
+            <a:pPr>
+              <a:defRPr/>
+            </a:pPr>
+            <a:endParaRPr lang="en-US"/>
+          </a:p>
+        </p:txBody>
+      </p:sp>
+      <p:sp>
+        <p:nvSpPr>
+          <p:cNvPr id="5" name="Footer Placeholder 4"/>
+          <p:cNvSpPr>
+            <a:spLocks noGrp="1"/>
+          </p:cNvSpPr>
+          <p:nvPr>
+            <p:ph type="ftr" sz="quarter" idx="11"/>
+            <p:custDataLst>
+              <p:tags r:id="rId1"/>
+            </p:custDataLst>
+          </p:nvPr>
+        </p:nvSpPr>
+        <p:spPr>
+          <a:xfrm>
+            <a:off x="0" y="8842375"/>
+            <a:ext cx="7023100" cy="465138"/>
+          </a:xfrm>
+        </p:spPr>
+        <p:txBody>
+          <a:bodyPr/>
+          <a:lstStyle/>
+          <a:p>
+            <a:pPr>
+              <a:defRPr/>
+            </a:pPr>
+            <a:r>
+              <a:rPr lang="en-US" smtClean="0"/>
+              <a:t>Honeywell Internal</a:t>
+            </a:r>
+            <a:endParaRPr lang="en-US"/>
+          </a:p>
+        </p:txBody>
+      </p:sp>
+      <p:sp>
+        <p:nvSpPr>
+          <p:cNvPr id="6" name="Slide Number Placeholder 5"/>
+          <p:cNvSpPr>
+            <a:spLocks noGrp="1"/>
+          </p:cNvSpPr>
+          <p:nvPr>
+            <p:ph type="sldNum" sz="quarter" idx="12"/>
+          </p:nvPr>
+        </p:nvSpPr>
+        <p:spPr/>
+        <p:txBody>
+          <a:bodyPr/>
+          <a:lstStyle/>
+          <a:p>
+            <a:pPr>
+              <a:defRPr/>
+            </a:pPr>
+            <a:fld id="{0BE59ADA-CF08-9440-BACD-BF7F5C851E71}" type="slidenum">
+              <a:rPr lang="en-US" smtClean="0"/>
+              <a:pPr>
+                <a:defRPr/>
+              </a:pPr>
+              <a:t>2</a:t>
+            </a:fld>
+            <a:endParaRPr lang="en-US"/>
+          </a:p>
+        </p:txBody>
+      </p:sp>
+    </p:spTree>
+    <p:extLst>
+      <p:ext uri="{BB962C8B-B14F-4D97-AF65-F5344CB8AC3E}">
+        <p14:creationId xmlns:p14="http://schemas.microsoft.com/office/powerpoint/2010/main" val="2552909133"/>
+      </p:ext>
+    </p:extLst>
+  </p:cSld>
+  <p:clrMapOvr>
+    <a:masterClrMapping/>
+  </p:clrMapOvr>
+</p:notes>
+</file>
+
+<file path=ppt/notesSlides/notesSlide4.xml><?xml version="1.0" encoding="utf-8"?>
+<p:notes xmlns:a="http://schemas.openxmlformats.org/drawingml/2006/main" xmlns:r="http://schemas.openxmlformats.org/officeDocument/2006/relationships" xmlns:p="http://schemas.openxmlformats.org/presentationml/2006/main">
+  <p:cSld>
+    <p:spTree>
+      <p:nvGrpSpPr>
+        <p:cNvPr id="1" name=""/>
+        <p:cNvGrpSpPr/>
+        <p:nvPr/>
+      </p:nvGrpSpPr>
+      <p:grpSpPr>
+        <a:xfrm>
+          <a:off x="0" y="0"/>
+          <a:ext cx="0" cy="0"/>
+          <a:chOff x="0" y="0"/>
+          <a:chExt cx="0" cy="0"/>
+        </a:xfrm>
+      </p:grpSpPr>
+      <p:sp>
+        <p:nvSpPr>
+          <p:cNvPr id="2" name="Slide Image Placeholder 1"/>
+          <p:cNvSpPr>
+            <a:spLocks noGrp="1" noRot="1" noChangeAspect="1"/>
+          </p:cNvSpPr>
+          <p:nvPr>
+            <p:ph type="sldImg"/>
+          </p:nvPr>
+        </p:nvSpPr>
+        <p:spPr/>
+      </p:sp>
+      <p:sp>
+        <p:nvSpPr>
+          <p:cNvPr id="3" name="Notes Placeholder 2"/>
+          <p:cNvSpPr>
+            <a:spLocks noGrp="1"/>
+          </p:cNvSpPr>
+          <p:nvPr>
+            <p:ph type="body" idx="1"/>
+          </p:nvPr>
+        </p:nvSpPr>
+        <p:spPr/>
+        <p:txBody>
+          <a:bodyPr/>
+          <a:lstStyle/>
+          <a:p>
+            <a:endParaRPr lang="en-US"/>
+          </a:p>
+        </p:txBody>
+      </p:sp>
+      <p:sp>
+        <p:nvSpPr>
+          <p:cNvPr id="4" name="Header Placeholder 3"/>
+          <p:cNvSpPr>
+            <a:spLocks noGrp="1"/>
+          </p:cNvSpPr>
+          <p:nvPr>
+            <p:ph type="hdr" sz="quarter" idx="10"/>
+          </p:nvPr>
+        </p:nvSpPr>
+        <p:spPr/>
+        <p:txBody>
+          <a:bodyPr/>
+          <a:lstStyle/>
+          <a:p>
+            <a:pPr>
+              <a:defRPr/>
+            </a:pPr>
+            <a:endParaRPr lang="en-US"/>
+          </a:p>
+        </p:txBody>
+      </p:sp>
+      <p:sp>
+        <p:nvSpPr>
+          <p:cNvPr id="5" name="Footer Placeholder 4"/>
+          <p:cNvSpPr>
+            <a:spLocks noGrp="1"/>
+          </p:cNvSpPr>
+          <p:nvPr>
+            <p:ph type="ftr" sz="quarter" idx="11"/>
+            <p:custDataLst>
+              <p:tags r:id="rId1"/>
+            </p:custDataLst>
+          </p:nvPr>
+        </p:nvSpPr>
+        <p:spPr>
+          <a:xfrm>
+            <a:off x="0" y="8842375"/>
+            <a:ext cx="7023100" cy="465138"/>
+          </a:xfrm>
+        </p:spPr>
+        <p:txBody>
+          <a:bodyPr/>
+          <a:lstStyle/>
+          <a:p>
+            <a:pPr>
+              <a:defRPr/>
+            </a:pPr>
+            <a:r>
+              <a:rPr lang="en-US" smtClean="0"/>
+              <a:t>Honeywell Internal</a:t>
+            </a:r>
+            <a:endParaRPr lang="en-US"/>
+          </a:p>
+        </p:txBody>
+      </p:sp>
+      <p:sp>
+        <p:nvSpPr>
+          <p:cNvPr id="6" name="Slide Number Placeholder 5"/>
+          <p:cNvSpPr>
+            <a:spLocks noGrp="1"/>
+          </p:cNvSpPr>
+          <p:nvPr>
+            <p:ph type="sldNum" sz="quarter" idx="12"/>
+          </p:nvPr>
+        </p:nvSpPr>
+        <p:spPr/>
+        <p:txBody>
+          <a:bodyPr/>
+          <a:lstStyle/>
+          <a:p>
+            <a:pPr>
+              <a:defRPr/>
+            </a:pPr>
+            <a:fld id="{0BE59ADA-CF08-9440-BACD-BF7F5C851E71}" type="slidenum">
+              <a:rPr lang="en-US" smtClean="0"/>
+              <a:pPr>
+                <a:defRPr/>
+              </a:pPr>
+              <a:t>3</a:t>
+            </a:fld>
+            <a:endParaRPr lang="en-US"/>
+          </a:p>
+        </p:txBody>
+      </p:sp>
+    </p:spTree>
+    <p:extLst>
+      <p:ext uri="{BB962C8B-B14F-4D97-AF65-F5344CB8AC3E}">
+        <p14:creationId xmlns:p14="http://schemas.microsoft.com/office/powerpoint/2010/main" val="1282276305"/>
+      </p:ext>
+    </p:extLst>
+  </p:cSld>
+  <p:clrMapOvr>
+    <a:masterClrMapping/>
+  </p:clrMapOvr>
+</p:notes>
+</file>
+
+<file path=ppt/notesSlides/notesSlide5.xml><?xml version="1.0" encoding="utf-8"?>
+<p:notes xmlns:a="http://schemas.openxmlformats.org/drawingml/2006/main" xmlns:r="http://schemas.openxmlformats.org/officeDocument/2006/relationships" xmlns:p="http://schemas.openxmlformats.org/presentationml/2006/main">
+  <p:cSld>
+    <p:spTree>
+      <p:nvGrpSpPr>
+        <p:cNvPr id="1" name=""/>
+        <p:cNvGrpSpPr/>
+        <p:nvPr/>
+      </p:nvGrpSpPr>
+      <p:grpSpPr>
+        <a:xfrm>
+          <a:off x="0" y="0"/>
+          <a:ext cx="0" cy="0"/>
+          <a:chOff x="0" y="0"/>
+          <a:chExt cx="0" cy="0"/>
+        </a:xfrm>
+      </p:grpSpPr>
+      <p:sp>
+        <p:nvSpPr>
+          <p:cNvPr id="2" name="Slide Image Placeholder 1"/>
+          <p:cNvSpPr>
+            <a:spLocks noGrp="1" noRot="1" noChangeAspect="1"/>
+          </p:cNvSpPr>
+          <p:nvPr>
+            <p:ph type="sldImg"/>
+          </p:nvPr>
+        </p:nvSpPr>
+        <p:spPr/>
+      </p:sp>
+      <p:sp>
+        <p:nvSpPr>
+          <p:cNvPr id="3" name="Notes Placeholder 2"/>
+          <p:cNvSpPr>
+            <a:spLocks noGrp="1"/>
+          </p:cNvSpPr>
+          <p:nvPr>
+            <p:ph type="body" idx="1"/>
+          </p:nvPr>
+        </p:nvSpPr>
+        <p:spPr/>
+        <p:txBody>
+          <a:bodyPr/>
+          <a:lstStyle/>
+          <a:p>
+            <a:endParaRPr lang="en-US"/>
+          </a:p>
+        </p:txBody>
+      </p:sp>
+      <p:sp>
+        <p:nvSpPr>
+          <p:cNvPr id="4" name="Header Placeholder 3"/>
+          <p:cNvSpPr>
+            <a:spLocks noGrp="1"/>
+          </p:cNvSpPr>
+          <p:nvPr>
+            <p:ph type="hdr" sz="quarter" idx="10"/>
+          </p:nvPr>
+        </p:nvSpPr>
+        <p:spPr/>
+        <p:txBody>
+          <a:bodyPr/>
+          <a:lstStyle/>
+          <a:p>
+            <a:pPr>
+              <a:defRPr/>
+            </a:pPr>
+            <a:endParaRPr lang="en-US"/>
+          </a:p>
+        </p:txBody>
+      </p:sp>
+      <p:sp>
+        <p:nvSpPr>
+          <p:cNvPr id="5" name="Footer Placeholder 4"/>
+          <p:cNvSpPr>
+            <a:spLocks noGrp="1"/>
+          </p:cNvSpPr>
+          <p:nvPr>
+            <p:ph type="ftr" sz="quarter" idx="11"/>
+            <p:custDataLst>
+              <p:tags r:id="rId1"/>
+            </p:custDataLst>
+          </p:nvPr>
+        </p:nvSpPr>
+        <p:spPr>
+          <a:xfrm>
+            <a:off x="0" y="8842375"/>
+            <a:ext cx="7023100" cy="465138"/>
+          </a:xfrm>
+        </p:spPr>
+        <p:txBody>
+          <a:bodyPr/>
+          <a:lstStyle/>
+          <a:p>
+            <a:pPr>
+              <a:defRPr/>
+            </a:pPr>
+            <a:r>
+              <a:rPr lang="en-US" smtClean="0"/>
+              <a:t>Honeywell Internal</a:t>
+            </a:r>
+            <a:endParaRPr lang="en-US"/>
+          </a:p>
+        </p:txBody>
+      </p:sp>
+      <p:sp>
+        <p:nvSpPr>
+          <p:cNvPr id="6" name="Slide Number Placeholder 5"/>
+          <p:cNvSpPr>
+            <a:spLocks noGrp="1"/>
+          </p:cNvSpPr>
+          <p:nvPr>
+            <p:ph type="sldNum" sz="quarter" idx="12"/>
+          </p:nvPr>
+        </p:nvSpPr>
+        <p:spPr/>
+        <p:txBody>
+          <a:bodyPr/>
+          <a:lstStyle/>
+          <a:p>
+            <a:pPr>
+              <a:defRPr/>
+            </a:pPr>
+            <a:fld id="{0BE59ADA-CF08-9440-BACD-BF7F5C851E71}" type="slidenum">
+              <a:rPr lang="en-US" smtClean="0"/>
+              <a:pPr>
+                <a:defRPr/>
+              </a:pPr>
+              <a:t>4</a:t>
+            </a:fld>
+            <a:endParaRPr lang="en-US"/>
+          </a:p>
+        </p:txBody>
+      </p:sp>
+    </p:spTree>
+    <p:extLst>
+      <p:ext uri="{BB962C8B-B14F-4D97-AF65-F5344CB8AC3E}">
+        <p14:creationId xmlns:p14="http://schemas.microsoft.com/office/powerpoint/2010/main" val="3698490868"/>
+      </p:ext>
+    </p:extLst>
+  </p:cSld>
+  <p:clrMapOvr>
+    <a:masterClrMapping/>
+  </p:clrMapOvr>
+</p:notes>
+</file>
+
+<file path=ppt/notesSlides/notesSlide6.xml><?xml version="1.0" encoding="utf-8"?>
+<p:notes xmlns:a="http://schemas.openxmlformats.org/drawingml/2006/main" xmlns:r="http://schemas.openxmlformats.org/officeDocument/2006/relationships" xmlns:p="http://schemas.openxmlformats.org/presentationml/2006/main">
+  <p:cSld>
+    <p:spTree>
+      <p:nvGrpSpPr>
+        <p:cNvPr id="1" name=""/>
+        <p:cNvGrpSpPr/>
+        <p:nvPr/>
+      </p:nvGrpSpPr>
+      <p:grpSpPr>
+        <a:xfrm>
+          <a:off x="0" y="0"/>
+          <a:ext cx="0" cy="0"/>
+          <a:chOff x="0" y="0"/>
+          <a:chExt cx="0" cy="0"/>
+        </a:xfrm>
+      </p:grpSpPr>
+      <p:sp>
+        <p:nvSpPr>
+          <p:cNvPr id="2" name="Slide Image Placeholder 1"/>
+          <p:cNvSpPr>
+            <a:spLocks noGrp="1" noRot="1" noChangeAspect="1"/>
+          </p:cNvSpPr>
+          <p:nvPr>
+            <p:ph type="sldImg"/>
+          </p:nvPr>
+        </p:nvSpPr>
+        <p:spPr/>
+      </p:sp>
+      <p:sp>
+        <p:nvSpPr>
+          <p:cNvPr id="3" name="Notes Placeholder 2"/>
+          <p:cNvSpPr>
+            <a:spLocks noGrp="1"/>
+          </p:cNvSpPr>
+          <p:nvPr>
+            <p:ph type="body" idx="1"/>
+          </p:nvPr>
+        </p:nvSpPr>
+        <p:spPr/>
+        <p:txBody>
+          <a:bodyPr/>
+          <a:lstStyle/>
+          <a:p>
+            <a:endParaRPr lang="en-US"/>
+          </a:p>
+        </p:txBody>
+      </p:sp>
+      <p:sp>
+        <p:nvSpPr>
+          <p:cNvPr id="4" name="Header Placeholder 3"/>
+          <p:cNvSpPr>
+            <a:spLocks noGrp="1"/>
+          </p:cNvSpPr>
+          <p:nvPr>
+            <p:ph type="hdr" sz="quarter" idx="10"/>
+          </p:nvPr>
+        </p:nvSpPr>
+        <p:spPr/>
+        <p:txBody>
+          <a:bodyPr/>
+          <a:lstStyle/>
+          <a:p>
+            <a:pPr>
+              <a:defRPr/>
+            </a:pPr>
+            <a:endParaRPr lang="en-US"/>
+          </a:p>
+        </p:txBody>
+      </p:sp>
+      <p:sp>
+        <p:nvSpPr>
+          <p:cNvPr id="5" name="Footer Placeholder 4"/>
+          <p:cNvSpPr>
+            <a:spLocks noGrp="1"/>
+          </p:cNvSpPr>
+          <p:nvPr>
+            <p:ph type="ftr" sz="quarter" idx="11"/>
+            <p:custDataLst>
+              <p:tags r:id="rId1"/>
+            </p:custDataLst>
+          </p:nvPr>
+        </p:nvSpPr>
+        <p:spPr>
+          <a:xfrm>
+            <a:off x="0" y="8842375"/>
+            <a:ext cx="7023100" cy="465138"/>
+          </a:xfrm>
+        </p:spPr>
+        <p:txBody>
+          <a:bodyPr/>
+          <a:lstStyle/>
+          <a:p>
+            <a:pPr>
+              <a:defRPr/>
+            </a:pPr>
+            <a:r>
+              <a:rPr lang="en-US" smtClean="0"/>
+              <a:t>Honeywell Internal</a:t>
+            </a:r>
+            <a:endParaRPr lang="en-US"/>
+          </a:p>
+        </p:txBody>
+      </p:sp>
+      <p:sp>
+        <p:nvSpPr>
+          <p:cNvPr id="6" name="Slide Number Placeholder 5"/>
+          <p:cNvSpPr>
+            <a:spLocks noGrp="1"/>
+          </p:cNvSpPr>
+          <p:nvPr>
+            <p:ph type="sldNum" sz="quarter" idx="12"/>
+          </p:nvPr>
+        </p:nvSpPr>
+        <p:spPr/>
+        <p:txBody>
+          <a:bodyPr/>
+          <a:lstStyle/>
+          <a:p>
+            <a:pPr>
+              <a:defRPr/>
+            </a:pPr>
+            <a:fld id="{0BE59ADA-CF08-9440-BACD-BF7F5C851E71}" type="slidenum">
+              <a:rPr lang="en-US" smtClean="0"/>
+              <a:pPr>
+                <a:defRPr/>
+              </a:pPr>
+              <a:t>5</a:t>
+            </a:fld>
+            <a:endParaRPr lang="en-US"/>
+          </a:p>
+        </p:txBody>
+      </p:sp>
+    </p:spTree>
+    <p:extLst>
+      <p:ext uri="{BB962C8B-B14F-4D97-AF65-F5344CB8AC3E}">
+        <p14:creationId xmlns:p14="http://schemas.microsoft.com/office/powerpoint/2010/main" val="3036939666"/>
+      </p:ext>
+    </p:extLst>
+  </p:cSld>
+  <p:clrMapOvr>
+    <a:masterClrMapping/>
+  </p:clrMapOvr>
+</p:notes>
+</file>
+
+<file path=ppt/notesSlides/notesSlide7.xml><?xml version="1.0" encoding="utf-8"?>
+<p:notes xmlns:a="http://schemas.openxmlformats.org/drawingml/2006/main" xmlns:r="http://schemas.openxmlformats.org/officeDocument/2006/relationships" xmlns:p="http://schemas.openxmlformats.org/presentationml/2006/main">
+  <p:cSld>
+    <p:spTree>
+      <p:nvGrpSpPr>
+        <p:cNvPr id="1" name=""/>
+        <p:cNvGrpSpPr/>
+        <p:nvPr/>
+      </p:nvGrpSpPr>
+      <p:grpSpPr>
+        <a:xfrm>
+          <a:off x="0" y="0"/>
+          <a:ext cx="0" cy="0"/>
+          <a:chOff x="0" y="0"/>
+          <a:chExt cx="0" cy="0"/>
+        </a:xfrm>
+      </p:grpSpPr>
+      <p:sp>
+        <p:nvSpPr>
+          <p:cNvPr id="2" name="Slide Image Placeholder 1"/>
+          <p:cNvSpPr>
+            <a:spLocks noGrp="1" noRot="1" noChangeAspect="1"/>
+          </p:cNvSpPr>
+          <p:nvPr>
+            <p:ph type="sldImg"/>
+          </p:nvPr>
+        </p:nvSpPr>
+        <p:spPr/>
+      </p:sp>
+      <p:sp>
+        <p:nvSpPr>
+          <p:cNvPr id="3" name="Notes Placeholder 2"/>
+          <p:cNvSpPr>
+            <a:spLocks noGrp="1"/>
+          </p:cNvSpPr>
+          <p:nvPr>
+            <p:ph type="body" idx="1"/>
+          </p:nvPr>
+        </p:nvSpPr>
+        <p:spPr/>
+        <p:txBody>
+          <a:bodyPr/>
+          <a:lstStyle/>
+          <a:p>
+            <a:endParaRPr lang="en-US"/>
+          </a:p>
+        </p:txBody>
+      </p:sp>
+      <p:sp>
+        <p:nvSpPr>
+          <p:cNvPr id="4" name="Header Placeholder 3"/>
+          <p:cNvSpPr>
+            <a:spLocks noGrp="1"/>
+          </p:cNvSpPr>
+          <p:nvPr>
+            <p:ph type="hdr" sz="quarter" idx="10"/>
+          </p:nvPr>
+        </p:nvSpPr>
+        <p:spPr/>
+        <p:txBody>
+          <a:bodyPr/>
+          <a:lstStyle/>
+          <a:p>
+            <a:pPr>
+              <a:defRPr/>
+            </a:pPr>
+            <a:endParaRPr lang="en-US"/>
+          </a:p>
+        </p:txBody>
+      </p:sp>
+      <p:sp>
+        <p:nvSpPr>
+          <p:cNvPr id="5" name="Footer Placeholder 4"/>
+          <p:cNvSpPr>
+            <a:spLocks noGrp="1"/>
+          </p:cNvSpPr>
+          <p:nvPr>
+            <p:ph type="ftr" sz="quarter" idx="11"/>
+            <p:custDataLst>
+              <p:tags r:id="rId1"/>
+            </p:custDataLst>
+          </p:nvPr>
+        </p:nvSpPr>
+        <p:spPr>
+          <a:xfrm>
+            <a:off x="0" y="8842375"/>
+            <a:ext cx="7023100" cy="465138"/>
+          </a:xfrm>
+        </p:spPr>
+        <p:txBody>
+          <a:bodyPr/>
+          <a:lstStyle/>
+          <a:p>
+            <a:pPr>
+              <a:defRPr/>
+            </a:pPr>
+            <a:r>
+              <a:rPr lang="en-US" smtClean="0"/>
+              <a:t>Honeywell Internal</a:t>
+            </a:r>
+            <a:endParaRPr lang="en-US"/>
+          </a:p>
+        </p:txBody>
+      </p:sp>
+      <p:sp>
+        <p:nvSpPr>
+          <p:cNvPr id="6" name="Slide Number Placeholder 5"/>
+          <p:cNvSpPr>
+            <a:spLocks noGrp="1"/>
+          </p:cNvSpPr>
+          <p:nvPr>
+            <p:ph type="sldNum" sz="quarter" idx="12"/>
+          </p:nvPr>
+        </p:nvSpPr>
+        <p:spPr/>
+        <p:txBody>
+          <a:bodyPr/>
+          <a:lstStyle/>
+          <a:p>
+            <a:pPr>
+              <a:defRPr/>
+            </a:pPr>
+            <a:fld id="{0BE59ADA-CF08-9440-BACD-BF7F5C851E71}" type="slidenum">
+              <a:rPr lang="en-US" smtClean="0"/>
+              <a:pPr>
+                <a:defRPr/>
+              </a:pPr>
+              <a:t>6</a:t>
+            </a:fld>
+            <a:endParaRPr lang="en-US"/>
+          </a:p>
+        </p:txBody>
+      </p:sp>
+    </p:spTree>
+    <p:extLst>
+      <p:ext uri="{BB962C8B-B14F-4D97-AF65-F5344CB8AC3E}">
+        <p14:creationId xmlns:p14="http://schemas.microsoft.com/office/powerpoint/2010/main" val="2203150662"/>
+      </p:ext>
+    </p:extLst>
+  </p:cSld>
+  <p:clrMapOvr>
+    <a:masterClrMapping/>
+  </p:clrMapOvr>
+</p:notes>
+</file>
+
+<file path=ppt/notesSlides/notesSlide8.xml><?xml version="1.0" encoding="utf-8"?>
+<p:notes xmlns:a="http://schemas.openxmlformats.org/drawingml/2006/main" xmlns:r="http://schemas.openxmlformats.org/officeDocument/2006/relationships" xmlns:p="http://schemas.openxmlformats.org/presentationml/2006/main">
+  <p:cSld>
+    <p:spTree>
+      <p:nvGrpSpPr>
+        <p:cNvPr id="1" name=""/>
+        <p:cNvGrpSpPr/>
+        <p:nvPr/>
+      </p:nvGrpSpPr>
+      <p:grpSpPr>
+        <a:xfrm>
+          <a:off x="0" y="0"/>
+          <a:ext cx="0" cy="0"/>
+          <a:chOff x="0" y="0"/>
+          <a:chExt cx="0" cy="0"/>
+        </a:xfrm>
+      </p:grpSpPr>
+      <p:sp>
+        <p:nvSpPr>
+          <p:cNvPr id="2" name="Slide Image Placeholder 1"/>
+          <p:cNvSpPr>
+            <a:spLocks noGrp="1" noRot="1" noChangeAspect="1"/>
+          </p:cNvSpPr>
+          <p:nvPr>
+            <p:ph type="sldImg"/>
+          </p:nvPr>
+        </p:nvSpPr>
+        <p:spPr/>
+      </p:sp>
+      <p:sp>
+        <p:nvSpPr>
+          <p:cNvPr id="3" name="Notes Placeholder 2"/>
+          <p:cNvSpPr>
+            <a:spLocks noGrp="1"/>
+          </p:cNvSpPr>
+          <p:nvPr>
+            <p:ph type="body" idx="1"/>
+          </p:nvPr>
+        </p:nvSpPr>
+        <p:spPr/>
+        <p:txBody>
+          <a:bodyPr/>
+          <a:lstStyle/>
+          <a:p>
+            <a:endParaRPr lang="en-US"/>
+          </a:p>
+        </p:txBody>
+      </p:sp>
+      <p:sp>
+        <p:nvSpPr>
+          <p:cNvPr id="4" name="Header Placeholder 3"/>
+          <p:cNvSpPr>
+            <a:spLocks noGrp="1"/>
+          </p:cNvSpPr>
+          <p:nvPr>
+            <p:ph type="hdr" sz="quarter" idx="10"/>
+          </p:nvPr>
+        </p:nvSpPr>
+        <p:spPr/>
+        <p:txBody>
+          <a:bodyPr/>
+          <a:lstStyle/>
+          <a:p>
+            <a:pPr>
+              <a:defRPr/>
+            </a:pPr>
+            <a:endParaRPr lang="en-US"/>
+          </a:p>
+        </p:txBody>
+      </p:sp>
+      <p:sp>
+        <p:nvSpPr>
+          <p:cNvPr id="5" name="Footer Placeholder 4"/>
+          <p:cNvSpPr>
+            <a:spLocks noGrp="1"/>
+          </p:cNvSpPr>
+          <p:nvPr>
+            <p:ph type="ftr" sz="quarter" idx="11"/>
+            <p:custDataLst>
+              <p:tags r:id="rId1"/>
+            </p:custDataLst>
+          </p:nvPr>
+        </p:nvSpPr>
+        <p:spPr>
+          <a:xfrm>
+            <a:off x="0" y="8842375"/>
+            <a:ext cx="7023100" cy="465138"/>
+          </a:xfrm>
+        </p:spPr>
+        <p:txBody>
+          <a:bodyPr/>
+          <a:lstStyle/>
+          <a:p>
+            <a:pPr>
+              <a:defRPr/>
+            </a:pPr>
+            <a:r>
+              <a:rPr lang="en-US" smtClean="0"/>
+              <a:t>Honeywell Internal</a:t>
+            </a:r>
+            <a:endParaRPr lang="en-US"/>
+          </a:p>
+        </p:txBody>
+      </p:sp>
+      <p:sp>
+        <p:nvSpPr>
+          <p:cNvPr id="6" name="Slide Number Placeholder 5"/>
+          <p:cNvSpPr>
+            <a:spLocks noGrp="1"/>
+          </p:cNvSpPr>
+          <p:nvPr>
+            <p:ph type="sldNum" sz="quarter" idx="12"/>
+          </p:nvPr>
+        </p:nvSpPr>
+        <p:spPr/>
+        <p:txBody>
+          <a:bodyPr/>
+          <a:lstStyle/>
+          <a:p>
+            <a:pPr>
+              <a:defRPr/>
+            </a:pPr>
+            <a:fld id="{0BE59ADA-CF08-9440-BACD-BF7F5C851E71}" type="slidenum">
+              <a:rPr lang="en-US" smtClean="0"/>
+              <a:pPr>
+                <a:defRPr/>
+              </a:pPr>
+              <a:t>7</a:t>
+            </a:fld>
+            <a:endParaRPr lang="en-US"/>
+          </a:p>
+        </p:txBody>
+      </p:sp>
+    </p:spTree>
+    <p:extLst>
+      <p:ext uri="{BB962C8B-B14F-4D97-AF65-F5344CB8AC3E}">
+        <p14:creationId xmlns:p14="http://schemas.microsoft.com/office/powerpoint/2010/main" val="3444944073"/>
+      </p:ext>
+    </p:extLst>
+  </p:cSld>
+  <p:clrMapOvr>
+    <a:masterClrMapping/>
+  </p:clrMapOvr>
+</p:notes>
+</file>
+
 <file path=ppt/slideLayouts/slideLayout1.xml><?xml version="1.0" encoding="utf-8"?>
 <p:sldLayout xmlns:a="http://schemas.openxmlformats.org/drawingml/2006/main" xmlns:r="http://schemas.openxmlformats.org/officeDocument/2006/relationships" xmlns:p="http://schemas.openxmlformats.org/presentationml/2006/main" preserve="1" userDrawn="1">
   <p:cSld name="Multi-Image Cover">
@@ -1570,6 +2600,2021 @@
 </p:sldLayout>
 </file>
 
+<file path=ppt/slideLayouts/slideLayout11.xml><?xml version="1.0" encoding="utf-8"?>
+<p:sldLayout xmlns:a="http://schemas.openxmlformats.org/drawingml/2006/main" xmlns:r="http://schemas.openxmlformats.org/officeDocument/2006/relationships" xmlns:p="http://schemas.openxmlformats.org/presentationml/2006/main" type="title" preserve="1">
+  <p:cSld name="Title Slide">
+    <p:spTree>
+      <p:nvGrpSpPr>
+        <p:cNvPr id="1" name=""/>
+        <p:cNvGrpSpPr/>
+        <p:nvPr/>
+      </p:nvGrpSpPr>
+      <p:grpSpPr>
+        <a:xfrm>
+          <a:off x="0" y="0"/>
+          <a:ext cx="0" cy="0"/>
+          <a:chOff x="0" y="0"/>
+          <a:chExt cx="0" cy="0"/>
+        </a:xfrm>
+      </p:grpSpPr>
+      <p:sp>
+        <p:nvSpPr>
+          <p:cNvPr id="2" name="Title 1"/>
+          <p:cNvSpPr>
+            <a:spLocks noGrp="1"/>
+          </p:cNvSpPr>
+          <p:nvPr>
+            <p:ph type="ctrTitle"/>
+          </p:nvPr>
+        </p:nvSpPr>
+        <p:spPr>
+          <a:xfrm>
+            <a:off x="685800" y="1122363"/>
+            <a:ext cx="7772400" cy="2387600"/>
+          </a:xfrm>
+        </p:spPr>
+        <p:txBody>
+          <a:bodyPr anchor="b"/>
+          <a:lstStyle>
+            <a:lvl1pPr algn="ctr">
+              <a:defRPr sz="6000"/>
+            </a:lvl1pPr>
+          </a:lstStyle>
+          <a:p>
+            <a:r>
+              <a:rPr lang="en-US" smtClean="0"/>
+              <a:t>Click to edit Master title style</a:t>
+            </a:r>
+            <a:endParaRPr lang="en-US" dirty="0"/>
+          </a:p>
+        </p:txBody>
+      </p:sp>
+      <p:sp>
+        <p:nvSpPr>
+          <p:cNvPr id="3" name="Subtitle 2"/>
+          <p:cNvSpPr>
+            <a:spLocks noGrp="1"/>
+          </p:cNvSpPr>
+          <p:nvPr>
+            <p:ph type="subTitle" idx="1"/>
+          </p:nvPr>
+        </p:nvSpPr>
+        <p:spPr>
+          <a:xfrm>
+            <a:off x="1143000" y="3602038"/>
+            <a:ext cx="6858000" cy="1655762"/>
+          </a:xfrm>
+        </p:spPr>
+        <p:txBody>
+          <a:bodyPr/>
+          <a:lstStyle>
+            <a:lvl1pPr marL="0" indent="0" algn="ctr">
+              <a:buNone/>
+              <a:defRPr sz="2400"/>
+            </a:lvl1pPr>
+            <a:lvl2pPr marL="457200" indent="0" algn="ctr">
+              <a:buNone/>
+              <a:defRPr sz="2000"/>
+            </a:lvl2pPr>
+            <a:lvl3pPr marL="914400" indent="0" algn="ctr">
+              <a:buNone/>
+              <a:defRPr sz="1800"/>
+            </a:lvl3pPr>
+            <a:lvl4pPr marL="1371600" indent="0" algn="ctr">
+              <a:buNone/>
+              <a:defRPr sz="1600"/>
+            </a:lvl4pPr>
+            <a:lvl5pPr marL="1828800" indent="0" algn="ctr">
+              <a:buNone/>
+              <a:defRPr sz="1600"/>
+            </a:lvl5pPr>
+            <a:lvl6pPr marL="2286000" indent="0" algn="ctr">
+              <a:buNone/>
+              <a:defRPr sz="1600"/>
+            </a:lvl6pPr>
+            <a:lvl7pPr marL="2743200" indent="0" algn="ctr">
+              <a:buNone/>
+              <a:defRPr sz="1600"/>
+            </a:lvl7pPr>
+            <a:lvl8pPr marL="3200400" indent="0" algn="ctr">
+              <a:buNone/>
+              <a:defRPr sz="1600"/>
+            </a:lvl8pPr>
+            <a:lvl9pPr marL="3657600" indent="0" algn="ctr">
+              <a:buNone/>
+              <a:defRPr sz="1600"/>
+            </a:lvl9pPr>
+          </a:lstStyle>
+          <a:p>
+            <a:r>
+              <a:rPr lang="en-US" smtClean="0"/>
+              <a:t>Click to edit Master subtitle style</a:t>
+            </a:r>
+            <a:endParaRPr lang="en-US" dirty="0"/>
+          </a:p>
+        </p:txBody>
+      </p:sp>
+      <p:sp>
+        <p:nvSpPr>
+          <p:cNvPr id="4" name="Date Placeholder 3"/>
+          <p:cNvSpPr>
+            <a:spLocks noGrp="1"/>
+          </p:cNvSpPr>
+          <p:nvPr>
+            <p:ph type="dt" sz="half" idx="10"/>
+          </p:nvPr>
+        </p:nvSpPr>
+        <p:spPr/>
+        <p:txBody>
+          <a:bodyPr/>
+          <a:lstStyle/>
+          <a:p>
+            <a:fld id="{0FB821A2-3164-4CCB-88F4-79903DE1601A}" type="datetimeFigureOut">
+              <a:rPr lang="en-US" smtClean="0"/>
+              <a:t>5/24/2017</a:t>
+            </a:fld>
+            <a:endParaRPr lang="en-US"/>
+          </a:p>
+        </p:txBody>
+      </p:sp>
+      <p:sp>
+        <p:nvSpPr>
+          <p:cNvPr id="5" name="Footer Placeholder 4"/>
+          <p:cNvSpPr>
+            <a:spLocks noGrp="1"/>
+          </p:cNvSpPr>
+          <p:nvPr>
+            <p:ph type="ftr" sz="quarter" idx="11"/>
+          </p:nvPr>
+        </p:nvSpPr>
+        <p:spPr/>
+        <p:txBody>
+          <a:bodyPr/>
+          <a:lstStyle/>
+          <a:p>
+            <a:endParaRPr lang="en-US"/>
+          </a:p>
+        </p:txBody>
+      </p:sp>
+      <p:sp>
+        <p:nvSpPr>
+          <p:cNvPr id="6" name="Slide Number Placeholder 5"/>
+          <p:cNvSpPr>
+            <a:spLocks noGrp="1"/>
+          </p:cNvSpPr>
+          <p:nvPr>
+            <p:ph type="sldNum" sz="quarter" idx="12"/>
+          </p:nvPr>
+        </p:nvSpPr>
+        <p:spPr/>
+        <p:txBody>
+          <a:bodyPr/>
+          <a:lstStyle/>
+          <a:p>
+            <a:pPr>
+              <a:defRPr/>
+            </a:pPr>
+            <a:fld id="{58E27D68-75D7-1046-B88F-55C44A5ED9A6}" type="slidenum">
+              <a:rPr lang="en-US" smtClean="0"/>
+              <a:pPr>
+                <a:defRPr/>
+              </a:pPr>
+              <a:t>‹#›</a:t>
+            </a:fld>
+            <a:endParaRPr lang="en-US" dirty="0"/>
+          </a:p>
+        </p:txBody>
+      </p:sp>
+    </p:spTree>
+    <p:extLst>
+      <p:ext uri="{BB962C8B-B14F-4D97-AF65-F5344CB8AC3E}">
+        <p14:creationId xmlns:p14="http://schemas.microsoft.com/office/powerpoint/2010/main" val="2250148370"/>
+      </p:ext>
+    </p:extLst>
+  </p:cSld>
+  <p:clrMapOvr>
+    <a:masterClrMapping/>
+  </p:clrMapOvr>
+  <p:hf hdr="0" ftr="0" dt="0"/>
+</p:sldLayout>
+</file>
+
+<file path=ppt/slideLayouts/slideLayout12.xml><?xml version="1.0" encoding="utf-8"?>
+<p:sldLayout xmlns:a="http://schemas.openxmlformats.org/drawingml/2006/main" xmlns:r="http://schemas.openxmlformats.org/officeDocument/2006/relationships" xmlns:p="http://schemas.openxmlformats.org/presentationml/2006/main" type="obj" preserve="1">
+  <p:cSld name="Title and Content">
+    <p:spTree>
+      <p:nvGrpSpPr>
+        <p:cNvPr id="1" name=""/>
+        <p:cNvGrpSpPr/>
+        <p:nvPr/>
+      </p:nvGrpSpPr>
+      <p:grpSpPr>
+        <a:xfrm>
+          <a:off x="0" y="0"/>
+          <a:ext cx="0" cy="0"/>
+          <a:chOff x="0" y="0"/>
+          <a:chExt cx="0" cy="0"/>
+        </a:xfrm>
+      </p:grpSpPr>
+      <p:sp>
+        <p:nvSpPr>
+          <p:cNvPr id="2" name="Title 1"/>
+          <p:cNvSpPr>
+            <a:spLocks noGrp="1"/>
+          </p:cNvSpPr>
+          <p:nvPr>
+            <p:ph type="title"/>
+          </p:nvPr>
+        </p:nvSpPr>
+        <p:spPr/>
+        <p:txBody>
+          <a:bodyPr/>
+          <a:lstStyle/>
+          <a:p>
+            <a:r>
+              <a:rPr lang="en-US" smtClean="0"/>
+              <a:t>Click to edit Master title style</a:t>
+            </a:r>
+            <a:endParaRPr lang="en-US" dirty="0"/>
+          </a:p>
+        </p:txBody>
+      </p:sp>
+      <p:sp>
+        <p:nvSpPr>
+          <p:cNvPr id="3" name="Content Placeholder 2"/>
+          <p:cNvSpPr>
+            <a:spLocks noGrp="1"/>
+          </p:cNvSpPr>
+          <p:nvPr>
+            <p:ph idx="1"/>
+          </p:nvPr>
+        </p:nvSpPr>
+        <p:spPr/>
+        <p:txBody>
+          <a:bodyPr/>
+          <a:lstStyle/>
+          <a:p>
+            <a:pPr lvl="0"/>
+            <a:r>
+              <a:rPr lang="en-US" smtClean="0"/>
+              <a:t>Click to edit Master text styles</a:t>
+            </a:r>
+          </a:p>
+          <a:p>
+            <a:pPr lvl="1"/>
+            <a:r>
+              <a:rPr lang="en-US" smtClean="0"/>
+              <a:t>Second level</a:t>
+            </a:r>
+          </a:p>
+          <a:p>
+            <a:pPr lvl="2"/>
+            <a:r>
+              <a:rPr lang="en-US" smtClean="0"/>
+              <a:t>Third level</a:t>
+            </a:r>
+          </a:p>
+          <a:p>
+            <a:pPr lvl="3"/>
+            <a:r>
+              <a:rPr lang="en-US" smtClean="0"/>
+              <a:t>Fourth level</a:t>
+            </a:r>
+          </a:p>
+          <a:p>
+            <a:pPr lvl="4"/>
+            <a:r>
+              <a:rPr lang="en-US" smtClean="0"/>
+              <a:t>Fifth level</a:t>
+            </a:r>
+            <a:endParaRPr lang="en-US" dirty="0"/>
+          </a:p>
+        </p:txBody>
+      </p:sp>
+      <p:sp>
+        <p:nvSpPr>
+          <p:cNvPr id="4" name="Date Placeholder 3"/>
+          <p:cNvSpPr>
+            <a:spLocks noGrp="1"/>
+          </p:cNvSpPr>
+          <p:nvPr>
+            <p:ph type="dt" sz="half" idx="10"/>
+          </p:nvPr>
+        </p:nvSpPr>
+        <p:spPr/>
+        <p:txBody>
+          <a:bodyPr/>
+          <a:lstStyle/>
+          <a:p>
+            <a:fld id="{0FB821A2-3164-4CCB-88F4-79903DE1601A}" type="datetimeFigureOut">
+              <a:rPr lang="en-US" smtClean="0"/>
+              <a:t>5/24/2017</a:t>
+            </a:fld>
+            <a:endParaRPr lang="en-US"/>
+          </a:p>
+        </p:txBody>
+      </p:sp>
+      <p:sp>
+        <p:nvSpPr>
+          <p:cNvPr id="5" name="Footer Placeholder 4"/>
+          <p:cNvSpPr>
+            <a:spLocks noGrp="1"/>
+          </p:cNvSpPr>
+          <p:nvPr>
+            <p:ph type="ftr" sz="quarter" idx="11"/>
+          </p:nvPr>
+        </p:nvSpPr>
+        <p:spPr/>
+        <p:txBody>
+          <a:bodyPr/>
+          <a:lstStyle/>
+          <a:p>
+            <a:endParaRPr lang="en-US"/>
+          </a:p>
+        </p:txBody>
+      </p:sp>
+      <p:sp>
+        <p:nvSpPr>
+          <p:cNvPr id="6" name="Slide Number Placeholder 5"/>
+          <p:cNvSpPr>
+            <a:spLocks noGrp="1"/>
+          </p:cNvSpPr>
+          <p:nvPr>
+            <p:ph type="sldNum" sz="quarter" idx="12"/>
+          </p:nvPr>
+        </p:nvSpPr>
+        <p:spPr/>
+        <p:txBody>
+          <a:bodyPr/>
+          <a:lstStyle/>
+          <a:p>
+            <a:pPr>
+              <a:defRPr/>
+            </a:pPr>
+            <a:fld id="{58E27D68-75D7-1046-B88F-55C44A5ED9A6}" type="slidenum">
+              <a:rPr lang="en-US" smtClean="0"/>
+              <a:pPr>
+                <a:defRPr/>
+              </a:pPr>
+              <a:t>‹#›</a:t>
+            </a:fld>
+            <a:endParaRPr lang="en-US" dirty="0"/>
+          </a:p>
+        </p:txBody>
+      </p:sp>
+    </p:spTree>
+    <p:extLst>
+      <p:ext uri="{BB962C8B-B14F-4D97-AF65-F5344CB8AC3E}">
+        <p14:creationId xmlns:p14="http://schemas.microsoft.com/office/powerpoint/2010/main" val="2428846946"/>
+      </p:ext>
+    </p:extLst>
+  </p:cSld>
+  <p:clrMapOvr>
+    <a:masterClrMapping/>
+  </p:clrMapOvr>
+  <p:hf hdr="0" ftr="0" dt="0"/>
+</p:sldLayout>
+</file>
+
+<file path=ppt/slideLayouts/slideLayout13.xml><?xml version="1.0" encoding="utf-8"?>
+<p:sldLayout xmlns:a="http://schemas.openxmlformats.org/drawingml/2006/main" xmlns:r="http://schemas.openxmlformats.org/officeDocument/2006/relationships" xmlns:p="http://schemas.openxmlformats.org/presentationml/2006/main" type="secHead" preserve="1">
+  <p:cSld name="Section Header">
+    <p:spTree>
+      <p:nvGrpSpPr>
+        <p:cNvPr id="1" name=""/>
+        <p:cNvGrpSpPr/>
+        <p:nvPr/>
+      </p:nvGrpSpPr>
+      <p:grpSpPr>
+        <a:xfrm>
+          <a:off x="0" y="0"/>
+          <a:ext cx="0" cy="0"/>
+          <a:chOff x="0" y="0"/>
+          <a:chExt cx="0" cy="0"/>
+        </a:xfrm>
+      </p:grpSpPr>
+      <p:sp>
+        <p:nvSpPr>
+          <p:cNvPr id="2" name="Title 1"/>
+          <p:cNvSpPr>
+            <a:spLocks noGrp="1"/>
+          </p:cNvSpPr>
+          <p:nvPr>
+            <p:ph type="title"/>
+          </p:nvPr>
+        </p:nvSpPr>
+        <p:spPr>
+          <a:xfrm>
+            <a:off x="623888" y="1709739"/>
+            <a:ext cx="7886700" cy="2852737"/>
+          </a:xfrm>
+        </p:spPr>
+        <p:txBody>
+          <a:bodyPr anchor="b"/>
+          <a:lstStyle>
+            <a:lvl1pPr>
+              <a:defRPr sz="6000"/>
+            </a:lvl1pPr>
+          </a:lstStyle>
+          <a:p>
+            <a:r>
+              <a:rPr lang="en-US" smtClean="0"/>
+              <a:t>Click to edit Master title style</a:t>
+            </a:r>
+            <a:endParaRPr lang="en-US" dirty="0"/>
+          </a:p>
+        </p:txBody>
+      </p:sp>
+      <p:sp>
+        <p:nvSpPr>
+          <p:cNvPr id="3" name="Text Placeholder 2"/>
+          <p:cNvSpPr>
+            <a:spLocks noGrp="1"/>
+          </p:cNvSpPr>
+          <p:nvPr>
+            <p:ph type="body" idx="1"/>
+          </p:nvPr>
+        </p:nvSpPr>
+        <p:spPr>
+          <a:xfrm>
+            <a:off x="623888" y="4589464"/>
+            <a:ext cx="7886700" cy="1500187"/>
+          </a:xfrm>
+        </p:spPr>
+        <p:txBody>
+          <a:bodyPr/>
+          <a:lstStyle>
+            <a:lvl1pPr marL="0" indent="0">
+              <a:buNone/>
+              <a:defRPr sz="2400">
+                <a:solidFill>
+                  <a:schemeClr val="tx1"/>
+                </a:solidFill>
+              </a:defRPr>
+            </a:lvl1pPr>
+            <a:lvl2pPr marL="457200" indent="0">
+              <a:buNone/>
+              <a:defRPr sz="2000">
+                <a:solidFill>
+                  <a:schemeClr val="tx1">
+                    <a:tint val="75000"/>
+                  </a:schemeClr>
+                </a:solidFill>
+              </a:defRPr>
+            </a:lvl2pPr>
+            <a:lvl3pPr marL="914400" indent="0">
+              <a:buNone/>
+              <a:defRPr sz="1800">
+                <a:solidFill>
+                  <a:schemeClr val="tx1">
+                    <a:tint val="75000"/>
+                  </a:schemeClr>
+                </a:solidFill>
+              </a:defRPr>
+            </a:lvl3pPr>
+            <a:lvl4pPr marL="1371600" indent="0">
+              <a:buNone/>
+              <a:defRPr sz="1600">
+                <a:solidFill>
+                  <a:schemeClr val="tx1">
+                    <a:tint val="75000"/>
+                  </a:schemeClr>
+                </a:solidFill>
+              </a:defRPr>
+            </a:lvl4pPr>
+            <a:lvl5pPr marL="1828800" indent="0">
+              <a:buNone/>
+              <a:defRPr sz="1600">
+                <a:solidFill>
+                  <a:schemeClr val="tx1">
+                    <a:tint val="75000"/>
+                  </a:schemeClr>
+                </a:solidFill>
+              </a:defRPr>
+            </a:lvl5pPr>
+            <a:lvl6pPr marL="2286000" indent="0">
+              <a:buNone/>
+              <a:defRPr sz="1600">
+                <a:solidFill>
+                  <a:schemeClr val="tx1">
+                    <a:tint val="75000"/>
+                  </a:schemeClr>
+                </a:solidFill>
+              </a:defRPr>
+            </a:lvl6pPr>
+            <a:lvl7pPr marL="2743200" indent="0">
+              <a:buNone/>
+              <a:defRPr sz="1600">
+                <a:solidFill>
+                  <a:schemeClr val="tx1">
+                    <a:tint val="75000"/>
+                  </a:schemeClr>
+                </a:solidFill>
+              </a:defRPr>
+            </a:lvl7pPr>
+            <a:lvl8pPr marL="3200400" indent="0">
+              <a:buNone/>
+              <a:defRPr sz="1600">
+                <a:solidFill>
+                  <a:schemeClr val="tx1">
+                    <a:tint val="75000"/>
+                  </a:schemeClr>
+                </a:solidFill>
+              </a:defRPr>
+            </a:lvl8pPr>
+            <a:lvl9pPr marL="3657600" indent="0">
+              <a:buNone/>
+              <a:defRPr sz="1600">
+                <a:solidFill>
+                  <a:schemeClr val="tx1">
+                    <a:tint val="75000"/>
+                  </a:schemeClr>
+                </a:solidFill>
+              </a:defRPr>
+            </a:lvl9pPr>
+          </a:lstStyle>
+          <a:p>
+            <a:pPr lvl="0"/>
+            <a:r>
+              <a:rPr lang="en-US" smtClean="0"/>
+              <a:t>Click to edit Master text styles</a:t>
+            </a:r>
+          </a:p>
+        </p:txBody>
+      </p:sp>
+      <p:sp>
+        <p:nvSpPr>
+          <p:cNvPr id="4" name="Date Placeholder 3"/>
+          <p:cNvSpPr>
+            <a:spLocks noGrp="1"/>
+          </p:cNvSpPr>
+          <p:nvPr>
+            <p:ph type="dt" sz="half" idx="10"/>
+          </p:nvPr>
+        </p:nvSpPr>
+        <p:spPr/>
+        <p:txBody>
+          <a:bodyPr/>
+          <a:lstStyle/>
+          <a:p>
+            <a:fld id="{0FB821A2-3164-4CCB-88F4-79903DE1601A}" type="datetimeFigureOut">
+              <a:rPr lang="en-US" smtClean="0"/>
+              <a:t>5/24/2017</a:t>
+            </a:fld>
+            <a:endParaRPr lang="en-US"/>
+          </a:p>
+        </p:txBody>
+      </p:sp>
+      <p:sp>
+        <p:nvSpPr>
+          <p:cNvPr id="5" name="Footer Placeholder 4"/>
+          <p:cNvSpPr>
+            <a:spLocks noGrp="1"/>
+          </p:cNvSpPr>
+          <p:nvPr>
+            <p:ph type="ftr" sz="quarter" idx="11"/>
+          </p:nvPr>
+        </p:nvSpPr>
+        <p:spPr/>
+        <p:txBody>
+          <a:bodyPr/>
+          <a:lstStyle/>
+          <a:p>
+            <a:endParaRPr lang="en-US"/>
+          </a:p>
+        </p:txBody>
+      </p:sp>
+      <p:sp>
+        <p:nvSpPr>
+          <p:cNvPr id="6" name="Slide Number Placeholder 5"/>
+          <p:cNvSpPr>
+            <a:spLocks noGrp="1"/>
+          </p:cNvSpPr>
+          <p:nvPr>
+            <p:ph type="sldNum" sz="quarter" idx="12"/>
+          </p:nvPr>
+        </p:nvSpPr>
+        <p:spPr/>
+        <p:txBody>
+          <a:bodyPr/>
+          <a:lstStyle/>
+          <a:p>
+            <a:pPr>
+              <a:defRPr/>
+            </a:pPr>
+            <a:fld id="{58E27D68-75D7-1046-B88F-55C44A5ED9A6}" type="slidenum">
+              <a:rPr lang="en-US" smtClean="0"/>
+              <a:pPr>
+                <a:defRPr/>
+              </a:pPr>
+              <a:t>‹#›</a:t>
+            </a:fld>
+            <a:endParaRPr lang="en-US" dirty="0"/>
+          </a:p>
+        </p:txBody>
+      </p:sp>
+    </p:spTree>
+    <p:extLst>
+      <p:ext uri="{BB962C8B-B14F-4D97-AF65-F5344CB8AC3E}">
+        <p14:creationId xmlns:p14="http://schemas.microsoft.com/office/powerpoint/2010/main" val="372128010"/>
+      </p:ext>
+    </p:extLst>
+  </p:cSld>
+  <p:clrMapOvr>
+    <a:masterClrMapping/>
+  </p:clrMapOvr>
+  <p:hf hdr="0" ftr="0" dt="0"/>
+</p:sldLayout>
+</file>
+
+<file path=ppt/slideLayouts/slideLayout14.xml><?xml version="1.0" encoding="utf-8"?>
+<p:sldLayout xmlns:a="http://schemas.openxmlformats.org/drawingml/2006/main" xmlns:r="http://schemas.openxmlformats.org/officeDocument/2006/relationships" xmlns:p="http://schemas.openxmlformats.org/presentationml/2006/main" type="twoObj" preserve="1">
+  <p:cSld name="Two Content">
+    <p:spTree>
+      <p:nvGrpSpPr>
+        <p:cNvPr id="1" name=""/>
+        <p:cNvGrpSpPr/>
+        <p:nvPr/>
+      </p:nvGrpSpPr>
+      <p:grpSpPr>
+        <a:xfrm>
+          <a:off x="0" y="0"/>
+          <a:ext cx="0" cy="0"/>
+          <a:chOff x="0" y="0"/>
+          <a:chExt cx="0" cy="0"/>
+        </a:xfrm>
+      </p:grpSpPr>
+      <p:sp>
+        <p:nvSpPr>
+          <p:cNvPr id="2" name="Title 1"/>
+          <p:cNvSpPr>
+            <a:spLocks noGrp="1"/>
+          </p:cNvSpPr>
+          <p:nvPr>
+            <p:ph type="title"/>
+          </p:nvPr>
+        </p:nvSpPr>
+        <p:spPr/>
+        <p:txBody>
+          <a:bodyPr/>
+          <a:lstStyle/>
+          <a:p>
+            <a:r>
+              <a:rPr lang="en-US" smtClean="0"/>
+              <a:t>Click to edit Master title style</a:t>
+            </a:r>
+            <a:endParaRPr lang="en-US" dirty="0"/>
+          </a:p>
+        </p:txBody>
+      </p:sp>
+      <p:sp>
+        <p:nvSpPr>
+          <p:cNvPr id="3" name="Content Placeholder 2"/>
+          <p:cNvSpPr>
+            <a:spLocks noGrp="1"/>
+          </p:cNvSpPr>
+          <p:nvPr>
+            <p:ph sz="half" idx="1"/>
+          </p:nvPr>
+        </p:nvSpPr>
+        <p:spPr>
+          <a:xfrm>
+            <a:off x="628650" y="1825625"/>
+            <a:ext cx="3886200" cy="4351338"/>
+          </a:xfrm>
+        </p:spPr>
+        <p:txBody>
+          <a:bodyPr/>
+          <a:lstStyle/>
+          <a:p>
+            <a:pPr lvl="0"/>
+            <a:r>
+              <a:rPr lang="en-US" smtClean="0"/>
+              <a:t>Click to edit Master text styles</a:t>
+            </a:r>
+          </a:p>
+          <a:p>
+            <a:pPr lvl="1"/>
+            <a:r>
+              <a:rPr lang="en-US" smtClean="0"/>
+              <a:t>Second level</a:t>
+            </a:r>
+          </a:p>
+          <a:p>
+            <a:pPr lvl="2"/>
+            <a:r>
+              <a:rPr lang="en-US" smtClean="0"/>
+              <a:t>Third level</a:t>
+            </a:r>
+          </a:p>
+          <a:p>
+            <a:pPr lvl="3"/>
+            <a:r>
+              <a:rPr lang="en-US" smtClean="0"/>
+              <a:t>Fourth level</a:t>
+            </a:r>
+          </a:p>
+          <a:p>
+            <a:pPr lvl="4"/>
+            <a:r>
+              <a:rPr lang="en-US" smtClean="0"/>
+              <a:t>Fifth level</a:t>
+            </a:r>
+            <a:endParaRPr lang="en-US" dirty="0"/>
+          </a:p>
+        </p:txBody>
+      </p:sp>
+      <p:sp>
+        <p:nvSpPr>
+          <p:cNvPr id="4" name="Content Placeholder 3"/>
+          <p:cNvSpPr>
+            <a:spLocks noGrp="1"/>
+          </p:cNvSpPr>
+          <p:nvPr>
+            <p:ph sz="half" idx="2"/>
+          </p:nvPr>
+        </p:nvSpPr>
+        <p:spPr>
+          <a:xfrm>
+            <a:off x="4629150" y="1825625"/>
+            <a:ext cx="3886200" cy="4351338"/>
+          </a:xfrm>
+        </p:spPr>
+        <p:txBody>
+          <a:bodyPr/>
+          <a:lstStyle/>
+          <a:p>
+            <a:pPr lvl="0"/>
+            <a:r>
+              <a:rPr lang="en-US" smtClean="0"/>
+              <a:t>Click to edit Master text styles</a:t>
+            </a:r>
+          </a:p>
+          <a:p>
+            <a:pPr lvl="1"/>
+            <a:r>
+              <a:rPr lang="en-US" smtClean="0"/>
+              <a:t>Second level</a:t>
+            </a:r>
+          </a:p>
+          <a:p>
+            <a:pPr lvl="2"/>
+            <a:r>
+              <a:rPr lang="en-US" smtClean="0"/>
+              <a:t>Third level</a:t>
+            </a:r>
+          </a:p>
+          <a:p>
+            <a:pPr lvl="3"/>
+            <a:r>
+              <a:rPr lang="en-US" smtClean="0"/>
+              <a:t>Fourth level</a:t>
+            </a:r>
+          </a:p>
+          <a:p>
+            <a:pPr lvl="4"/>
+            <a:r>
+              <a:rPr lang="en-US" smtClean="0"/>
+              <a:t>Fifth level</a:t>
+            </a:r>
+            <a:endParaRPr lang="en-US" dirty="0"/>
+          </a:p>
+        </p:txBody>
+      </p:sp>
+      <p:sp>
+        <p:nvSpPr>
+          <p:cNvPr id="5" name="Date Placeholder 4"/>
+          <p:cNvSpPr>
+            <a:spLocks noGrp="1"/>
+          </p:cNvSpPr>
+          <p:nvPr>
+            <p:ph type="dt" sz="half" idx="10"/>
+          </p:nvPr>
+        </p:nvSpPr>
+        <p:spPr/>
+        <p:txBody>
+          <a:bodyPr/>
+          <a:lstStyle/>
+          <a:p>
+            <a:fld id="{0FB821A2-3164-4CCB-88F4-79903DE1601A}" type="datetimeFigureOut">
+              <a:rPr lang="en-US" smtClean="0"/>
+              <a:t>5/24/2017</a:t>
+            </a:fld>
+            <a:endParaRPr lang="en-US"/>
+          </a:p>
+        </p:txBody>
+      </p:sp>
+      <p:sp>
+        <p:nvSpPr>
+          <p:cNvPr id="6" name="Footer Placeholder 5"/>
+          <p:cNvSpPr>
+            <a:spLocks noGrp="1"/>
+          </p:cNvSpPr>
+          <p:nvPr>
+            <p:ph type="ftr" sz="quarter" idx="11"/>
+          </p:nvPr>
+        </p:nvSpPr>
+        <p:spPr/>
+        <p:txBody>
+          <a:bodyPr/>
+          <a:lstStyle/>
+          <a:p>
+            <a:endParaRPr lang="en-US"/>
+          </a:p>
+        </p:txBody>
+      </p:sp>
+      <p:sp>
+        <p:nvSpPr>
+          <p:cNvPr id="7" name="Slide Number Placeholder 6"/>
+          <p:cNvSpPr>
+            <a:spLocks noGrp="1"/>
+          </p:cNvSpPr>
+          <p:nvPr>
+            <p:ph type="sldNum" sz="quarter" idx="12"/>
+          </p:nvPr>
+        </p:nvSpPr>
+        <p:spPr/>
+        <p:txBody>
+          <a:bodyPr/>
+          <a:lstStyle/>
+          <a:p>
+            <a:pPr>
+              <a:defRPr/>
+            </a:pPr>
+            <a:fld id="{58E27D68-75D7-1046-B88F-55C44A5ED9A6}" type="slidenum">
+              <a:rPr lang="en-US" smtClean="0"/>
+              <a:pPr>
+                <a:defRPr/>
+              </a:pPr>
+              <a:t>‹#›</a:t>
+            </a:fld>
+            <a:endParaRPr lang="en-US" dirty="0"/>
+          </a:p>
+        </p:txBody>
+      </p:sp>
+    </p:spTree>
+    <p:extLst>
+      <p:ext uri="{BB962C8B-B14F-4D97-AF65-F5344CB8AC3E}">
+        <p14:creationId xmlns:p14="http://schemas.microsoft.com/office/powerpoint/2010/main" val="336120177"/>
+      </p:ext>
+    </p:extLst>
+  </p:cSld>
+  <p:clrMapOvr>
+    <a:masterClrMapping/>
+  </p:clrMapOvr>
+  <p:hf hdr="0" ftr="0" dt="0"/>
+</p:sldLayout>
+</file>
+
+<file path=ppt/slideLayouts/slideLayout15.xml><?xml version="1.0" encoding="utf-8"?>
+<p:sldLayout xmlns:a="http://schemas.openxmlformats.org/drawingml/2006/main" xmlns:r="http://schemas.openxmlformats.org/officeDocument/2006/relationships" xmlns:p="http://schemas.openxmlformats.org/presentationml/2006/main" type="twoTxTwoObj" preserve="1">
+  <p:cSld name="Comparison">
+    <p:spTree>
+      <p:nvGrpSpPr>
+        <p:cNvPr id="1" name=""/>
+        <p:cNvGrpSpPr/>
+        <p:nvPr/>
+      </p:nvGrpSpPr>
+      <p:grpSpPr>
+        <a:xfrm>
+          <a:off x="0" y="0"/>
+          <a:ext cx="0" cy="0"/>
+          <a:chOff x="0" y="0"/>
+          <a:chExt cx="0" cy="0"/>
+        </a:xfrm>
+      </p:grpSpPr>
+      <p:sp>
+        <p:nvSpPr>
+          <p:cNvPr id="2" name="Title 1"/>
+          <p:cNvSpPr>
+            <a:spLocks noGrp="1"/>
+          </p:cNvSpPr>
+          <p:nvPr>
+            <p:ph type="title"/>
+          </p:nvPr>
+        </p:nvSpPr>
+        <p:spPr>
+          <a:xfrm>
+            <a:off x="629841" y="365126"/>
+            <a:ext cx="7886700" cy="1325563"/>
+          </a:xfrm>
+        </p:spPr>
+        <p:txBody>
+          <a:bodyPr/>
+          <a:lstStyle/>
+          <a:p>
+            <a:r>
+              <a:rPr lang="en-US" smtClean="0"/>
+              <a:t>Click to edit Master title style</a:t>
+            </a:r>
+            <a:endParaRPr lang="en-US" dirty="0"/>
+          </a:p>
+        </p:txBody>
+      </p:sp>
+      <p:sp>
+        <p:nvSpPr>
+          <p:cNvPr id="3" name="Text Placeholder 2"/>
+          <p:cNvSpPr>
+            <a:spLocks noGrp="1"/>
+          </p:cNvSpPr>
+          <p:nvPr>
+            <p:ph type="body" idx="1"/>
+          </p:nvPr>
+        </p:nvSpPr>
+        <p:spPr>
+          <a:xfrm>
+            <a:off x="629842" y="1681163"/>
+            <a:ext cx="3868340" cy="823912"/>
+          </a:xfrm>
+        </p:spPr>
+        <p:txBody>
+          <a:bodyPr anchor="b"/>
+          <a:lstStyle>
+            <a:lvl1pPr marL="0" indent="0">
+              <a:buNone/>
+              <a:defRPr sz="2400" b="1"/>
+            </a:lvl1pPr>
+            <a:lvl2pPr marL="457200" indent="0">
+              <a:buNone/>
+              <a:defRPr sz="2000" b="1"/>
+            </a:lvl2pPr>
+            <a:lvl3pPr marL="914400" indent="0">
+              <a:buNone/>
+              <a:defRPr sz="1800" b="1"/>
+            </a:lvl3pPr>
+            <a:lvl4pPr marL="1371600" indent="0">
+              <a:buNone/>
+              <a:defRPr sz="1600" b="1"/>
+            </a:lvl4pPr>
+            <a:lvl5pPr marL="1828800" indent="0">
+              <a:buNone/>
+              <a:defRPr sz="1600" b="1"/>
+            </a:lvl5pPr>
+            <a:lvl6pPr marL="2286000" indent="0">
+              <a:buNone/>
+              <a:defRPr sz="1600" b="1"/>
+            </a:lvl6pPr>
+            <a:lvl7pPr marL="2743200" indent="0">
+              <a:buNone/>
+              <a:defRPr sz="1600" b="1"/>
+            </a:lvl7pPr>
+            <a:lvl8pPr marL="3200400" indent="0">
+              <a:buNone/>
+              <a:defRPr sz="1600" b="1"/>
+            </a:lvl8pPr>
+            <a:lvl9pPr marL="3657600" indent="0">
+              <a:buNone/>
+              <a:defRPr sz="1600" b="1"/>
+            </a:lvl9pPr>
+          </a:lstStyle>
+          <a:p>
+            <a:pPr lvl="0"/>
+            <a:r>
+              <a:rPr lang="en-US" smtClean="0"/>
+              <a:t>Click to edit Master text styles</a:t>
+            </a:r>
+          </a:p>
+        </p:txBody>
+      </p:sp>
+      <p:sp>
+        <p:nvSpPr>
+          <p:cNvPr id="4" name="Content Placeholder 3"/>
+          <p:cNvSpPr>
+            <a:spLocks noGrp="1"/>
+          </p:cNvSpPr>
+          <p:nvPr>
+            <p:ph sz="half" idx="2"/>
+          </p:nvPr>
+        </p:nvSpPr>
+        <p:spPr>
+          <a:xfrm>
+            <a:off x="629842" y="2505075"/>
+            <a:ext cx="3868340" cy="3684588"/>
+          </a:xfrm>
+        </p:spPr>
+        <p:txBody>
+          <a:bodyPr/>
+          <a:lstStyle/>
+          <a:p>
+            <a:pPr lvl="0"/>
+            <a:r>
+              <a:rPr lang="en-US" smtClean="0"/>
+              <a:t>Click to edit Master text styles</a:t>
+            </a:r>
+          </a:p>
+          <a:p>
+            <a:pPr lvl="1"/>
+            <a:r>
+              <a:rPr lang="en-US" smtClean="0"/>
+              <a:t>Second level</a:t>
+            </a:r>
+          </a:p>
+          <a:p>
+            <a:pPr lvl="2"/>
+            <a:r>
+              <a:rPr lang="en-US" smtClean="0"/>
+              <a:t>Third level</a:t>
+            </a:r>
+          </a:p>
+          <a:p>
+            <a:pPr lvl="3"/>
+            <a:r>
+              <a:rPr lang="en-US" smtClean="0"/>
+              <a:t>Fourth level</a:t>
+            </a:r>
+          </a:p>
+          <a:p>
+            <a:pPr lvl="4"/>
+            <a:r>
+              <a:rPr lang="en-US" smtClean="0"/>
+              <a:t>Fifth level</a:t>
+            </a:r>
+            <a:endParaRPr lang="en-US" dirty="0"/>
+          </a:p>
+        </p:txBody>
+      </p:sp>
+      <p:sp>
+        <p:nvSpPr>
+          <p:cNvPr id="5" name="Text Placeholder 4"/>
+          <p:cNvSpPr>
+            <a:spLocks noGrp="1"/>
+          </p:cNvSpPr>
+          <p:nvPr>
+            <p:ph type="body" sz="quarter" idx="3"/>
+          </p:nvPr>
+        </p:nvSpPr>
+        <p:spPr>
+          <a:xfrm>
+            <a:off x="4629150" y="1681163"/>
+            <a:ext cx="3887391" cy="823912"/>
+          </a:xfrm>
+        </p:spPr>
+        <p:txBody>
+          <a:bodyPr anchor="b"/>
+          <a:lstStyle>
+            <a:lvl1pPr marL="0" indent="0">
+              <a:buNone/>
+              <a:defRPr sz="2400" b="1"/>
+            </a:lvl1pPr>
+            <a:lvl2pPr marL="457200" indent="0">
+              <a:buNone/>
+              <a:defRPr sz="2000" b="1"/>
+            </a:lvl2pPr>
+            <a:lvl3pPr marL="914400" indent="0">
+              <a:buNone/>
+              <a:defRPr sz="1800" b="1"/>
+            </a:lvl3pPr>
+            <a:lvl4pPr marL="1371600" indent="0">
+              <a:buNone/>
+              <a:defRPr sz="1600" b="1"/>
+            </a:lvl4pPr>
+            <a:lvl5pPr marL="1828800" indent="0">
+              <a:buNone/>
+              <a:defRPr sz="1600" b="1"/>
+            </a:lvl5pPr>
+            <a:lvl6pPr marL="2286000" indent="0">
+              <a:buNone/>
+              <a:defRPr sz="1600" b="1"/>
+            </a:lvl6pPr>
+            <a:lvl7pPr marL="2743200" indent="0">
+              <a:buNone/>
+              <a:defRPr sz="1600" b="1"/>
+            </a:lvl7pPr>
+            <a:lvl8pPr marL="3200400" indent="0">
+              <a:buNone/>
+              <a:defRPr sz="1600" b="1"/>
+            </a:lvl8pPr>
+            <a:lvl9pPr marL="3657600" indent="0">
+              <a:buNone/>
+              <a:defRPr sz="1600" b="1"/>
+            </a:lvl9pPr>
+          </a:lstStyle>
+          <a:p>
+            <a:pPr lvl="0"/>
+            <a:r>
+              <a:rPr lang="en-US" smtClean="0"/>
+              <a:t>Click to edit Master text styles</a:t>
+            </a:r>
+          </a:p>
+        </p:txBody>
+      </p:sp>
+      <p:sp>
+        <p:nvSpPr>
+          <p:cNvPr id="6" name="Content Placeholder 5"/>
+          <p:cNvSpPr>
+            <a:spLocks noGrp="1"/>
+          </p:cNvSpPr>
+          <p:nvPr>
+            <p:ph sz="quarter" idx="4"/>
+          </p:nvPr>
+        </p:nvSpPr>
+        <p:spPr>
+          <a:xfrm>
+            <a:off x="4629150" y="2505075"/>
+            <a:ext cx="3887391" cy="3684588"/>
+          </a:xfrm>
+        </p:spPr>
+        <p:txBody>
+          <a:bodyPr/>
+          <a:lstStyle/>
+          <a:p>
+            <a:pPr lvl="0"/>
+            <a:r>
+              <a:rPr lang="en-US" smtClean="0"/>
+              <a:t>Click to edit Master text styles</a:t>
+            </a:r>
+          </a:p>
+          <a:p>
+            <a:pPr lvl="1"/>
+            <a:r>
+              <a:rPr lang="en-US" smtClean="0"/>
+              <a:t>Second level</a:t>
+            </a:r>
+          </a:p>
+          <a:p>
+            <a:pPr lvl="2"/>
+            <a:r>
+              <a:rPr lang="en-US" smtClean="0"/>
+              <a:t>Third level</a:t>
+            </a:r>
+          </a:p>
+          <a:p>
+            <a:pPr lvl="3"/>
+            <a:r>
+              <a:rPr lang="en-US" smtClean="0"/>
+              <a:t>Fourth level</a:t>
+            </a:r>
+          </a:p>
+          <a:p>
+            <a:pPr lvl="4"/>
+            <a:r>
+              <a:rPr lang="en-US" smtClean="0"/>
+              <a:t>Fifth level</a:t>
+            </a:r>
+            <a:endParaRPr lang="en-US" dirty="0"/>
+          </a:p>
+        </p:txBody>
+      </p:sp>
+      <p:sp>
+        <p:nvSpPr>
+          <p:cNvPr id="7" name="Date Placeholder 6"/>
+          <p:cNvSpPr>
+            <a:spLocks noGrp="1"/>
+          </p:cNvSpPr>
+          <p:nvPr>
+            <p:ph type="dt" sz="half" idx="10"/>
+          </p:nvPr>
+        </p:nvSpPr>
+        <p:spPr/>
+        <p:txBody>
+          <a:bodyPr/>
+          <a:lstStyle/>
+          <a:p>
+            <a:fld id="{0FB821A2-3164-4CCB-88F4-79903DE1601A}" type="datetimeFigureOut">
+              <a:rPr lang="en-US" smtClean="0"/>
+              <a:t>5/24/2017</a:t>
+            </a:fld>
+            <a:endParaRPr lang="en-US"/>
+          </a:p>
+        </p:txBody>
+      </p:sp>
+      <p:sp>
+        <p:nvSpPr>
+          <p:cNvPr id="8" name="Footer Placeholder 7"/>
+          <p:cNvSpPr>
+            <a:spLocks noGrp="1"/>
+          </p:cNvSpPr>
+          <p:nvPr>
+            <p:ph type="ftr" sz="quarter" idx="11"/>
+          </p:nvPr>
+        </p:nvSpPr>
+        <p:spPr/>
+        <p:txBody>
+          <a:bodyPr/>
+          <a:lstStyle/>
+          <a:p>
+            <a:endParaRPr lang="en-US"/>
+          </a:p>
+        </p:txBody>
+      </p:sp>
+      <p:sp>
+        <p:nvSpPr>
+          <p:cNvPr id="9" name="Slide Number Placeholder 8"/>
+          <p:cNvSpPr>
+            <a:spLocks noGrp="1"/>
+          </p:cNvSpPr>
+          <p:nvPr>
+            <p:ph type="sldNum" sz="quarter" idx="12"/>
+          </p:nvPr>
+        </p:nvSpPr>
+        <p:spPr/>
+        <p:txBody>
+          <a:bodyPr/>
+          <a:lstStyle/>
+          <a:p>
+            <a:pPr>
+              <a:defRPr/>
+            </a:pPr>
+            <a:fld id="{58E27D68-75D7-1046-B88F-55C44A5ED9A6}" type="slidenum">
+              <a:rPr lang="en-US" smtClean="0"/>
+              <a:pPr>
+                <a:defRPr/>
+              </a:pPr>
+              <a:t>‹#›</a:t>
+            </a:fld>
+            <a:endParaRPr lang="en-US" dirty="0"/>
+          </a:p>
+        </p:txBody>
+      </p:sp>
+    </p:spTree>
+    <p:extLst>
+      <p:ext uri="{BB962C8B-B14F-4D97-AF65-F5344CB8AC3E}">
+        <p14:creationId xmlns:p14="http://schemas.microsoft.com/office/powerpoint/2010/main" val="1312976885"/>
+      </p:ext>
+    </p:extLst>
+  </p:cSld>
+  <p:clrMapOvr>
+    <a:masterClrMapping/>
+  </p:clrMapOvr>
+  <p:hf hdr="0" ftr="0" dt="0"/>
+</p:sldLayout>
+</file>
+
+<file path=ppt/slideLayouts/slideLayout16.xml><?xml version="1.0" encoding="utf-8"?>
+<p:sldLayout xmlns:a="http://schemas.openxmlformats.org/drawingml/2006/main" xmlns:r="http://schemas.openxmlformats.org/officeDocument/2006/relationships" xmlns:p="http://schemas.openxmlformats.org/presentationml/2006/main" type="titleOnly" preserve="1">
+  <p:cSld name="Title Only">
+    <p:spTree>
+      <p:nvGrpSpPr>
+        <p:cNvPr id="1" name=""/>
+        <p:cNvGrpSpPr/>
+        <p:nvPr/>
+      </p:nvGrpSpPr>
+      <p:grpSpPr>
+        <a:xfrm>
+          <a:off x="0" y="0"/>
+          <a:ext cx="0" cy="0"/>
+          <a:chOff x="0" y="0"/>
+          <a:chExt cx="0" cy="0"/>
+        </a:xfrm>
+      </p:grpSpPr>
+      <p:sp>
+        <p:nvSpPr>
+          <p:cNvPr id="2" name="Title 1"/>
+          <p:cNvSpPr>
+            <a:spLocks noGrp="1"/>
+          </p:cNvSpPr>
+          <p:nvPr>
+            <p:ph type="title"/>
+          </p:nvPr>
+        </p:nvSpPr>
+        <p:spPr/>
+        <p:txBody>
+          <a:bodyPr/>
+          <a:lstStyle/>
+          <a:p>
+            <a:r>
+              <a:rPr lang="en-US" smtClean="0"/>
+              <a:t>Click to edit Master title style</a:t>
+            </a:r>
+            <a:endParaRPr lang="en-US" dirty="0"/>
+          </a:p>
+        </p:txBody>
+      </p:sp>
+      <p:sp>
+        <p:nvSpPr>
+          <p:cNvPr id="3" name="Date Placeholder 2"/>
+          <p:cNvSpPr>
+            <a:spLocks noGrp="1"/>
+          </p:cNvSpPr>
+          <p:nvPr>
+            <p:ph type="dt" sz="half" idx="10"/>
+          </p:nvPr>
+        </p:nvSpPr>
+        <p:spPr/>
+        <p:txBody>
+          <a:bodyPr/>
+          <a:lstStyle/>
+          <a:p>
+            <a:fld id="{0FB821A2-3164-4CCB-88F4-79903DE1601A}" type="datetimeFigureOut">
+              <a:rPr lang="en-US" smtClean="0"/>
+              <a:t>5/24/2017</a:t>
+            </a:fld>
+            <a:endParaRPr lang="en-US"/>
+          </a:p>
+        </p:txBody>
+      </p:sp>
+      <p:sp>
+        <p:nvSpPr>
+          <p:cNvPr id="4" name="Footer Placeholder 3"/>
+          <p:cNvSpPr>
+            <a:spLocks noGrp="1"/>
+          </p:cNvSpPr>
+          <p:nvPr>
+            <p:ph type="ftr" sz="quarter" idx="11"/>
+          </p:nvPr>
+        </p:nvSpPr>
+        <p:spPr/>
+        <p:txBody>
+          <a:bodyPr/>
+          <a:lstStyle/>
+          <a:p>
+            <a:endParaRPr lang="en-US"/>
+          </a:p>
+        </p:txBody>
+      </p:sp>
+      <p:sp>
+        <p:nvSpPr>
+          <p:cNvPr id="5" name="Slide Number Placeholder 4"/>
+          <p:cNvSpPr>
+            <a:spLocks noGrp="1"/>
+          </p:cNvSpPr>
+          <p:nvPr>
+            <p:ph type="sldNum" sz="quarter" idx="12"/>
+          </p:nvPr>
+        </p:nvSpPr>
+        <p:spPr/>
+        <p:txBody>
+          <a:bodyPr/>
+          <a:lstStyle/>
+          <a:p>
+            <a:pPr>
+              <a:defRPr/>
+            </a:pPr>
+            <a:fld id="{58E27D68-75D7-1046-B88F-55C44A5ED9A6}" type="slidenum">
+              <a:rPr lang="en-US" smtClean="0"/>
+              <a:pPr>
+                <a:defRPr/>
+              </a:pPr>
+              <a:t>‹#›</a:t>
+            </a:fld>
+            <a:endParaRPr lang="en-US" dirty="0"/>
+          </a:p>
+        </p:txBody>
+      </p:sp>
+    </p:spTree>
+    <p:extLst>
+      <p:ext uri="{BB962C8B-B14F-4D97-AF65-F5344CB8AC3E}">
+        <p14:creationId xmlns:p14="http://schemas.microsoft.com/office/powerpoint/2010/main" val="1280707380"/>
+      </p:ext>
+    </p:extLst>
+  </p:cSld>
+  <p:clrMapOvr>
+    <a:masterClrMapping/>
+  </p:clrMapOvr>
+  <p:hf hdr="0" ftr="0" dt="0"/>
+</p:sldLayout>
+</file>
+
+<file path=ppt/slideLayouts/slideLayout17.xml><?xml version="1.0" encoding="utf-8"?>
+<p:sldLayout xmlns:a="http://schemas.openxmlformats.org/drawingml/2006/main" xmlns:r="http://schemas.openxmlformats.org/officeDocument/2006/relationships" xmlns:p="http://schemas.openxmlformats.org/presentationml/2006/main" type="blank" preserve="1">
+  <p:cSld name="Blank">
+    <p:spTree>
+      <p:nvGrpSpPr>
+        <p:cNvPr id="1" name=""/>
+        <p:cNvGrpSpPr/>
+        <p:nvPr/>
+      </p:nvGrpSpPr>
+      <p:grpSpPr>
+        <a:xfrm>
+          <a:off x="0" y="0"/>
+          <a:ext cx="0" cy="0"/>
+          <a:chOff x="0" y="0"/>
+          <a:chExt cx="0" cy="0"/>
+        </a:xfrm>
+      </p:grpSpPr>
+      <p:sp>
+        <p:nvSpPr>
+          <p:cNvPr id="2" name="Date Placeholder 1"/>
+          <p:cNvSpPr>
+            <a:spLocks noGrp="1"/>
+          </p:cNvSpPr>
+          <p:nvPr>
+            <p:ph type="dt" sz="half" idx="10"/>
+          </p:nvPr>
+        </p:nvSpPr>
+        <p:spPr/>
+        <p:txBody>
+          <a:bodyPr/>
+          <a:lstStyle/>
+          <a:p>
+            <a:fld id="{0FB821A2-3164-4CCB-88F4-79903DE1601A}" type="datetimeFigureOut">
+              <a:rPr lang="en-US" smtClean="0"/>
+              <a:t>5/24/2017</a:t>
+            </a:fld>
+            <a:endParaRPr lang="en-US"/>
+          </a:p>
+        </p:txBody>
+      </p:sp>
+      <p:sp>
+        <p:nvSpPr>
+          <p:cNvPr id="3" name="Footer Placeholder 2"/>
+          <p:cNvSpPr>
+            <a:spLocks noGrp="1"/>
+          </p:cNvSpPr>
+          <p:nvPr>
+            <p:ph type="ftr" sz="quarter" idx="11"/>
+          </p:nvPr>
+        </p:nvSpPr>
+        <p:spPr/>
+        <p:txBody>
+          <a:bodyPr/>
+          <a:lstStyle/>
+          <a:p>
+            <a:endParaRPr lang="en-US"/>
+          </a:p>
+        </p:txBody>
+      </p:sp>
+      <p:sp>
+        <p:nvSpPr>
+          <p:cNvPr id="4" name="Slide Number Placeholder 3"/>
+          <p:cNvSpPr>
+            <a:spLocks noGrp="1"/>
+          </p:cNvSpPr>
+          <p:nvPr>
+            <p:ph type="sldNum" sz="quarter" idx="12"/>
+          </p:nvPr>
+        </p:nvSpPr>
+        <p:spPr/>
+        <p:txBody>
+          <a:bodyPr/>
+          <a:lstStyle/>
+          <a:p>
+            <a:pPr>
+              <a:defRPr/>
+            </a:pPr>
+            <a:fld id="{58E27D68-75D7-1046-B88F-55C44A5ED9A6}" type="slidenum">
+              <a:rPr lang="en-US" smtClean="0"/>
+              <a:pPr>
+                <a:defRPr/>
+              </a:pPr>
+              <a:t>‹#›</a:t>
+            </a:fld>
+            <a:endParaRPr lang="en-US" dirty="0"/>
+          </a:p>
+        </p:txBody>
+      </p:sp>
+    </p:spTree>
+    <p:extLst>
+      <p:ext uri="{BB962C8B-B14F-4D97-AF65-F5344CB8AC3E}">
+        <p14:creationId xmlns:p14="http://schemas.microsoft.com/office/powerpoint/2010/main" val="3859210947"/>
+      </p:ext>
+    </p:extLst>
+  </p:cSld>
+  <p:clrMapOvr>
+    <a:masterClrMapping/>
+  </p:clrMapOvr>
+  <p:hf hdr="0" ftr="0" dt="0"/>
+</p:sldLayout>
+</file>
+
+<file path=ppt/slideLayouts/slideLayout18.xml><?xml version="1.0" encoding="utf-8"?>
+<p:sldLayout xmlns:a="http://schemas.openxmlformats.org/drawingml/2006/main" xmlns:r="http://schemas.openxmlformats.org/officeDocument/2006/relationships" xmlns:p="http://schemas.openxmlformats.org/presentationml/2006/main" type="objTx" preserve="1">
+  <p:cSld name="Content with Caption">
+    <p:spTree>
+      <p:nvGrpSpPr>
+        <p:cNvPr id="1" name=""/>
+        <p:cNvGrpSpPr/>
+        <p:nvPr/>
+      </p:nvGrpSpPr>
+      <p:grpSpPr>
+        <a:xfrm>
+          <a:off x="0" y="0"/>
+          <a:ext cx="0" cy="0"/>
+          <a:chOff x="0" y="0"/>
+          <a:chExt cx="0" cy="0"/>
+        </a:xfrm>
+      </p:grpSpPr>
+      <p:sp>
+        <p:nvSpPr>
+          <p:cNvPr id="2" name="Title 1"/>
+          <p:cNvSpPr>
+            <a:spLocks noGrp="1"/>
+          </p:cNvSpPr>
+          <p:nvPr>
+            <p:ph type="title"/>
+          </p:nvPr>
+        </p:nvSpPr>
+        <p:spPr>
+          <a:xfrm>
+            <a:off x="629841" y="457200"/>
+            <a:ext cx="2949178" cy="1600200"/>
+          </a:xfrm>
+        </p:spPr>
+        <p:txBody>
+          <a:bodyPr anchor="b"/>
+          <a:lstStyle>
+            <a:lvl1pPr>
+              <a:defRPr sz="3200"/>
+            </a:lvl1pPr>
+          </a:lstStyle>
+          <a:p>
+            <a:r>
+              <a:rPr lang="en-US" smtClean="0"/>
+              <a:t>Click to edit Master title style</a:t>
+            </a:r>
+            <a:endParaRPr lang="en-US" dirty="0"/>
+          </a:p>
+        </p:txBody>
+      </p:sp>
+      <p:sp>
+        <p:nvSpPr>
+          <p:cNvPr id="3" name="Content Placeholder 2"/>
+          <p:cNvSpPr>
+            <a:spLocks noGrp="1"/>
+          </p:cNvSpPr>
+          <p:nvPr>
+            <p:ph idx="1"/>
+          </p:nvPr>
+        </p:nvSpPr>
+        <p:spPr>
+          <a:xfrm>
+            <a:off x="3887391" y="987426"/>
+            <a:ext cx="4629150" cy="4873625"/>
+          </a:xfrm>
+        </p:spPr>
+        <p:txBody>
+          <a:bodyPr/>
+          <a:lstStyle>
+            <a:lvl1pPr>
+              <a:defRPr sz="3200"/>
+            </a:lvl1pPr>
+            <a:lvl2pPr>
+              <a:defRPr sz="2800"/>
+            </a:lvl2pPr>
+            <a:lvl3pPr>
+              <a:defRPr sz="2400"/>
+            </a:lvl3pPr>
+            <a:lvl4pPr>
+              <a:defRPr sz="2000"/>
+            </a:lvl4pPr>
+            <a:lvl5pPr>
+              <a:defRPr sz="2000"/>
+            </a:lvl5pPr>
+            <a:lvl6pPr>
+              <a:defRPr sz="2000"/>
+            </a:lvl6pPr>
+            <a:lvl7pPr>
+              <a:defRPr sz="2000"/>
+            </a:lvl7pPr>
+            <a:lvl8pPr>
+              <a:defRPr sz="2000"/>
+            </a:lvl8pPr>
+            <a:lvl9pPr>
+              <a:defRPr sz="2000"/>
+            </a:lvl9pPr>
+          </a:lstStyle>
+          <a:p>
+            <a:pPr lvl="0"/>
+            <a:r>
+              <a:rPr lang="en-US" smtClean="0"/>
+              <a:t>Click to edit Master text styles</a:t>
+            </a:r>
+          </a:p>
+          <a:p>
+            <a:pPr lvl="1"/>
+            <a:r>
+              <a:rPr lang="en-US" smtClean="0"/>
+              <a:t>Second level</a:t>
+            </a:r>
+          </a:p>
+          <a:p>
+            <a:pPr lvl="2"/>
+            <a:r>
+              <a:rPr lang="en-US" smtClean="0"/>
+              <a:t>Third level</a:t>
+            </a:r>
+          </a:p>
+          <a:p>
+            <a:pPr lvl="3"/>
+            <a:r>
+              <a:rPr lang="en-US" smtClean="0"/>
+              <a:t>Fourth level</a:t>
+            </a:r>
+          </a:p>
+          <a:p>
+            <a:pPr lvl="4"/>
+            <a:r>
+              <a:rPr lang="en-US" smtClean="0"/>
+              <a:t>Fifth level</a:t>
+            </a:r>
+            <a:endParaRPr lang="en-US" dirty="0"/>
+          </a:p>
+        </p:txBody>
+      </p:sp>
+      <p:sp>
+        <p:nvSpPr>
+          <p:cNvPr id="4" name="Text Placeholder 3"/>
+          <p:cNvSpPr>
+            <a:spLocks noGrp="1"/>
+          </p:cNvSpPr>
+          <p:nvPr>
+            <p:ph type="body" sz="half" idx="2"/>
+          </p:nvPr>
+        </p:nvSpPr>
+        <p:spPr>
+          <a:xfrm>
+            <a:off x="629841" y="2057400"/>
+            <a:ext cx="2949178" cy="3811588"/>
+          </a:xfrm>
+        </p:spPr>
+        <p:txBody>
+          <a:bodyPr/>
+          <a:lstStyle>
+            <a:lvl1pPr marL="0" indent="0">
+              <a:buNone/>
+              <a:defRPr sz="1600"/>
+            </a:lvl1pPr>
+            <a:lvl2pPr marL="457200" indent="0">
+              <a:buNone/>
+              <a:defRPr sz="1400"/>
+            </a:lvl2pPr>
+            <a:lvl3pPr marL="914400" indent="0">
+              <a:buNone/>
+              <a:defRPr sz="1200"/>
+            </a:lvl3pPr>
+            <a:lvl4pPr marL="1371600" indent="0">
+              <a:buNone/>
+              <a:defRPr sz="1000"/>
+            </a:lvl4pPr>
+            <a:lvl5pPr marL="1828800" indent="0">
+              <a:buNone/>
+              <a:defRPr sz="1000"/>
+            </a:lvl5pPr>
+            <a:lvl6pPr marL="2286000" indent="0">
+              <a:buNone/>
+              <a:defRPr sz="1000"/>
+            </a:lvl6pPr>
+            <a:lvl7pPr marL="2743200" indent="0">
+              <a:buNone/>
+              <a:defRPr sz="1000"/>
+            </a:lvl7pPr>
+            <a:lvl8pPr marL="3200400" indent="0">
+              <a:buNone/>
+              <a:defRPr sz="1000"/>
+            </a:lvl8pPr>
+            <a:lvl9pPr marL="3657600" indent="0">
+              <a:buNone/>
+              <a:defRPr sz="1000"/>
+            </a:lvl9pPr>
+          </a:lstStyle>
+          <a:p>
+            <a:pPr lvl="0"/>
+            <a:r>
+              <a:rPr lang="en-US" smtClean="0"/>
+              <a:t>Click to edit Master text styles</a:t>
+            </a:r>
+          </a:p>
+        </p:txBody>
+      </p:sp>
+      <p:sp>
+        <p:nvSpPr>
+          <p:cNvPr id="5" name="Date Placeholder 4"/>
+          <p:cNvSpPr>
+            <a:spLocks noGrp="1"/>
+          </p:cNvSpPr>
+          <p:nvPr>
+            <p:ph type="dt" sz="half" idx="10"/>
+          </p:nvPr>
+        </p:nvSpPr>
+        <p:spPr/>
+        <p:txBody>
+          <a:bodyPr/>
+          <a:lstStyle/>
+          <a:p>
+            <a:fld id="{0FB821A2-3164-4CCB-88F4-79903DE1601A}" type="datetimeFigureOut">
+              <a:rPr lang="en-US" smtClean="0"/>
+              <a:t>5/24/2017</a:t>
+            </a:fld>
+            <a:endParaRPr lang="en-US"/>
+          </a:p>
+        </p:txBody>
+      </p:sp>
+      <p:sp>
+        <p:nvSpPr>
+          <p:cNvPr id="6" name="Footer Placeholder 5"/>
+          <p:cNvSpPr>
+            <a:spLocks noGrp="1"/>
+          </p:cNvSpPr>
+          <p:nvPr>
+            <p:ph type="ftr" sz="quarter" idx="11"/>
+          </p:nvPr>
+        </p:nvSpPr>
+        <p:spPr/>
+        <p:txBody>
+          <a:bodyPr/>
+          <a:lstStyle/>
+          <a:p>
+            <a:endParaRPr lang="en-US"/>
+          </a:p>
+        </p:txBody>
+      </p:sp>
+      <p:sp>
+        <p:nvSpPr>
+          <p:cNvPr id="7" name="Slide Number Placeholder 6"/>
+          <p:cNvSpPr>
+            <a:spLocks noGrp="1"/>
+          </p:cNvSpPr>
+          <p:nvPr>
+            <p:ph type="sldNum" sz="quarter" idx="12"/>
+          </p:nvPr>
+        </p:nvSpPr>
+        <p:spPr/>
+        <p:txBody>
+          <a:bodyPr/>
+          <a:lstStyle/>
+          <a:p>
+            <a:pPr>
+              <a:defRPr/>
+            </a:pPr>
+            <a:fld id="{58E27D68-75D7-1046-B88F-55C44A5ED9A6}" type="slidenum">
+              <a:rPr lang="en-US" smtClean="0"/>
+              <a:pPr>
+                <a:defRPr/>
+              </a:pPr>
+              <a:t>‹#›</a:t>
+            </a:fld>
+            <a:endParaRPr lang="en-US" dirty="0"/>
+          </a:p>
+        </p:txBody>
+      </p:sp>
+    </p:spTree>
+    <p:extLst>
+      <p:ext uri="{BB962C8B-B14F-4D97-AF65-F5344CB8AC3E}">
+        <p14:creationId xmlns:p14="http://schemas.microsoft.com/office/powerpoint/2010/main" val="1793561918"/>
+      </p:ext>
+    </p:extLst>
+  </p:cSld>
+  <p:clrMapOvr>
+    <a:masterClrMapping/>
+  </p:clrMapOvr>
+  <p:hf hdr="0" ftr="0" dt="0"/>
+</p:sldLayout>
+</file>
+
+<file path=ppt/slideLayouts/slideLayout19.xml><?xml version="1.0" encoding="utf-8"?>
+<p:sldLayout xmlns:a="http://schemas.openxmlformats.org/drawingml/2006/main" xmlns:r="http://schemas.openxmlformats.org/officeDocument/2006/relationships" xmlns:p="http://schemas.openxmlformats.org/presentationml/2006/main" type="picTx" preserve="1">
+  <p:cSld name="Picture with Caption">
+    <p:spTree>
+      <p:nvGrpSpPr>
+        <p:cNvPr id="1" name=""/>
+        <p:cNvGrpSpPr/>
+        <p:nvPr/>
+      </p:nvGrpSpPr>
+      <p:grpSpPr>
+        <a:xfrm>
+          <a:off x="0" y="0"/>
+          <a:ext cx="0" cy="0"/>
+          <a:chOff x="0" y="0"/>
+          <a:chExt cx="0" cy="0"/>
+        </a:xfrm>
+      </p:grpSpPr>
+      <p:sp>
+        <p:nvSpPr>
+          <p:cNvPr id="2" name="Title 1"/>
+          <p:cNvSpPr>
+            <a:spLocks noGrp="1"/>
+          </p:cNvSpPr>
+          <p:nvPr>
+            <p:ph type="title"/>
+          </p:nvPr>
+        </p:nvSpPr>
+        <p:spPr>
+          <a:xfrm>
+            <a:off x="629841" y="457200"/>
+            <a:ext cx="2949178" cy="1600200"/>
+          </a:xfrm>
+        </p:spPr>
+        <p:txBody>
+          <a:bodyPr anchor="b"/>
+          <a:lstStyle>
+            <a:lvl1pPr>
+              <a:defRPr sz="3200"/>
+            </a:lvl1pPr>
+          </a:lstStyle>
+          <a:p>
+            <a:r>
+              <a:rPr lang="en-US" smtClean="0"/>
+              <a:t>Click to edit Master title style</a:t>
+            </a:r>
+            <a:endParaRPr lang="en-US" dirty="0"/>
+          </a:p>
+        </p:txBody>
+      </p:sp>
+      <p:sp>
+        <p:nvSpPr>
+          <p:cNvPr id="3" name="Picture Placeholder 2"/>
+          <p:cNvSpPr>
+            <a:spLocks noGrp="1" noChangeAspect="1"/>
+          </p:cNvSpPr>
+          <p:nvPr>
+            <p:ph type="pic" idx="1"/>
+          </p:nvPr>
+        </p:nvSpPr>
+        <p:spPr>
+          <a:xfrm>
+            <a:off x="3887391" y="987426"/>
+            <a:ext cx="4629150" cy="4873625"/>
+          </a:xfrm>
+        </p:spPr>
+        <p:txBody>
+          <a:bodyPr anchor="t"/>
+          <a:lstStyle>
+            <a:lvl1pPr marL="0" indent="0">
+              <a:buNone/>
+              <a:defRPr sz="3200"/>
+            </a:lvl1pPr>
+            <a:lvl2pPr marL="457200" indent="0">
+              <a:buNone/>
+              <a:defRPr sz="2800"/>
+            </a:lvl2pPr>
+            <a:lvl3pPr marL="914400" indent="0">
+              <a:buNone/>
+              <a:defRPr sz="2400"/>
+            </a:lvl3pPr>
+            <a:lvl4pPr marL="1371600" indent="0">
+              <a:buNone/>
+              <a:defRPr sz="2000"/>
+            </a:lvl4pPr>
+            <a:lvl5pPr marL="1828800" indent="0">
+              <a:buNone/>
+              <a:defRPr sz="2000"/>
+            </a:lvl5pPr>
+            <a:lvl6pPr marL="2286000" indent="0">
+              <a:buNone/>
+              <a:defRPr sz="2000"/>
+            </a:lvl6pPr>
+            <a:lvl7pPr marL="2743200" indent="0">
+              <a:buNone/>
+              <a:defRPr sz="2000"/>
+            </a:lvl7pPr>
+            <a:lvl8pPr marL="3200400" indent="0">
+              <a:buNone/>
+              <a:defRPr sz="2000"/>
+            </a:lvl8pPr>
+            <a:lvl9pPr marL="3657600" indent="0">
+              <a:buNone/>
+              <a:defRPr sz="2000"/>
+            </a:lvl9pPr>
+          </a:lstStyle>
+          <a:p>
+            <a:r>
+              <a:rPr lang="en-US" smtClean="0"/>
+              <a:t>Click icon to add picture</a:t>
+            </a:r>
+            <a:endParaRPr lang="en-US" dirty="0"/>
+          </a:p>
+        </p:txBody>
+      </p:sp>
+      <p:sp>
+        <p:nvSpPr>
+          <p:cNvPr id="4" name="Text Placeholder 3"/>
+          <p:cNvSpPr>
+            <a:spLocks noGrp="1"/>
+          </p:cNvSpPr>
+          <p:nvPr>
+            <p:ph type="body" sz="half" idx="2"/>
+          </p:nvPr>
+        </p:nvSpPr>
+        <p:spPr>
+          <a:xfrm>
+            <a:off x="629841" y="2057400"/>
+            <a:ext cx="2949178" cy="3811588"/>
+          </a:xfrm>
+        </p:spPr>
+        <p:txBody>
+          <a:bodyPr/>
+          <a:lstStyle>
+            <a:lvl1pPr marL="0" indent="0">
+              <a:buNone/>
+              <a:defRPr sz="1600"/>
+            </a:lvl1pPr>
+            <a:lvl2pPr marL="457200" indent="0">
+              <a:buNone/>
+              <a:defRPr sz="1400"/>
+            </a:lvl2pPr>
+            <a:lvl3pPr marL="914400" indent="0">
+              <a:buNone/>
+              <a:defRPr sz="1200"/>
+            </a:lvl3pPr>
+            <a:lvl4pPr marL="1371600" indent="0">
+              <a:buNone/>
+              <a:defRPr sz="1000"/>
+            </a:lvl4pPr>
+            <a:lvl5pPr marL="1828800" indent="0">
+              <a:buNone/>
+              <a:defRPr sz="1000"/>
+            </a:lvl5pPr>
+            <a:lvl6pPr marL="2286000" indent="0">
+              <a:buNone/>
+              <a:defRPr sz="1000"/>
+            </a:lvl6pPr>
+            <a:lvl7pPr marL="2743200" indent="0">
+              <a:buNone/>
+              <a:defRPr sz="1000"/>
+            </a:lvl7pPr>
+            <a:lvl8pPr marL="3200400" indent="0">
+              <a:buNone/>
+              <a:defRPr sz="1000"/>
+            </a:lvl8pPr>
+            <a:lvl9pPr marL="3657600" indent="0">
+              <a:buNone/>
+              <a:defRPr sz="1000"/>
+            </a:lvl9pPr>
+          </a:lstStyle>
+          <a:p>
+            <a:pPr lvl="0"/>
+            <a:r>
+              <a:rPr lang="en-US" smtClean="0"/>
+              <a:t>Click to edit Master text styles</a:t>
+            </a:r>
+          </a:p>
+        </p:txBody>
+      </p:sp>
+      <p:sp>
+        <p:nvSpPr>
+          <p:cNvPr id="5" name="Date Placeholder 4"/>
+          <p:cNvSpPr>
+            <a:spLocks noGrp="1"/>
+          </p:cNvSpPr>
+          <p:nvPr>
+            <p:ph type="dt" sz="half" idx="10"/>
+          </p:nvPr>
+        </p:nvSpPr>
+        <p:spPr/>
+        <p:txBody>
+          <a:bodyPr/>
+          <a:lstStyle/>
+          <a:p>
+            <a:fld id="{0FB821A2-3164-4CCB-88F4-79903DE1601A}" type="datetimeFigureOut">
+              <a:rPr lang="en-US" smtClean="0"/>
+              <a:t>5/24/2017</a:t>
+            </a:fld>
+            <a:endParaRPr lang="en-US"/>
+          </a:p>
+        </p:txBody>
+      </p:sp>
+      <p:sp>
+        <p:nvSpPr>
+          <p:cNvPr id="6" name="Footer Placeholder 5"/>
+          <p:cNvSpPr>
+            <a:spLocks noGrp="1"/>
+          </p:cNvSpPr>
+          <p:nvPr>
+            <p:ph type="ftr" sz="quarter" idx="11"/>
+          </p:nvPr>
+        </p:nvSpPr>
+        <p:spPr/>
+        <p:txBody>
+          <a:bodyPr/>
+          <a:lstStyle/>
+          <a:p>
+            <a:endParaRPr lang="en-US"/>
+          </a:p>
+        </p:txBody>
+      </p:sp>
+      <p:sp>
+        <p:nvSpPr>
+          <p:cNvPr id="7" name="Slide Number Placeholder 6"/>
+          <p:cNvSpPr>
+            <a:spLocks noGrp="1"/>
+          </p:cNvSpPr>
+          <p:nvPr>
+            <p:ph type="sldNum" sz="quarter" idx="12"/>
+          </p:nvPr>
+        </p:nvSpPr>
+        <p:spPr/>
+        <p:txBody>
+          <a:bodyPr/>
+          <a:lstStyle/>
+          <a:p>
+            <a:pPr>
+              <a:defRPr/>
+            </a:pPr>
+            <a:fld id="{58E27D68-75D7-1046-B88F-55C44A5ED9A6}" type="slidenum">
+              <a:rPr lang="en-US" smtClean="0"/>
+              <a:pPr>
+                <a:defRPr/>
+              </a:pPr>
+              <a:t>‹#›</a:t>
+            </a:fld>
+            <a:endParaRPr lang="en-US" dirty="0"/>
+          </a:p>
+        </p:txBody>
+      </p:sp>
+    </p:spTree>
+    <p:extLst>
+      <p:ext uri="{BB962C8B-B14F-4D97-AF65-F5344CB8AC3E}">
+        <p14:creationId xmlns:p14="http://schemas.microsoft.com/office/powerpoint/2010/main" val="2936987060"/>
+      </p:ext>
+    </p:extLst>
+  </p:cSld>
+  <p:clrMapOvr>
+    <a:masterClrMapping/>
+  </p:clrMapOvr>
+  <p:hf hdr="0" ftr="0" dt="0"/>
+</p:sldLayout>
+</file>
+
 <file path=ppt/slideLayouts/slideLayout2.xml><?xml version="1.0" encoding="utf-8"?>
 <p:sldLayout xmlns:a="http://schemas.openxmlformats.org/drawingml/2006/main" xmlns:r="http://schemas.openxmlformats.org/officeDocument/2006/relationships" xmlns:p="http://schemas.openxmlformats.org/presentationml/2006/main" preserve="1" userDrawn="1">
   <p:cSld name="Single-Image Cover">
@@ -1836,6 +4881,584 @@
     <p:extLst>
       <p:ext uri="{BB962C8B-B14F-4D97-AF65-F5344CB8AC3E}">
         <p14:creationId xmlns:p14="http://schemas.microsoft.com/office/powerpoint/2010/main" val="719885386"/>
+      </p:ext>
+    </p:extLst>
+  </p:cSld>
+  <p:clrMapOvr>
+    <a:masterClrMapping/>
+  </p:clrMapOvr>
+</p:sldLayout>
+</file>
+
+<file path=ppt/slideLayouts/slideLayout20.xml><?xml version="1.0" encoding="utf-8"?>
+<p:sldLayout xmlns:a="http://schemas.openxmlformats.org/drawingml/2006/main" xmlns:r="http://schemas.openxmlformats.org/officeDocument/2006/relationships" xmlns:p="http://schemas.openxmlformats.org/presentationml/2006/main" type="vertTx" preserve="1">
+  <p:cSld name="Title and Vertical Text">
+    <p:spTree>
+      <p:nvGrpSpPr>
+        <p:cNvPr id="1" name=""/>
+        <p:cNvGrpSpPr/>
+        <p:nvPr/>
+      </p:nvGrpSpPr>
+      <p:grpSpPr>
+        <a:xfrm>
+          <a:off x="0" y="0"/>
+          <a:ext cx="0" cy="0"/>
+          <a:chOff x="0" y="0"/>
+          <a:chExt cx="0" cy="0"/>
+        </a:xfrm>
+      </p:grpSpPr>
+      <p:sp>
+        <p:nvSpPr>
+          <p:cNvPr id="2" name="Title 1"/>
+          <p:cNvSpPr>
+            <a:spLocks noGrp="1"/>
+          </p:cNvSpPr>
+          <p:nvPr>
+            <p:ph type="title"/>
+          </p:nvPr>
+        </p:nvSpPr>
+        <p:spPr/>
+        <p:txBody>
+          <a:bodyPr/>
+          <a:lstStyle/>
+          <a:p>
+            <a:r>
+              <a:rPr lang="en-US" smtClean="0"/>
+              <a:t>Click to edit Master title style</a:t>
+            </a:r>
+            <a:endParaRPr lang="en-US" dirty="0"/>
+          </a:p>
+        </p:txBody>
+      </p:sp>
+      <p:sp>
+        <p:nvSpPr>
+          <p:cNvPr id="3" name="Vertical Text Placeholder 2"/>
+          <p:cNvSpPr>
+            <a:spLocks noGrp="1"/>
+          </p:cNvSpPr>
+          <p:nvPr>
+            <p:ph type="body" orient="vert" idx="1"/>
+          </p:nvPr>
+        </p:nvSpPr>
+        <p:spPr/>
+        <p:txBody>
+          <a:bodyPr vert="eaVert"/>
+          <a:lstStyle/>
+          <a:p>
+            <a:pPr lvl="0"/>
+            <a:r>
+              <a:rPr lang="en-US" smtClean="0"/>
+              <a:t>Click to edit Master text styles</a:t>
+            </a:r>
+          </a:p>
+          <a:p>
+            <a:pPr lvl="1"/>
+            <a:r>
+              <a:rPr lang="en-US" smtClean="0"/>
+              <a:t>Second level</a:t>
+            </a:r>
+          </a:p>
+          <a:p>
+            <a:pPr lvl="2"/>
+            <a:r>
+              <a:rPr lang="en-US" smtClean="0"/>
+              <a:t>Third level</a:t>
+            </a:r>
+          </a:p>
+          <a:p>
+            <a:pPr lvl="3"/>
+            <a:r>
+              <a:rPr lang="en-US" smtClean="0"/>
+              <a:t>Fourth level</a:t>
+            </a:r>
+          </a:p>
+          <a:p>
+            <a:pPr lvl="4"/>
+            <a:r>
+              <a:rPr lang="en-US" smtClean="0"/>
+              <a:t>Fifth level</a:t>
+            </a:r>
+            <a:endParaRPr lang="en-US" dirty="0"/>
+          </a:p>
+        </p:txBody>
+      </p:sp>
+      <p:sp>
+        <p:nvSpPr>
+          <p:cNvPr id="4" name="Date Placeholder 3"/>
+          <p:cNvSpPr>
+            <a:spLocks noGrp="1"/>
+          </p:cNvSpPr>
+          <p:nvPr>
+            <p:ph type="dt" sz="half" idx="10"/>
+          </p:nvPr>
+        </p:nvSpPr>
+        <p:spPr/>
+        <p:txBody>
+          <a:bodyPr/>
+          <a:lstStyle/>
+          <a:p>
+            <a:fld id="{0FB821A2-3164-4CCB-88F4-79903DE1601A}" type="datetimeFigureOut">
+              <a:rPr lang="en-US" smtClean="0"/>
+              <a:t>5/24/2017</a:t>
+            </a:fld>
+            <a:endParaRPr lang="en-US"/>
+          </a:p>
+        </p:txBody>
+      </p:sp>
+      <p:sp>
+        <p:nvSpPr>
+          <p:cNvPr id="5" name="Footer Placeholder 4"/>
+          <p:cNvSpPr>
+            <a:spLocks noGrp="1"/>
+          </p:cNvSpPr>
+          <p:nvPr>
+            <p:ph type="ftr" sz="quarter" idx="11"/>
+          </p:nvPr>
+        </p:nvSpPr>
+        <p:spPr/>
+        <p:txBody>
+          <a:bodyPr/>
+          <a:lstStyle/>
+          <a:p>
+            <a:endParaRPr lang="en-US"/>
+          </a:p>
+        </p:txBody>
+      </p:sp>
+      <p:sp>
+        <p:nvSpPr>
+          <p:cNvPr id="6" name="Slide Number Placeholder 5"/>
+          <p:cNvSpPr>
+            <a:spLocks noGrp="1"/>
+          </p:cNvSpPr>
+          <p:nvPr>
+            <p:ph type="sldNum" sz="quarter" idx="12"/>
+          </p:nvPr>
+        </p:nvSpPr>
+        <p:spPr/>
+        <p:txBody>
+          <a:bodyPr/>
+          <a:lstStyle/>
+          <a:p>
+            <a:pPr>
+              <a:defRPr/>
+            </a:pPr>
+            <a:fld id="{58E27D68-75D7-1046-B88F-55C44A5ED9A6}" type="slidenum">
+              <a:rPr lang="en-US" smtClean="0"/>
+              <a:pPr>
+                <a:defRPr/>
+              </a:pPr>
+              <a:t>‹#›</a:t>
+            </a:fld>
+            <a:endParaRPr lang="en-US" dirty="0"/>
+          </a:p>
+        </p:txBody>
+      </p:sp>
+    </p:spTree>
+    <p:extLst>
+      <p:ext uri="{BB962C8B-B14F-4D97-AF65-F5344CB8AC3E}">
+        <p14:creationId xmlns:p14="http://schemas.microsoft.com/office/powerpoint/2010/main" val="298833471"/>
+      </p:ext>
+    </p:extLst>
+  </p:cSld>
+  <p:clrMapOvr>
+    <a:masterClrMapping/>
+  </p:clrMapOvr>
+  <p:hf hdr="0" ftr="0" dt="0"/>
+</p:sldLayout>
+</file>
+
+<file path=ppt/slideLayouts/slideLayout21.xml><?xml version="1.0" encoding="utf-8"?>
+<p:sldLayout xmlns:a="http://schemas.openxmlformats.org/drawingml/2006/main" xmlns:r="http://schemas.openxmlformats.org/officeDocument/2006/relationships" xmlns:p="http://schemas.openxmlformats.org/presentationml/2006/main" type="vertTitleAndTx" preserve="1">
+  <p:cSld name="Vertical Title and Text">
+    <p:spTree>
+      <p:nvGrpSpPr>
+        <p:cNvPr id="1" name=""/>
+        <p:cNvGrpSpPr/>
+        <p:nvPr/>
+      </p:nvGrpSpPr>
+      <p:grpSpPr>
+        <a:xfrm>
+          <a:off x="0" y="0"/>
+          <a:ext cx="0" cy="0"/>
+          <a:chOff x="0" y="0"/>
+          <a:chExt cx="0" cy="0"/>
+        </a:xfrm>
+      </p:grpSpPr>
+      <p:sp>
+        <p:nvSpPr>
+          <p:cNvPr id="2" name="Vertical Title 1"/>
+          <p:cNvSpPr>
+            <a:spLocks noGrp="1"/>
+          </p:cNvSpPr>
+          <p:nvPr>
+            <p:ph type="title" orient="vert"/>
+          </p:nvPr>
+        </p:nvSpPr>
+        <p:spPr>
+          <a:xfrm>
+            <a:off x="6543675" y="365125"/>
+            <a:ext cx="1971675" cy="5811838"/>
+          </a:xfrm>
+        </p:spPr>
+        <p:txBody>
+          <a:bodyPr vert="eaVert"/>
+          <a:lstStyle/>
+          <a:p>
+            <a:r>
+              <a:rPr lang="en-US" smtClean="0"/>
+              <a:t>Click to edit Master title style</a:t>
+            </a:r>
+            <a:endParaRPr lang="en-US" dirty="0"/>
+          </a:p>
+        </p:txBody>
+      </p:sp>
+      <p:sp>
+        <p:nvSpPr>
+          <p:cNvPr id="3" name="Vertical Text Placeholder 2"/>
+          <p:cNvSpPr>
+            <a:spLocks noGrp="1"/>
+          </p:cNvSpPr>
+          <p:nvPr>
+            <p:ph type="body" orient="vert" idx="1"/>
+          </p:nvPr>
+        </p:nvSpPr>
+        <p:spPr>
+          <a:xfrm>
+            <a:off x="628650" y="365125"/>
+            <a:ext cx="5800725" cy="5811838"/>
+          </a:xfrm>
+        </p:spPr>
+        <p:txBody>
+          <a:bodyPr vert="eaVert"/>
+          <a:lstStyle/>
+          <a:p>
+            <a:pPr lvl="0"/>
+            <a:r>
+              <a:rPr lang="en-US" smtClean="0"/>
+              <a:t>Click to edit Master text styles</a:t>
+            </a:r>
+          </a:p>
+          <a:p>
+            <a:pPr lvl="1"/>
+            <a:r>
+              <a:rPr lang="en-US" smtClean="0"/>
+              <a:t>Second level</a:t>
+            </a:r>
+          </a:p>
+          <a:p>
+            <a:pPr lvl="2"/>
+            <a:r>
+              <a:rPr lang="en-US" smtClean="0"/>
+              <a:t>Third level</a:t>
+            </a:r>
+          </a:p>
+          <a:p>
+            <a:pPr lvl="3"/>
+            <a:r>
+              <a:rPr lang="en-US" smtClean="0"/>
+              <a:t>Fourth level</a:t>
+            </a:r>
+          </a:p>
+          <a:p>
+            <a:pPr lvl="4"/>
+            <a:r>
+              <a:rPr lang="en-US" smtClean="0"/>
+              <a:t>Fifth level</a:t>
+            </a:r>
+            <a:endParaRPr lang="en-US" dirty="0"/>
+          </a:p>
+        </p:txBody>
+      </p:sp>
+      <p:sp>
+        <p:nvSpPr>
+          <p:cNvPr id="4" name="Date Placeholder 3"/>
+          <p:cNvSpPr>
+            <a:spLocks noGrp="1"/>
+          </p:cNvSpPr>
+          <p:nvPr>
+            <p:ph type="dt" sz="half" idx="10"/>
+          </p:nvPr>
+        </p:nvSpPr>
+        <p:spPr/>
+        <p:txBody>
+          <a:bodyPr/>
+          <a:lstStyle/>
+          <a:p>
+            <a:fld id="{0FB821A2-3164-4CCB-88F4-79903DE1601A}" type="datetimeFigureOut">
+              <a:rPr lang="en-US" smtClean="0"/>
+              <a:t>5/24/2017</a:t>
+            </a:fld>
+            <a:endParaRPr lang="en-US"/>
+          </a:p>
+        </p:txBody>
+      </p:sp>
+      <p:sp>
+        <p:nvSpPr>
+          <p:cNvPr id="5" name="Footer Placeholder 4"/>
+          <p:cNvSpPr>
+            <a:spLocks noGrp="1"/>
+          </p:cNvSpPr>
+          <p:nvPr>
+            <p:ph type="ftr" sz="quarter" idx="11"/>
+          </p:nvPr>
+        </p:nvSpPr>
+        <p:spPr/>
+        <p:txBody>
+          <a:bodyPr/>
+          <a:lstStyle/>
+          <a:p>
+            <a:endParaRPr lang="en-US"/>
+          </a:p>
+        </p:txBody>
+      </p:sp>
+      <p:sp>
+        <p:nvSpPr>
+          <p:cNvPr id="6" name="Slide Number Placeholder 5"/>
+          <p:cNvSpPr>
+            <a:spLocks noGrp="1"/>
+          </p:cNvSpPr>
+          <p:nvPr>
+            <p:ph type="sldNum" sz="quarter" idx="12"/>
+          </p:nvPr>
+        </p:nvSpPr>
+        <p:spPr/>
+        <p:txBody>
+          <a:bodyPr/>
+          <a:lstStyle/>
+          <a:p>
+            <a:pPr>
+              <a:defRPr/>
+            </a:pPr>
+            <a:fld id="{58E27D68-75D7-1046-B88F-55C44A5ED9A6}" type="slidenum">
+              <a:rPr lang="en-US" smtClean="0"/>
+              <a:pPr>
+                <a:defRPr/>
+              </a:pPr>
+              <a:t>‹#›</a:t>
+            </a:fld>
+            <a:endParaRPr lang="en-US" dirty="0"/>
+          </a:p>
+        </p:txBody>
+      </p:sp>
+    </p:spTree>
+    <p:extLst>
+      <p:ext uri="{BB962C8B-B14F-4D97-AF65-F5344CB8AC3E}">
+        <p14:creationId xmlns:p14="http://schemas.microsoft.com/office/powerpoint/2010/main" val="4076989496"/>
+      </p:ext>
+    </p:extLst>
+  </p:cSld>
+  <p:clrMapOvr>
+    <a:masterClrMapping/>
+  </p:clrMapOvr>
+  <p:hf hdr="0" ftr="0" dt="0"/>
+</p:sldLayout>
+</file>
+
+<file path=ppt/slideLayouts/slideLayout22.xml><?xml version="1.0" encoding="utf-8"?>
+<p:sldLayout xmlns:a="http://schemas.openxmlformats.org/drawingml/2006/main" xmlns:r="http://schemas.openxmlformats.org/officeDocument/2006/relationships" xmlns:p="http://schemas.openxmlformats.org/presentationml/2006/main" userDrawn="1">
+  <p:cSld name="Simple Text">
+    <p:spTree>
+      <p:nvGrpSpPr>
+        <p:cNvPr id="1" name=""/>
+        <p:cNvGrpSpPr/>
+        <p:nvPr/>
+      </p:nvGrpSpPr>
+      <p:grpSpPr>
+        <a:xfrm>
+          <a:off x="0" y="0"/>
+          <a:ext cx="0" cy="0"/>
+          <a:chOff x="0" y="0"/>
+          <a:chExt cx="0" cy="0"/>
+        </a:xfrm>
+      </p:grpSpPr>
+      <p:sp>
+        <p:nvSpPr>
+          <p:cNvPr id="6" name="Title 1"/>
+          <p:cNvSpPr>
+            <a:spLocks noGrp="1"/>
+          </p:cNvSpPr>
+          <p:nvPr>
+            <p:ph type="title"/>
+          </p:nvPr>
+        </p:nvSpPr>
+        <p:spPr>
+          <a:xfrm>
+            <a:off x="514578" y="357810"/>
+            <a:ext cx="8002359" cy="498610"/>
+          </a:xfrm>
+        </p:spPr>
+        <p:txBody>
+          <a:bodyPr/>
+          <a:lstStyle>
+            <a:lvl1pPr>
+              <a:defRPr baseline="0">
+                <a:solidFill>
+                  <a:schemeClr val="tx1"/>
+                </a:solidFill>
+              </a:defRPr>
+            </a:lvl1pPr>
+          </a:lstStyle>
+          <a:p>
+            <a:r>
+              <a:rPr lang="en-US" smtClean="0"/>
+              <a:t>Click to edit Master title style</a:t>
+            </a:r>
+            <a:endParaRPr lang="en-US" dirty="0"/>
+          </a:p>
+        </p:txBody>
+      </p:sp>
+      <p:sp>
+        <p:nvSpPr>
+          <p:cNvPr id="3" name="Text Placeholder 2"/>
+          <p:cNvSpPr>
+            <a:spLocks noGrp="1"/>
+          </p:cNvSpPr>
+          <p:nvPr>
+            <p:ph type="body" sz="quarter" idx="10"/>
+          </p:nvPr>
+        </p:nvSpPr>
+        <p:spPr>
+          <a:xfrm>
+            <a:off x="514350" y="1074738"/>
+            <a:ext cx="8002588" cy="5308600"/>
+          </a:xfrm>
+          <a:prstGeom prst="rect">
+            <a:avLst/>
+          </a:prstGeom>
+        </p:spPr>
+        <p:txBody>
+          <a:bodyPr>
+            <a:normAutofit/>
+          </a:bodyPr>
+          <a:lstStyle>
+            <a:lvl1pPr>
+              <a:buClr>
+                <a:schemeClr val="tx2"/>
+              </a:buClr>
+              <a:defRPr>
+                <a:solidFill>
+                  <a:schemeClr val="tx1"/>
+                </a:solidFill>
+              </a:defRPr>
+            </a:lvl1pPr>
+            <a:lvl2pPr marL="457200" indent="-169863">
+              <a:buClr>
+                <a:schemeClr val="accent2"/>
+              </a:buClr>
+              <a:defRPr>
+                <a:solidFill>
+                  <a:schemeClr val="tx1"/>
+                </a:solidFill>
+              </a:defRPr>
+            </a:lvl2pPr>
+            <a:lvl3pPr marL="804863" indent="-177800">
+              <a:buClr>
+                <a:schemeClr val="accent2"/>
+              </a:buClr>
+              <a:defRPr>
+                <a:solidFill>
+                  <a:schemeClr val="tx1"/>
+                </a:solidFill>
+              </a:defRPr>
+            </a:lvl3pPr>
+            <a:lvl4pPr marL="1201738" indent="-168275">
+              <a:buClr>
+                <a:schemeClr val="accent2"/>
+              </a:buClr>
+              <a:buFontTx/>
+              <a:buChar char="-"/>
+              <a:defRPr sz="1400">
+                <a:solidFill>
+                  <a:schemeClr val="tx1"/>
+                </a:solidFill>
+              </a:defRPr>
+            </a:lvl4pPr>
+            <a:lvl5pPr marL="1719263" indent="-177800">
+              <a:buClr>
+                <a:schemeClr val="accent2"/>
+              </a:buClr>
+              <a:defRPr sz="1400">
+                <a:solidFill>
+                  <a:schemeClr val="tx1"/>
+                </a:solidFill>
+              </a:defRPr>
+            </a:lvl5pPr>
+          </a:lstStyle>
+          <a:p>
+            <a:pPr lvl="0"/>
+            <a:r>
+              <a:rPr lang="en-US" dirty="0" smtClean="0"/>
+              <a:t>Click to edit Master text styles</a:t>
+            </a:r>
+          </a:p>
+          <a:p>
+            <a:pPr lvl="1"/>
+            <a:r>
+              <a:rPr lang="en-US" dirty="0" smtClean="0"/>
+              <a:t>Second level</a:t>
+            </a:r>
+          </a:p>
+          <a:p>
+            <a:pPr lvl="2"/>
+            <a:r>
+              <a:rPr lang="en-US" dirty="0" smtClean="0"/>
+              <a:t>Third level</a:t>
+            </a:r>
+          </a:p>
+          <a:p>
+            <a:pPr lvl="3"/>
+            <a:r>
+              <a:rPr lang="en-US" dirty="0" smtClean="0"/>
+              <a:t>Fourth level</a:t>
+            </a:r>
+          </a:p>
+          <a:p>
+            <a:pPr lvl="4"/>
+            <a:r>
+              <a:rPr lang="en-US" dirty="0" smtClean="0"/>
+              <a:t>Fifth level</a:t>
+            </a:r>
+            <a:endParaRPr lang="en-US" dirty="0"/>
+          </a:p>
+        </p:txBody>
+      </p:sp>
+      <p:sp>
+        <p:nvSpPr>
+          <p:cNvPr id="4" name="Slide Number Placeholder 5"/>
+          <p:cNvSpPr>
+            <a:spLocks noGrp="1"/>
+          </p:cNvSpPr>
+          <p:nvPr>
+            <p:ph type="sldNum" sz="quarter" idx="11"/>
+          </p:nvPr>
+        </p:nvSpPr>
+        <p:spPr/>
+        <p:txBody>
+          <a:bodyPr/>
+          <a:lstStyle>
+            <a:lvl1pPr>
+              <a:defRPr/>
+            </a:lvl1pPr>
+          </a:lstStyle>
+          <a:p>
+            <a:pPr>
+              <a:defRPr/>
+            </a:pPr>
+            <a:fld id="{C9814D0C-58DA-754D-96DF-668AE432F1BF}" type="slidenum">
+              <a:rPr lang="en-US"/>
+              <a:pPr>
+                <a:defRPr/>
+              </a:pPr>
+              <a:t>‹#›</a:t>
+            </a:fld>
+            <a:endParaRPr lang="en-US" dirty="0"/>
+          </a:p>
+        </p:txBody>
+      </p:sp>
+    </p:spTree>
+    <p:extLst>
+      <p:ext uri="{BB962C8B-B14F-4D97-AF65-F5344CB8AC3E}">
+        <p14:creationId xmlns:p14="http://schemas.microsoft.com/office/powerpoint/2010/main" val="3097094091"/>
       </p:ext>
     </p:extLst>
   </p:cSld>
@@ -7580,6 +11203,548 @@
 </p:sldMaster>
 </file>
 
+<file path=ppt/slideMasters/slideMaster4.xml><?xml version="1.0" encoding="utf-8"?>
+<p:sldMaster xmlns:a="http://schemas.openxmlformats.org/drawingml/2006/main" xmlns:r="http://schemas.openxmlformats.org/officeDocument/2006/relationships" xmlns:p="http://schemas.openxmlformats.org/presentationml/2006/main">
+  <p:cSld>
+    <p:bg>
+      <p:bgRef idx="1001">
+        <a:schemeClr val="bg1"/>
+      </p:bgRef>
+    </p:bg>
+    <p:spTree>
+      <p:nvGrpSpPr>
+        <p:cNvPr id="1" name=""/>
+        <p:cNvGrpSpPr/>
+        <p:nvPr/>
+      </p:nvGrpSpPr>
+      <p:grpSpPr>
+        <a:xfrm>
+          <a:off x="0" y="0"/>
+          <a:ext cx="0" cy="0"/>
+          <a:chOff x="0" y="0"/>
+          <a:chExt cx="0" cy="0"/>
+        </a:xfrm>
+      </p:grpSpPr>
+      <p:sp>
+        <p:nvSpPr>
+          <p:cNvPr id="2" name="Title Placeholder 1"/>
+          <p:cNvSpPr>
+            <a:spLocks noGrp="1"/>
+          </p:cNvSpPr>
+          <p:nvPr>
+            <p:ph type="title"/>
+          </p:nvPr>
+        </p:nvSpPr>
+        <p:spPr>
+          <a:xfrm>
+            <a:off x="628650" y="365126"/>
+            <a:ext cx="7886700" cy="1325563"/>
+          </a:xfrm>
+          <a:prstGeom prst="rect">
+            <a:avLst/>
+          </a:prstGeom>
+        </p:spPr>
+        <p:txBody>
+          <a:bodyPr vert="horz" lIns="91440" tIns="45720" rIns="91440" bIns="45720" rtlCol="0" anchor="ctr">
+            <a:normAutofit/>
+          </a:bodyPr>
+          <a:lstStyle/>
+          <a:p>
+            <a:r>
+              <a:rPr lang="en-US" smtClean="0"/>
+              <a:t>Click to edit Master title style</a:t>
+            </a:r>
+            <a:endParaRPr lang="en-US" dirty="0"/>
+          </a:p>
+        </p:txBody>
+      </p:sp>
+      <p:sp>
+        <p:nvSpPr>
+          <p:cNvPr id="3" name="Text Placeholder 2"/>
+          <p:cNvSpPr>
+            <a:spLocks noGrp="1"/>
+          </p:cNvSpPr>
+          <p:nvPr>
+            <p:ph type="body" idx="1"/>
+          </p:nvPr>
+        </p:nvSpPr>
+        <p:spPr>
+          <a:xfrm>
+            <a:off x="628650" y="1825625"/>
+            <a:ext cx="7886700" cy="4351338"/>
+          </a:xfrm>
+          <a:prstGeom prst="rect">
+            <a:avLst/>
+          </a:prstGeom>
+        </p:spPr>
+        <p:txBody>
+          <a:bodyPr vert="horz" lIns="91440" tIns="45720" rIns="91440" bIns="45720" rtlCol="0">
+            <a:normAutofit/>
+          </a:bodyPr>
+          <a:lstStyle/>
+          <a:p>
+            <a:pPr lvl="0"/>
+            <a:r>
+              <a:rPr lang="en-US" smtClean="0"/>
+              <a:t>Click to edit Master text styles</a:t>
+            </a:r>
+          </a:p>
+          <a:p>
+            <a:pPr lvl="1"/>
+            <a:r>
+              <a:rPr lang="en-US" smtClean="0"/>
+              <a:t>Second level</a:t>
+            </a:r>
+          </a:p>
+          <a:p>
+            <a:pPr lvl="2"/>
+            <a:r>
+              <a:rPr lang="en-US" smtClean="0"/>
+              <a:t>Third level</a:t>
+            </a:r>
+          </a:p>
+          <a:p>
+            <a:pPr lvl="3"/>
+            <a:r>
+              <a:rPr lang="en-US" smtClean="0"/>
+              <a:t>Fourth level</a:t>
+            </a:r>
+          </a:p>
+          <a:p>
+            <a:pPr lvl="4"/>
+            <a:r>
+              <a:rPr lang="en-US" smtClean="0"/>
+              <a:t>Fifth level</a:t>
+            </a:r>
+            <a:endParaRPr lang="en-US" dirty="0"/>
+          </a:p>
+        </p:txBody>
+      </p:sp>
+      <p:sp>
+        <p:nvSpPr>
+          <p:cNvPr id="4" name="Date Placeholder 3"/>
+          <p:cNvSpPr>
+            <a:spLocks noGrp="1"/>
+          </p:cNvSpPr>
+          <p:nvPr>
+            <p:ph type="dt" sz="half" idx="2"/>
+          </p:nvPr>
+        </p:nvSpPr>
+        <p:spPr>
+          <a:xfrm>
+            <a:off x="628650" y="6356351"/>
+            <a:ext cx="2057400" cy="365125"/>
+          </a:xfrm>
+          <a:prstGeom prst="rect">
+            <a:avLst/>
+          </a:prstGeom>
+        </p:spPr>
+        <p:txBody>
+          <a:bodyPr vert="horz" lIns="91440" tIns="45720" rIns="91440" bIns="45720" rtlCol="0" anchor="ctr"/>
+          <a:lstStyle>
+            <a:lvl1pPr algn="l">
+              <a:defRPr sz="1200">
+                <a:solidFill>
+                  <a:schemeClr val="tx1">
+                    <a:tint val="75000"/>
+                  </a:schemeClr>
+                </a:solidFill>
+              </a:defRPr>
+            </a:lvl1pPr>
+          </a:lstStyle>
+          <a:p>
+            <a:fld id="{C764DE79-268F-4C1A-8933-263129D2AF90}" type="datetimeFigureOut">
+              <a:rPr lang="en-US" dirty="0"/>
+              <a:t>5/24/2017</a:t>
+            </a:fld>
+            <a:endParaRPr lang="en-US" dirty="0"/>
+          </a:p>
+        </p:txBody>
+      </p:sp>
+      <p:sp>
+        <p:nvSpPr>
+          <p:cNvPr id="5" name="Footer Placeholder 4"/>
+          <p:cNvSpPr>
+            <a:spLocks noGrp="1"/>
+          </p:cNvSpPr>
+          <p:nvPr>
+            <p:ph type="ftr" sz="quarter" idx="3"/>
+          </p:nvPr>
+        </p:nvSpPr>
+        <p:spPr>
+          <a:xfrm>
+            <a:off x="3028950" y="6356351"/>
+            <a:ext cx="3086100" cy="365125"/>
+          </a:xfrm>
+          <a:prstGeom prst="rect">
+            <a:avLst/>
+          </a:prstGeom>
+        </p:spPr>
+        <p:txBody>
+          <a:bodyPr vert="horz" lIns="91440" tIns="45720" rIns="91440" bIns="45720" rtlCol="0" anchor="ctr"/>
+          <a:lstStyle>
+            <a:lvl1pPr algn="ctr">
+              <a:defRPr sz="1200">
+                <a:solidFill>
+                  <a:schemeClr val="tx1">
+                    <a:tint val="75000"/>
+                  </a:schemeClr>
+                </a:solidFill>
+              </a:defRPr>
+            </a:lvl1pPr>
+          </a:lstStyle>
+          <a:p>
+            <a:endParaRPr lang="en-US" dirty="0"/>
+          </a:p>
+        </p:txBody>
+      </p:sp>
+      <p:sp>
+        <p:nvSpPr>
+          <p:cNvPr id="6" name="Slide Number Placeholder 5"/>
+          <p:cNvSpPr>
+            <a:spLocks noGrp="1"/>
+          </p:cNvSpPr>
+          <p:nvPr>
+            <p:ph type="sldNum" sz="quarter" idx="4"/>
+          </p:nvPr>
+        </p:nvSpPr>
+        <p:spPr>
+          <a:xfrm>
+            <a:off x="6457950" y="6356351"/>
+            <a:ext cx="2057400" cy="365125"/>
+          </a:xfrm>
+          <a:prstGeom prst="rect">
+            <a:avLst/>
+          </a:prstGeom>
+        </p:spPr>
+        <p:txBody>
+          <a:bodyPr vert="horz" lIns="91440" tIns="45720" rIns="91440" bIns="45720" rtlCol="0" anchor="ctr"/>
+          <a:lstStyle>
+            <a:lvl1pPr algn="r">
+              <a:defRPr sz="1200">
+                <a:solidFill>
+                  <a:schemeClr val="tx1">
+                    <a:tint val="75000"/>
+                  </a:schemeClr>
+                </a:solidFill>
+              </a:defRPr>
+            </a:lvl1pPr>
+          </a:lstStyle>
+          <a:p>
+            <a:fld id="{48F63A3B-78C7-47BE-AE5E-E10140E04643}" type="slidenum">
+              <a:rPr lang="en-US" dirty="0"/>
+              <a:t>‹#›</a:t>
+            </a:fld>
+            <a:endParaRPr lang="en-US" dirty="0"/>
+          </a:p>
+        </p:txBody>
+      </p:sp>
+    </p:spTree>
+    <p:extLst>
+      <p:ext uri="{BB962C8B-B14F-4D97-AF65-F5344CB8AC3E}">
+        <p14:creationId xmlns:p14="http://schemas.microsoft.com/office/powerpoint/2010/main" val="541873242"/>
+      </p:ext>
+    </p:extLst>
+  </p:cSld>
+  <p:clrMap bg1="lt1" tx1="dk1" bg2="lt2" tx2="dk2" accent1="accent1" accent2="accent2" accent3="accent3" accent4="accent4" accent5="accent5" accent6="accent6" hlink="hlink" folHlink="folHlink"/>
+  <p:sldLayoutIdLst>
+    <p:sldLayoutId id="2147493536" r:id="rId1"/>
+    <p:sldLayoutId id="2147493537" r:id="rId2"/>
+    <p:sldLayoutId id="2147493538" r:id="rId3"/>
+    <p:sldLayoutId id="2147493539" r:id="rId4"/>
+    <p:sldLayoutId id="2147493540" r:id="rId5"/>
+    <p:sldLayoutId id="2147493541" r:id="rId6"/>
+    <p:sldLayoutId id="2147493542" r:id="rId7"/>
+    <p:sldLayoutId id="2147493543" r:id="rId8"/>
+    <p:sldLayoutId id="2147493544" r:id="rId9"/>
+    <p:sldLayoutId id="2147493545" r:id="rId10"/>
+    <p:sldLayoutId id="2147493546" r:id="rId11"/>
+    <p:sldLayoutId id="2147493547" r:id="rId12"/>
+  </p:sldLayoutIdLst>
+  <p:hf hdr="0" dt="0"/>
+  <p:txStyles>
+    <p:titleStyle>
+      <a:lvl1pPr algn="l" defTabSz="914400" rtl="0" eaLnBrk="1" latinLnBrk="0" hangingPunct="1">
+        <a:lnSpc>
+          <a:spcPct val="90000"/>
+        </a:lnSpc>
+        <a:spcBef>
+          <a:spcPct val="0"/>
+        </a:spcBef>
+        <a:buNone/>
+        <a:defRPr sz="4400" kern="1200">
+          <a:solidFill>
+            <a:schemeClr val="tx1"/>
+          </a:solidFill>
+          <a:latin typeface="+mj-lt"/>
+          <a:ea typeface="+mj-ea"/>
+          <a:cs typeface="+mj-cs"/>
+        </a:defRPr>
+      </a:lvl1pPr>
+    </p:titleStyle>
+    <p:bodyStyle>
+      <a:lvl1pPr marL="228600" indent="-228600" algn="l" defTabSz="914400" rtl="0" eaLnBrk="1" latinLnBrk="0" hangingPunct="1">
+        <a:lnSpc>
+          <a:spcPct val="90000"/>
+        </a:lnSpc>
+        <a:spcBef>
+          <a:spcPts val="1000"/>
+        </a:spcBef>
+        <a:buFont typeface="Arial" panose="020B0604020202020204" pitchFamily="34" charset="0"/>
+        <a:buChar char="•"/>
+        <a:defRPr sz="2800" kern="1200">
+          <a:solidFill>
+            <a:schemeClr val="tx1"/>
+          </a:solidFill>
+          <a:latin typeface="+mn-lt"/>
+          <a:ea typeface="+mn-ea"/>
+          <a:cs typeface="+mn-cs"/>
+        </a:defRPr>
+      </a:lvl1pPr>
+      <a:lvl2pPr marL="685800" indent="-228600" algn="l" defTabSz="914400" rtl="0" eaLnBrk="1" latinLnBrk="0" hangingPunct="1">
+        <a:lnSpc>
+          <a:spcPct val="90000"/>
+        </a:lnSpc>
+        <a:spcBef>
+          <a:spcPts val="500"/>
+        </a:spcBef>
+        <a:buFont typeface="Arial" panose="020B0604020202020204" pitchFamily="34" charset="0"/>
+        <a:buChar char="•"/>
+        <a:defRPr sz="2400" kern="1200">
+          <a:solidFill>
+            <a:schemeClr val="tx1"/>
+          </a:solidFill>
+          <a:latin typeface="+mn-lt"/>
+          <a:ea typeface="+mn-ea"/>
+          <a:cs typeface="+mn-cs"/>
+        </a:defRPr>
+      </a:lvl2pPr>
+      <a:lvl3pPr marL="1143000" indent="-228600" algn="l" defTabSz="914400" rtl="0" eaLnBrk="1" latinLnBrk="0" hangingPunct="1">
+        <a:lnSpc>
+          <a:spcPct val="90000"/>
+        </a:lnSpc>
+        <a:spcBef>
+          <a:spcPts val="500"/>
+        </a:spcBef>
+        <a:buFont typeface="Arial" panose="020B0604020202020204" pitchFamily="34" charset="0"/>
+        <a:buChar char="•"/>
+        <a:defRPr sz="2000" kern="1200">
+          <a:solidFill>
+            <a:schemeClr val="tx1"/>
+          </a:solidFill>
+          <a:latin typeface="+mn-lt"/>
+          <a:ea typeface="+mn-ea"/>
+          <a:cs typeface="+mn-cs"/>
+        </a:defRPr>
+      </a:lvl3pPr>
+      <a:lvl4pPr marL="1600200" indent="-228600" algn="l" defTabSz="914400" rtl="0" eaLnBrk="1" latinLnBrk="0" hangingPunct="1">
+        <a:lnSpc>
+          <a:spcPct val="90000"/>
+        </a:lnSpc>
+        <a:spcBef>
+          <a:spcPts val="500"/>
+        </a:spcBef>
+        <a:buFont typeface="Arial" panose="020B0604020202020204" pitchFamily="34" charset="0"/>
+        <a:buChar char="•"/>
+        <a:defRPr sz="1800" kern="1200">
+          <a:solidFill>
+            <a:schemeClr val="tx1"/>
+          </a:solidFill>
+          <a:latin typeface="+mn-lt"/>
+          <a:ea typeface="+mn-ea"/>
+          <a:cs typeface="+mn-cs"/>
+        </a:defRPr>
+      </a:lvl4pPr>
+      <a:lvl5pPr marL="2057400" indent="-228600" algn="l" defTabSz="914400" rtl="0" eaLnBrk="1" latinLnBrk="0" hangingPunct="1">
+        <a:lnSpc>
+          <a:spcPct val="90000"/>
+        </a:lnSpc>
+        <a:spcBef>
+          <a:spcPts val="500"/>
+        </a:spcBef>
+        <a:buFont typeface="Arial" panose="020B0604020202020204" pitchFamily="34" charset="0"/>
+        <a:buChar char="•"/>
+        <a:defRPr sz="1800" kern="1200">
+          <a:solidFill>
+            <a:schemeClr val="tx1"/>
+          </a:solidFill>
+          <a:latin typeface="+mn-lt"/>
+          <a:ea typeface="+mn-ea"/>
+          <a:cs typeface="+mn-cs"/>
+        </a:defRPr>
+      </a:lvl5pPr>
+      <a:lvl6pPr marL="2514600" indent="-228600" algn="l" defTabSz="914400" rtl="0" eaLnBrk="1" latinLnBrk="0" hangingPunct="1">
+        <a:lnSpc>
+          <a:spcPct val="90000"/>
+        </a:lnSpc>
+        <a:spcBef>
+          <a:spcPts val="500"/>
+        </a:spcBef>
+        <a:buFont typeface="Arial" panose="020B0604020202020204" pitchFamily="34" charset="0"/>
+        <a:buChar char="•"/>
+        <a:defRPr sz="1800" kern="1200">
+          <a:solidFill>
+            <a:schemeClr val="tx1"/>
+          </a:solidFill>
+          <a:latin typeface="+mn-lt"/>
+          <a:ea typeface="+mn-ea"/>
+          <a:cs typeface="+mn-cs"/>
+        </a:defRPr>
+      </a:lvl6pPr>
+      <a:lvl7pPr marL="2971800" indent="-228600" algn="l" defTabSz="914400" rtl="0" eaLnBrk="1" latinLnBrk="0" hangingPunct="1">
+        <a:lnSpc>
+          <a:spcPct val="90000"/>
+        </a:lnSpc>
+        <a:spcBef>
+          <a:spcPts val="500"/>
+        </a:spcBef>
+        <a:buFont typeface="Arial" panose="020B0604020202020204" pitchFamily="34" charset="0"/>
+        <a:buChar char="•"/>
+        <a:defRPr sz="1800" kern="1200">
+          <a:solidFill>
+            <a:schemeClr val="tx1"/>
+          </a:solidFill>
+          <a:latin typeface="+mn-lt"/>
+          <a:ea typeface="+mn-ea"/>
+          <a:cs typeface="+mn-cs"/>
+        </a:defRPr>
+      </a:lvl7pPr>
+      <a:lvl8pPr marL="3429000" indent="-228600" algn="l" defTabSz="914400" rtl="0" eaLnBrk="1" latinLnBrk="0" hangingPunct="1">
+        <a:lnSpc>
+          <a:spcPct val="90000"/>
+        </a:lnSpc>
+        <a:spcBef>
+          <a:spcPts val="500"/>
+        </a:spcBef>
+        <a:buFont typeface="Arial" panose="020B0604020202020204" pitchFamily="34" charset="0"/>
+        <a:buChar char="•"/>
+        <a:defRPr sz="1800" kern="1200">
+          <a:solidFill>
+            <a:schemeClr val="tx1"/>
+          </a:solidFill>
+          <a:latin typeface="+mn-lt"/>
+          <a:ea typeface="+mn-ea"/>
+          <a:cs typeface="+mn-cs"/>
+        </a:defRPr>
+      </a:lvl8pPr>
+      <a:lvl9pPr marL="3886200" indent="-228600" algn="l" defTabSz="914400" rtl="0" eaLnBrk="1" latinLnBrk="0" hangingPunct="1">
+        <a:lnSpc>
+          <a:spcPct val="90000"/>
+        </a:lnSpc>
+        <a:spcBef>
+          <a:spcPts val="500"/>
+        </a:spcBef>
+        <a:buFont typeface="Arial" panose="020B0604020202020204" pitchFamily="34" charset="0"/>
+        <a:buChar char="•"/>
+        <a:defRPr sz="1800" kern="1200">
+          <a:solidFill>
+            <a:schemeClr val="tx1"/>
+          </a:solidFill>
+          <a:latin typeface="+mn-lt"/>
+          <a:ea typeface="+mn-ea"/>
+          <a:cs typeface="+mn-cs"/>
+        </a:defRPr>
+      </a:lvl9pPr>
+    </p:bodyStyle>
+    <p:otherStyle>
+      <a:defPPr>
+        <a:defRPr lang="en-US"/>
+      </a:defPPr>
+      <a:lvl1pPr marL="0" algn="l" defTabSz="914400" rtl="0" eaLnBrk="1" latinLnBrk="0" hangingPunct="1">
+        <a:defRPr sz="1800" kern="1200">
+          <a:solidFill>
+            <a:schemeClr val="tx1"/>
+          </a:solidFill>
+          <a:latin typeface="+mn-lt"/>
+          <a:ea typeface="+mn-ea"/>
+          <a:cs typeface="+mn-cs"/>
+        </a:defRPr>
+      </a:lvl1pPr>
+      <a:lvl2pPr marL="457200" algn="l" defTabSz="914400" rtl="0" eaLnBrk="1" latinLnBrk="0" hangingPunct="1">
+        <a:defRPr sz="1800" kern="1200">
+          <a:solidFill>
+            <a:schemeClr val="tx1"/>
+          </a:solidFill>
+          <a:latin typeface="+mn-lt"/>
+          <a:ea typeface="+mn-ea"/>
+          <a:cs typeface="+mn-cs"/>
+        </a:defRPr>
+      </a:lvl2pPr>
+      <a:lvl3pPr marL="914400" algn="l" defTabSz="914400" rtl="0" eaLnBrk="1" latinLnBrk="0" hangingPunct="1">
+        <a:defRPr sz="1800" kern="1200">
+          <a:solidFill>
+            <a:schemeClr val="tx1"/>
+          </a:solidFill>
+          <a:latin typeface="+mn-lt"/>
+          <a:ea typeface="+mn-ea"/>
+          <a:cs typeface="+mn-cs"/>
+        </a:defRPr>
+      </a:lvl3pPr>
+      <a:lvl4pPr marL="1371600" algn="l" defTabSz="914400" rtl="0" eaLnBrk="1" latinLnBrk="0" hangingPunct="1">
+        <a:defRPr sz="1800" kern="1200">
+          <a:solidFill>
+            <a:schemeClr val="tx1"/>
+          </a:solidFill>
+          <a:latin typeface="+mn-lt"/>
+          <a:ea typeface="+mn-ea"/>
+          <a:cs typeface="+mn-cs"/>
+        </a:defRPr>
+      </a:lvl4pPr>
+      <a:lvl5pPr marL="1828800" algn="l" defTabSz="914400" rtl="0" eaLnBrk="1" latinLnBrk="0" hangingPunct="1">
+        <a:defRPr sz="1800" kern="1200">
+          <a:solidFill>
+            <a:schemeClr val="tx1"/>
+          </a:solidFill>
+          <a:latin typeface="+mn-lt"/>
+          <a:ea typeface="+mn-ea"/>
+          <a:cs typeface="+mn-cs"/>
+        </a:defRPr>
+      </a:lvl5pPr>
+      <a:lvl6pPr marL="2286000" algn="l" defTabSz="914400" rtl="0" eaLnBrk="1" latinLnBrk="0" hangingPunct="1">
+        <a:defRPr sz="1800" kern="1200">
+          <a:solidFill>
+            <a:schemeClr val="tx1"/>
+          </a:solidFill>
+          <a:latin typeface="+mn-lt"/>
+          <a:ea typeface="+mn-ea"/>
+          <a:cs typeface="+mn-cs"/>
+        </a:defRPr>
+      </a:lvl6pPr>
+      <a:lvl7pPr marL="2743200" algn="l" defTabSz="914400" rtl="0" eaLnBrk="1" latinLnBrk="0" hangingPunct="1">
+        <a:defRPr sz="1800" kern="1200">
+          <a:solidFill>
+            <a:schemeClr val="tx1"/>
+          </a:solidFill>
+          <a:latin typeface="+mn-lt"/>
+          <a:ea typeface="+mn-ea"/>
+          <a:cs typeface="+mn-cs"/>
+        </a:defRPr>
+      </a:lvl7pPr>
+      <a:lvl8pPr marL="3200400" algn="l" defTabSz="914400" rtl="0" eaLnBrk="1" latinLnBrk="0" hangingPunct="1">
+        <a:defRPr sz="1800" kern="1200">
+          <a:solidFill>
+            <a:schemeClr val="tx1"/>
+          </a:solidFill>
+          <a:latin typeface="+mn-lt"/>
+          <a:ea typeface="+mn-ea"/>
+          <a:cs typeface="+mn-cs"/>
+        </a:defRPr>
+      </a:lvl8pPr>
+      <a:lvl9pPr marL="3657600" algn="l" defTabSz="914400" rtl="0" eaLnBrk="1" latinLnBrk="0" hangingPunct="1">
+        <a:defRPr sz="1800" kern="1200">
+          <a:solidFill>
+            <a:schemeClr val="tx1"/>
+          </a:solidFill>
+          <a:latin typeface="+mn-lt"/>
+          <a:ea typeface="+mn-ea"/>
+          <a:cs typeface="+mn-cs"/>
+        </a:defRPr>
+      </a:lvl9pPr>
+    </p:otherStyle>
+  </p:txStyles>
+</p:sldMaster>
+</file>
+
 <file path=ppt/slides/slide1.xml><?xml version="1.0" encoding="utf-8"?>
 <p:sld xmlns:a="http://schemas.openxmlformats.org/drawingml/2006/main" xmlns:r="http://schemas.openxmlformats.org/officeDocument/2006/relationships" xmlns:p="http://schemas.openxmlformats.org/presentationml/2006/main">
   <p:cSld>
@@ -7619,17 +11784,17 @@
           <a:p>
             <a:pPr algn="ctr"/>
             <a:r>
-              <a:rPr lang="en-US" altLang="en-US" sz="1100" dirty="0" smtClean="0"/>
+              <a:rPr lang="en-US" altLang="en-US" sz="1100" b="1" dirty="0" smtClean="0"/>
               <a:t>CTE </a:t>
             </a:r>
             <a:br>
-              <a:rPr lang="en-US" altLang="en-US" sz="1100" dirty="0" smtClean="0"/>
+              <a:rPr lang="en-US" altLang="en-US" sz="1100" b="1" dirty="0" smtClean="0"/>
             </a:br>
             <a:r>
-              <a:rPr lang="en-US" altLang="en-US" sz="1100" dirty="0" smtClean="0"/>
+              <a:rPr lang="en-US" altLang="en-US" sz="1100" b="1" dirty="0" smtClean="0"/>
               <a:t>(cross track error)</a:t>
             </a:r>
-            <a:endParaRPr lang="en-US" altLang="en-US" sz="1100" dirty="0"/>
+            <a:endParaRPr lang="en-US" altLang="en-US" sz="1100" b="1" dirty="0"/>
           </a:p>
         </p:txBody>
       </p:sp>
@@ -7659,50 +11824,6 @@
               <a:t>0</a:t>
             </a:fld>
             <a:endParaRPr lang="en-US" dirty="0"/>
-          </a:p>
-        </p:txBody>
-      </p:sp>
-      <p:sp>
-        <p:nvSpPr>
-          <p:cNvPr id="2" name="BJPseudoFooter"/>
-          <p:cNvSpPr txBox="1"/>
-          <p:nvPr>
-            <p:custDataLst>
-              <p:tags r:id="rId1"/>
-            </p:custDataLst>
-          </p:nvPr>
-        </p:nvSpPr>
-        <p:spPr>
-          <a:xfrm>
-            <a:off x="127000" y="6645245"/>
-            <a:ext cx="8890000" cy="200055"/>
-          </a:xfrm>
-          <a:prstGeom prst="rect">
-            <a:avLst/>
-          </a:prstGeom>
-          <a:noFill/>
-        </p:spPr>
-        <p:txBody>
-          <a:bodyPr vert="horz" rtlCol="0">
-            <a:spAutoFit/>
-          </a:bodyPr>
-          <a:lstStyle/>
-          <a:p>
-            <a:r>
-              <a:rPr lang="en-US" sz="700" smtClean="0">
-                <a:solidFill>
-                  <a:srgbClr val="7F7F7F"/>
-                </a:solidFill>
-                <a:latin typeface="Arial" panose="020B0604020202020204" pitchFamily="34" charset="0"/>
-              </a:rPr>
-              <a:t>Honeywell Internal</a:t>
-            </a:r>
-            <a:endParaRPr lang="en-US" sz="700">
-              <a:solidFill>
-                <a:srgbClr val="7F7F7F"/>
-              </a:solidFill>
-              <a:latin typeface="Arial" panose="020B0604020202020204" pitchFamily="34" charset="0"/>
-            </a:endParaRPr>
           </a:p>
         </p:txBody>
       </p:sp>
@@ -8992,6 +13113,50 @@
           </p:sp>
         </mc:Fallback>
       </mc:AlternateContent>
+      <p:sp>
+        <p:nvSpPr>
+          <p:cNvPr id="13334" name="BJPseudoFooter"/>
+          <p:cNvSpPr txBox="1"/>
+          <p:nvPr>
+            <p:custDataLst>
+              <p:tags r:id="rId1"/>
+            </p:custDataLst>
+          </p:nvPr>
+        </p:nvSpPr>
+        <p:spPr>
+          <a:xfrm>
+            <a:off x="127000" y="6645245"/>
+            <a:ext cx="8890000" cy="200055"/>
+          </a:xfrm>
+          <a:prstGeom prst="rect">
+            <a:avLst/>
+          </a:prstGeom>
+          <a:noFill/>
+        </p:spPr>
+        <p:txBody>
+          <a:bodyPr vert="horz" rtlCol="0">
+            <a:spAutoFit/>
+          </a:bodyPr>
+          <a:lstStyle/>
+          <a:p>
+            <a:r>
+              <a:rPr lang="en-US" sz="700" smtClean="0">
+                <a:solidFill>
+                  <a:srgbClr val="7F7F7F"/>
+                </a:solidFill>
+                <a:latin typeface="Arial" panose="020B0604020202020204" pitchFamily="34" charset="0"/>
+              </a:rPr>
+              <a:t>Honeywell Internal</a:t>
+            </a:r>
+            <a:endParaRPr lang="en-US" sz="700">
+              <a:solidFill>
+                <a:srgbClr val="7F7F7F"/>
+              </a:solidFill>
+              <a:latin typeface="Arial" panose="020B0604020202020204" pitchFamily="34" charset="0"/>
+            </a:endParaRPr>
+          </a:p>
+        </p:txBody>
+      </p:sp>
     </p:spTree>
   </p:cSld>
   <p:clrMapOvr>
@@ -9007,7 +13172,1251 @@
 </p:sld>
 </file>
 
+<file path=ppt/slides/slide2.xml><?xml version="1.0" encoding="utf-8"?>
+<p:sld xmlns:a="http://schemas.openxmlformats.org/drawingml/2006/main" xmlns:r="http://schemas.openxmlformats.org/officeDocument/2006/relationships" xmlns:p="http://schemas.openxmlformats.org/presentationml/2006/main">
+  <p:cSld>
+    <p:spTree>
+      <p:nvGrpSpPr>
+        <p:cNvPr id="1" name=""/>
+        <p:cNvGrpSpPr/>
+        <p:nvPr/>
+      </p:nvGrpSpPr>
+      <p:grpSpPr>
+        <a:xfrm>
+          <a:off x="0" y="0"/>
+          <a:ext cx="0" cy="0"/>
+          <a:chOff x="0" y="0"/>
+          <a:chExt cx="0" cy="0"/>
+        </a:xfrm>
+      </p:grpSpPr>
+      <p:sp>
+        <p:nvSpPr>
+          <p:cNvPr id="4" name="Slide Number Placeholder 3"/>
+          <p:cNvSpPr>
+            <a:spLocks noGrp="1"/>
+          </p:cNvSpPr>
+          <p:nvPr>
+            <p:ph type="sldNum" sz="quarter" idx="11"/>
+          </p:nvPr>
+        </p:nvSpPr>
+        <p:spPr/>
+        <p:txBody>
+          <a:bodyPr/>
+          <a:lstStyle/>
+          <a:p>
+            <a:pPr>
+              <a:defRPr/>
+            </a:pPr>
+            <a:fld id="{C9814D0C-58DA-754D-96DF-668AE432F1BF}" type="slidenum">
+              <a:rPr lang="en-US" smtClean="0"/>
+              <a:pPr>
+                <a:defRPr/>
+              </a:pPr>
+              <a:t>1</a:t>
+            </a:fld>
+            <a:endParaRPr lang="en-US" dirty="0"/>
+          </a:p>
+        </p:txBody>
+      </p:sp>
+      <p:cxnSp>
+        <p:nvCxnSpPr>
+          <p:cNvPr id="7" name="Straight Connector 6"/>
+          <p:cNvCxnSpPr/>
+          <p:nvPr/>
+        </p:nvCxnSpPr>
+        <p:spPr>
+          <a:xfrm>
+            <a:off x="2041236" y="822036"/>
+            <a:ext cx="27709" cy="4359564"/>
+          </a:xfrm>
+          <a:prstGeom prst="line">
+            <a:avLst/>
+          </a:prstGeom>
+          <a:ln w="57150">
+            <a:solidFill>
+              <a:schemeClr val="tx1">
+                <a:lumMod val="95000"/>
+                <a:lumOff val="5000"/>
+              </a:schemeClr>
+            </a:solidFill>
+          </a:ln>
+        </p:spPr>
+        <p:style>
+          <a:lnRef idx="1">
+            <a:schemeClr val="accent1"/>
+          </a:lnRef>
+          <a:fillRef idx="0">
+            <a:schemeClr val="accent1"/>
+          </a:fillRef>
+          <a:effectRef idx="0">
+            <a:schemeClr val="accent1"/>
+          </a:effectRef>
+          <a:fontRef idx="minor">
+            <a:schemeClr val="tx1"/>
+          </a:fontRef>
+        </p:style>
+      </p:cxnSp>
+      <p:cxnSp>
+        <p:nvCxnSpPr>
+          <p:cNvPr id="8" name="Straight Connector 7"/>
+          <p:cNvCxnSpPr/>
+          <p:nvPr/>
+        </p:nvCxnSpPr>
+        <p:spPr>
+          <a:xfrm>
+            <a:off x="1678131" y="4687454"/>
+            <a:ext cx="4779819" cy="0"/>
+          </a:xfrm>
+          <a:prstGeom prst="line">
+            <a:avLst/>
+          </a:prstGeom>
+          <a:ln w="57150">
+            <a:solidFill>
+              <a:schemeClr val="tx1">
+                <a:lumMod val="95000"/>
+                <a:lumOff val="5000"/>
+              </a:schemeClr>
+            </a:solidFill>
+          </a:ln>
+        </p:spPr>
+        <p:style>
+          <a:lnRef idx="1">
+            <a:schemeClr val="accent1"/>
+          </a:lnRef>
+          <a:fillRef idx="0">
+            <a:schemeClr val="accent1"/>
+          </a:fillRef>
+          <a:effectRef idx="0">
+            <a:schemeClr val="accent1"/>
+          </a:effectRef>
+          <a:fontRef idx="minor">
+            <a:schemeClr val="tx1"/>
+          </a:fontRef>
+        </p:style>
+      </p:cxnSp>
+      <p:sp>
+        <p:nvSpPr>
+          <p:cNvPr id="10" name="Title 1"/>
+          <p:cNvSpPr>
+            <a:spLocks noGrp="1"/>
+          </p:cNvSpPr>
+          <p:nvPr>
+            <p:ph type="title"/>
+          </p:nvPr>
+        </p:nvSpPr>
+        <p:spPr>
+          <a:xfrm>
+            <a:off x="3464268" y="4776388"/>
+            <a:ext cx="1406586" cy="498610"/>
+          </a:xfrm>
+        </p:spPr>
+        <p:txBody>
+          <a:bodyPr/>
+          <a:lstStyle/>
+          <a:p>
+            <a:pPr algn="ctr"/>
+            <a:r>
+              <a:rPr lang="en-US" altLang="en-US" sz="1100" b="1" dirty="0" smtClean="0"/>
+              <a:t>Steering Angle (</a:t>
+            </a:r>
+            <a:r>
+              <a:rPr lang="en-US" altLang="en-US" sz="1100" b="1" dirty="0" err="1" smtClean="0"/>
+              <a:t>deg</a:t>
+            </a:r>
+            <a:r>
+              <a:rPr lang="en-US" altLang="en-US" sz="1100" b="1" dirty="0" smtClean="0"/>
+              <a:t>)</a:t>
+            </a:r>
+            <a:endParaRPr lang="en-US" altLang="en-US" sz="1100" b="1" dirty="0"/>
+          </a:p>
+        </p:txBody>
+      </p:sp>
+      <p:sp>
+        <p:nvSpPr>
+          <p:cNvPr id="11" name="Title 1"/>
+          <p:cNvSpPr txBox="1">
+            <a:spLocks/>
+          </p:cNvSpPr>
+          <p:nvPr/>
+        </p:nvSpPr>
+        <p:spPr>
+          <a:xfrm rot="16200000">
+            <a:off x="1088638" y="2595495"/>
+            <a:ext cx="1406586" cy="498610"/>
+          </a:xfrm>
+          <a:prstGeom prst="rect">
+            <a:avLst/>
+          </a:prstGeom>
+        </p:spPr>
+        <p:txBody>
+          <a:bodyPr vert="horz" lIns="91440" tIns="45720" rIns="91440" bIns="45720" rtlCol="0" anchor="ctr">
+            <a:normAutofit/>
+          </a:bodyPr>
+          <a:lstStyle>
+            <a:lvl1pPr algn="l" defTabSz="914400" rtl="0" eaLnBrk="1" latinLnBrk="0" hangingPunct="1">
+              <a:lnSpc>
+                <a:spcPct val="90000"/>
+              </a:lnSpc>
+              <a:spcBef>
+                <a:spcPct val="0"/>
+              </a:spcBef>
+              <a:buNone/>
+              <a:defRPr sz="4400" kern="1200" baseline="0">
+                <a:solidFill>
+                  <a:schemeClr val="tx1"/>
+                </a:solidFill>
+                <a:latin typeface="+mj-lt"/>
+                <a:ea typeface="+mj-ea"/>
+                <a:cs typeface="+mj-cs"/>
+              </a:defRPr>
+            </a:lvl1pPr>
+          </a:lstStyle>
+          <a:p>
+            <a:pPr algn="ctr" fontAlgn="auto">
+              <a:spcAft>
+                <a:spcPts val="0"/>
+              </a:spcAft>
+            </a:pPr>
+            <a:r>
+              <a:rPr lang="en-US" altLang="en-US" sz="1100" b="1" dirty="0" smtClean="0"/>
+              <a:t>Throttle</a:t>
+            </a:r>
+            <a:endParaRPr lang="en-US" altLang="en-US" sz="1100" b="1" dirty="0"/>
+          </a:p>
+        </p:txBody>
+      </p:sp>
+      <p:cxnSp>
+        <p:nvCxnSpPr>
+          <p:cNvPr id="13" name="Straight Connector 12"/>
+          <p:cNvCxnSpPr/>
+          <p:nvPr/>
+        </p:nvCxnSpPr>
+        <p:spPr>
+          <a:xfrm>
+            <a:off x="2041236" y="1246909"/>
+            <a:ext cx="3241964" cy="2697018"/>
+          </a:xfrm>
+          <a:prstGeom prst="line">
+            <a:avLst/>
+          </a:prstGeom>
+        </p:spPr>
+        <p:style>
+          <a:lnRef idx="1">
+            <a:schemeClr val="accent1"/>
+          </a:lnRef>
+          <a:fillRef idx="0">
+            <a:schemeClr val="accent1"/>
+          </a:fillRef>
+          <a:effectRef idx="0">
+            <a:schemeClr val="accent1"/>
+          </a:effectRef>
+          <a:fontRef idx="minor">
+            <a:schemeClr val="tx1"/>
+          </a:fontRef>
+        </p:style>
+      </p:cxnSp>
+      <p:cxnSp>
+        <p:nvCxnSpPr>
+          <p:cNvPr id="14" name="Straight Connector 13"/>
+          <p:cNvCxnSpPr/>
+          <p:nvPr/>
+        </p:nvCxnSpPr>
+        <p:spPr>
+          <a:xfrm flipH="1">
+            <a:off x="5283201" y="3943927"/>
+            <a:ext cx="1006763" cy="1"/>
+          </a:xfrm>
+          <a:prstGeom prst="line">
+            <a:avLst/>
+          </a:prstGeom>
+        </p:spPr>
+        <p:style>
+          <a:lnRef idx="1">
+            <a:schemeClr val="accent1"/>
+          </a:lnRef>
+          <a:fillRef idx="0">
+            <a:schemeClr val="accent1"/>
+          </a:fillRef>
+          <a:effectRef idx="0">
+            <a:schemeClr val="accent1"/>
+          </a:effectRef>
+          <a:fontRef idx="minor">
+            <a:schemeClr val="tx1"/>
+          </a:fontRef>
+        </p:style>
+      </p:cxnSp>
+      <p:cxnSp>
+        <p:nvCxnSpPr>
+          <p:cNvPr id="19" name="Straight Connector 18"/>
+          <p:cNvCxnSpPr/>
+          <p:nvPr/>
+        </p:nvCxnSpPr>
+        <p:spPr>
+          <a:xfrm>
+            <a:off x="5283201" y="1145309"/>
+            <a:ext cx="0" cy="3631079"/>
+          </a:xfrm>
+          <a:prstGeom prst="line">
+            <a:avLst/>
+          </a:prstGeom>
+          <a:ln>
+            <a:solidFill>
+              <a:srgbClr val="FF0000"/>
+            </a:solidFill>
+            <a:prstDash val="dashDot"/>
+          </a:ln>
+        </p:spPr>
+        <p:style>
+          <a:lnRef idx="1">
+            <a:schemeClr val="accent1"/>
+          </a:lnRef>
+          <a:fillRef idx="0">
+            <a:schemeClr val="accent1"/>
+          </a:fillRef>
+          <a:effectRef idx="0">
+            <a:schemeClr val="accent1"/>
+          </a:effectRef>
+          <a:fontRef idx="minor">
+            <a:schemeClr val="tx1"/>
+          </a:fontRef>
+        </p:style>
+      </p:cxnSp>
+      <p:cxnSp>
+        <p:nvCxnSpPr>
+          <p:cNvPr id="21" name="Straight Connector 20"/>
+          <p:cNvCxnSpPr/>
+          <p:nvPr/>
+        </p:nvCxnSpPr>
+        <p:spPr>
+          <a:xfrm>
+            <a:off x="1791931" y="1228436"/>
+            <a:ext cx="905087" cy="0"/>
+          </a:xfrm>
+          <a:prstGeom prst="line">
+            <a:avLst/>
+          </a:prstGeom>
+          <a:ln>
+            <a:solidFill>
+              <a:srgbClr val="FF0000"/>
+            </a:solidFill>
+            <a:prstDash val="dashDot"/>
+          </a:ln>
+        </p:spPr>
+        <p:style>
+          <a:lnRef idx="1">
+            <a:schemeClr val="accent1"/>
+          </a:lnRef>
+          <a:fillRef idx="0">
+            <a:schemeClr val="accent1"/>
+          </a:fillRef>
+          <a:effectRef idx="0">
+            <a:schemeClr val="accent1"/>
+          </a:effectRef>
+          <a:fontRef idx="minor">
+            <a:schemeClr val="tx1"/>
+          </a:fontRef>
+        </p:style>
+      </p:cxnSp>
+      <p:cxnSp>
+        <p:nvCxnSpPr>
+          <p:cNvPr id="24" name="Straight Connector 23"/>
+          <p:cNvCxnSpPr/>
+          <p:nvPr/>
+        </p:nvCxnSpPr>
+        <p:spPr>
+          <a:xfrm>
+            <a:off x="1791931" y="3943928"/>
+            <a:ext cx="3800687" cy="0"/>
+          </a:xfrm>
+          <a:prstGeom prst="line">
+            <a:avLst/>
+          </a:prstGeom>
+          <a:ln>
+            <a:solidFill>
+              <a:srgbClr val="FF0000"/>
+            </a:solidFill>
+            <a:prstDash val="dashDot"/>
+          </a:ln>
+        </p:spPr>
+        <p:style>
+          <a:lnRef idx="1">
+            <a:schemeClr val="accent1"/>
+          </a:lnRef>
+          <a:fillRef idx="0">
+            <a:schemeClr val="accent1"/>
+          </a:fillRef>
+          <a:effectRef idx="0">
+            <a:schemeClr val="accent1"/>
+          </a:effectRef>
+          <a:fontRef idx="minor">
+            <a:schemeClr val="tx1"/>
+          </a:fontRef>
+        </p:style>
+      </p:cxnSp>
+      <p:sp>
+        <p:nvSpPr>
+          <p:cNvPr id="26" name="Title 1"/>
+          <p:cNvSpPr txBox="1">
+            <a:spLocks/>
+          </p:cNvSpPr>
+          <p:nvPr/>
+        </p:nvSpPr>
+        <p:spPr>
+          <a:xfrm>
+            <a:off x="974838" y="3692390"/>
+            <a:ext cx="1406586" cy="498610"/>
+          </a:xfrm>
+          <a:prstGeom prst="rect">
+            <a:avLst/>
+          </a:prstGeom>
+        </p:spPr>
+        <p:txBody>
+          <a:bodyPr vert="horz" lIns="91440" tIns="45720" rIns="91440" bIns="45720" rtlCol="0" anchor="ctr">
+            <a:normAutofit/>
+          </a:bodyPr>
+          <a:lstStyle>
+            <a:lvl1pPr algn="l" defTabSz="914400" rtl="0" eaLnBrk="1" latinLnBrk="0" hangingPunct="1">
+              <a:lnSpc>
+                <a:spcPct val="90000"/>
+              </a:lnSpc>
+              <a:spcBef>
+                <a:spcPct val="0"/>
+              </a:spcBef>
+              <a:buNone/>
+              <a:defRPr sz="4400" kern="1200" baseline="0">
+                <a:solidFill>
+                  <a:schemeClr val="tx1"/>
+                </a:solidFill>
+                <a:latin typeface="+mj-lt"/>
+                <a:ea typeface="+mj-ea"/>
+                <a:cs typeface="+mj-cs"/>
+              </a:defRPr>
+            </a:lvl1pPr>
+          </a:lstStyle>
+          <a:p>
+            <a:pPr algn="ctr" fontAlgn="auto">
+              <a:spcAft>
+                <a:spcPts val="0"/>
+              </a:spcAft>
+            </a:pPr>
+            <a:r>
+              <a:rPr lang="en-US" altLang="en-US" sz="1100" b="1" dirty="0" smtClean="0"/>
+              <a:t>0.1</a:t>
+            </a:r>
+            <a:endParaRPr lang="en-US" altLang="en-US" sz="1100" b="1" dirty="0"/>
+          </a:p>
+        </p:txBody>
+      </p:sp>
+      <p:sp>
+        <p:nvSpPr>
+          <p:cNvPr id="27" name="Title 1"/>
+          <p:cNvSpPr txBox="1">
+            <a:spLocks/>
+          </p:cNvSpPr>
+          <p:nvPr/>
+        </p:nvSpPr>
+        <p:spPr>
+          <a:xfrm>
+            <a:off x="902668" y="981441"/>
+            <a:ext cx="1406586" cy="498610"/>
+          </a:xfrm>
+          <a:prstGeom prst="rect">
+            <a:avLst/>
+          </a:prstGeom>
+        </p:spPr>
+        <p:txBody>
+          <a:bodyPr vert="horz" lIns="91440" tIns="45720" rIns="91440" bIns="45720" rtlCol="0" anchor="ctr">
+            <a:normAutofit/>
+          </a:bodyPr>
+          <a:lstStyle>
+            <a:lvl1pPr algn="l" defTabSz="914400" rtl="0" eaLnBrk="1" latinLnBrk="0" hangingPunct="1">
+              <a:lnSpc>
+                <a:spcPct val="90000"/>
+              </a:lnSpc>
+              <a:spcBef>
+                <a:spcPct val="0"/>
+              </a:spcBef>
+              <a:buNone/>
+              <a:defRPr sz="4400" kern="1200" baseline="0">
+                <a:solidFill>
+                  <a:schemeClr val="tx1"/>
+                </a:solidFill>
+                <a:latin typeface="+mj-lt"/>
+                <a:ea typeface="+mj-ea"/>
+                <a:cs typeface="+mj-cs"/>
+              </a:defRPr>
+            </a:lvl1pPr>
+          </a:lstStyle>
+          <a:p>
+            <a:pPr algn="ctr" fontAlgn="auto">
+              <a:spcAft>
+                <a:spcPts val="0"/>
+              </a:spcAft>
+            </a:pPr>
+            <a:r>
+              <a:rPr lang="en-US" altLang="en-US" sz="1100" b="1" dirty="0" smtClean="0"/>
+              <a:t>1.0</a:t>
+            </a:r>
+            <a:endParaRPr lang="en-US" altLang="en-US" sz="1100" b="1" dirty="0"/>
+          </a:p>
+        </p:txBody>
+      </p:sp>
+      <p:sp>
+        <p:nvSpPr>
+          <p:cNvPr id="28" name="BJPseudoFooter"/>
+          <p:cNvSpPr txBox="1"/>
+          <p:nvPr>
+            <p:custDataLst>
+              <p:tags r:id="rId1"/>
+            </p:custDataLst>
+          </p:nvPr>
+        </p:nvSpPr>
+        <p:spPr>
+          <a:xfrm>
+            <a:off x="127000" y="6645245"/>
+            <a:ext cx="8890000" cy="200055"/>
+          </a:xfrm>
+          <a:prstGeom prst="rect">
+            <a:avLst/>
+          </a:prstGeom>
+          <a:noFill/>
+        </p:spPr>
+        <p:txBody>
+          <a:bodyPr vert="horz" rtlCol="0">
+            <a:spAutoFit/>
+          </a:bodyPr>
+          <a:lstStyle/>
+          <a:p>
+            <a:r>
+              <a:rPr lang="en-US" sz="700" smtClean="0">
+                <a:solidFill>
+                  <a:srgbClr val="7F7F7F"/>
+                </a:solidFill>
+                <a:latin typeface="Arial" panose="020B0604020202020204" pitchFamily="34" charset="0"/>
+              </a:rPr>
+              <a:t>Honeywell Internal</a:t>
+            </a:r>
+            <a:endParaRPr lang="en-US" sz="700">
+              <a:solidFill>
+                <a:srgbClr val="7F7F7F"/>
+              </a:solidFill>
+              <a:latin typeface="Arial" panose="020B0604020202020204" pitchFamily="34" charset="0"/>
+            </a:endParaRPr>
+          </a:p>
+        </p:txBody>
+      </p:sp>
+      <p:sp>
+        <p:nvSpPr>
+          <p:cNvPr id="29" name="Title 1"/>
+          <p:cNvSpPr txBox="1">
+            <a:spLocks/>
+          </p:cNvSpPr>
+          <p:nvPr/>
+        </p:nvSpPr>
+        <p:spPr>
+          <a:xfrm>
+            <a:off x="4579908" y="4687454"/>
+            <a:ext cx="1406586" cy="498610"/>
+          </a:xfrm>
+          <a:prstGeom prst="rect">
+            <a:avLst/>
+          </a:prstGeom>
+        </p:spPr>
+        <p:txBody>
+          <a:bodyPr vert="horz" lIns="91440" tIns="45720" rIns="91440" bIns="45720" rtlCol="0" anchor="ctr">
+            <a:normAutofit/>
+          </a:bodyPr>
+          <a:lstStyle>
+            <a:lvl1pPr algn="l" defTabSz="914400" rtl="0" eaLnBrk="1" latinLnBrk="0" hangingPunct="1">
+              <a:lnSpc>
+                <a:spcPct val="90000"/>
+              </a:lnSpc>
+              <a:spcBef>
+                <a:spcPct val="0"/>
+              </a:spcBef>
+              <a:buNone/>
+              <a:defRPr sz="4400" kern="1200" baseline="0">
+                <a:solidFill>
+                  <a:schemeClr val="tx1"/>
+                </a:solidFill>
+                <a:latin typeface="+mj-lt"/>
+                <a:ea typeface="+mj-ea"/>
+                <a:cs typeface="+mj-cs"/>
+              </a:defRPr>
+            </a:lvl1pPr>
+          </a:lstStyle>
+          <a:p>
+            <a:pPr algn="ctr" fontAlgn="auto">
+              <a:spcAft>
+                <a:spcPts val="0"/>
+              </a:spcAft>
+            </a:pPr>
+            <a:r>
+              <a:rPr lang="en-US" altLang="en-US" sz="1100" b="1" dirty="0" smtClean="0"/>
+              <a:t>15</a:t>
+            </a:r>
+            <a:endParaRPr lang="en-US" altLang="en-US" sz="1100" b="1" dirty="0"/>
+          </a:p>
+        </p:txBody>
+      </p:sp>
+    </p:spTree>
+    <p:extLst>
+      <p:ext uri="{BB962C8B-B14F-4D97-AF65-F5344CB8AC3E}">
+        <p14:creationId xmlns:p14="http://schemas.microsoft.com/office/powerpoint/2010/main" val="3095530094"/>
+      </p:ext>
+    </p:extLst>
+  </p:cSld>
+  <p:clrMapOvr>
+    <a:masterClrMapping/>
+  </p:clrMapOvr>
+</p:sld>
+</file>
+
+<file path=ppt/slides/slide3.xml><?xml version="1.0" encoding="utf-8"?>
+<p:sld xmlns:a="http://schemas.openxmlformats.org/drawingml/2006/main" xmlns:r="http://schemas.openxmlformats.org/officeDocument/2006/relationships" xmlns:p="http://schemas.openxmlformats.org/presentationml/2006/main">
+  <p:cSld>
+    <p:spTree>
+      <p:nvGrpSpPr>
+        <p:cNvPr id="1" name=""/>
+        <p:cNvGrpSpPr/>
+        <p:nvPr/>
+      </p:nvGrpSpPr>
+      <p:grpSpPr>
+        <a:xfrm>
+          <a:off x="0" y="0"/>
+          <a:ext cx="0" cy="0"/>
+          <a:chOff x="0" y="0"/>
+          <a:chExt cx="0" cy="0"/>
+        </a:xfrm>
+      </p:grpSpPr>
+      <p:pic>
+        <p:nvPicPr>
+          <p:cNvPr id="5" name="Picture 4"/>
+          <p:cNvPicPr>
+            <a:picLocks noChangeAspect="1"/>
+          </p:cNvPicPr>
+          <p:nvPr/>
+        </p:nvPicPr>
+        <p:blipFill>
+          <a:blip r:embed="rId4"/>
+          <a:stretch>
+            <a:fillRect/>
+          </a:stretch>
+        </p:blipFill>
+        <p:spPr>
+          <a:xfrm>
+            <a:off x="1014000" y="765000"/>
+            <a:ext cx="6061056" cy="4538126"/>
+          </a:xfrm>
+          <a:prstGeom prst="rect">
+            <a:avLst/>
+          </a:prstGeom>
+        </p:spPr>
+      </p:pic>
+      <p:sp>
+        <p:nvSpPr>
+          <p:cNvPr id="6" name="BJPseudoFooter"/>
+          <p:cNvSpPr txBox="1"/>
+          <p:nvPr>
+            <p:custDataLst>
+              <p:tags r:id="rId1"/>
+            </p:custDataLst>
+          </p:nvPr>
+        </p:nvSpPr>
+        <p:spPr>
+          <a:xfrm>
+            <a:off x="127000" y="6645245"/>
+            <a:ext cx="8890000" cy="200055"/>
+          </a:xfrm>
+          <a:prstGeom prst="rect">
+            <a:avLst/>
+          </a:prstGeom>
+          <a:noFill/>
+        </p:spPr>
+        <p:txBody>
+          <a:bodyPr vert="horz" rtlCol="0">
+            <a:spAutoFit/>
+          </a:bodyPr>
+          <a:lstStyle/>
+          <a:p>
+            <a:r>
+              <a:rPr lang="en-US" sz="700" smtClean="0">
+                <a:solidFill>
+                  <a:srgbClr val="7F7F7F"/>
+                </a:solidFill>
+                <a:latin typeface="Arial" panose="020B0604020202020204" pitchFamily="34" charset="0"/>
+              </a:rPr>
+              <a:t>Honeywell Internal</a:t>
+            </a:r>
+            <a:endParaRPr lang="en-US" sz="700">
+              <a:solidFill>
+                <a:srgbClr val="7F7F7F"/>
+              </a:solidFill>
+              <a:latin typeface="Arial" panose="020B0604020202020204" pitchFamily="34" charset="0"/>
+            </a:endParaRPr>
+          </a:p>
+        </p:txBody>
+      </p:sp>
+    </p:spTree>
+    <p:extLst>
+      <p:ext uri="{BB962C8B-B14F-4D97-AF65-F5344CB8AC3E}">
+        <p14:creationId xmlns:p14="http://schemas.microsoft.com/office/powerpoint/2010/main" val="1359436015"/>
+      </p:ext>
+    </p:extLst>
+  </p:cSld>
+  <p:clrMapOvr>
+    <a:masterClrMapping/>
+  </p:clrMapOvr>
+</p:sld>
+</file>
+
+<file path=ppt/slides/slide4.xml><?xml version="1.0" encoding="utf-8"?>
+<p:sld xmlns:a="http://schemas.openxmlformats.org/drawingml/2006/main" xmlns:r="http://schemas.openxmlformats.org/officeDocument/2006/relationships" xmlns:p="http://schemas.openxmlformats.org/presentationml/2006/main">
+  <p:cSld>
+    <p:spTree>
+      <p:nvGrpSpPr>
+        <p:cNvPr id="1" name=""/>
+        <p:cNvGrpSpPr/>
+        <p:nvPr/>
+      </p:nvGrpSpPr>
+      <p:grpSpPr>
+        <a:xfrm>
+          <a:off x="0" y="0"/>
+          <a:ext cx="0" cy="0"/>
+          <a:chOff x="0" y="0"/>
+          <a:chExt cx="0" cy="0"/>
+        </a:xfrm>
+      </p:grpSpPr>
+      <p:sp>
+        <p:nvSpPr>
+          <p:cNvPr id="2" name="BJPseudoFooter"/>
+          <p:cNvSpPr txBox="1"/>
+          <p:nvPr>
+            <p:custDataLst>
+              <p:tags r:id="rId1"/>
+            </p:custDataLst>
+          </p:nvPr>
+        </p:nvSpPr>
+        <p:spPr>
+          <a:xfrm>
+            <a:off x="127000" y="6645245"/>
+            <a:ext cx="8890000" cy="200055"/>
+          </a:xfrm>
+          <a:prstGeom prst="rect">
+            <a:avLst/>
+          </a:prstGeom>
+          <a:noFill/>
+        </p:spPr>
+        <p:txBody>
+          <a:bodyPr vert="horz" rtlCol="0">
+            <a:spAutoFit/>
+          </a:bodyPr>
+          <a:lstStyle/>
+          <a:p>
+            <a:r>
+              <a:rPr lang="en-US" sz="700" smtClean="0">
+                <a:solidFill>
+                  <a:srgbClr val="7F7F7F"/>
+                </a:solidFill>
+                <a:latin typeface="Arial" panose="020B0604020202020204" pitchFamily="34" charset="0"/>
+              </a:rPr>
+              <a:t>Honeywell Internal</a:t>
+            </a:r>
+            <a:endParaRPr lang="en-US" sz="700">
+              <a:solidFill>
+                <a:srgbClr val="7F7F7F"/>
+              </a:solidFill>
+              <a:latin typeface="Arial" panose="020B0604020202020204" pitchFamily="34" charset="0"/>
+            </a:endParaRPr>
+          </a:p>
+        </p:txBody>
+      </p:sp>
+      <p:pic>
+        <p:nvPicPr>
+          <p:cNvPr id="4" name="Picture 3"/>
+          <p:cNvPicPr>
+            <a:picLocks noChangeAspect="1"/>
+          </p:cNvPicPr>
+          <p:nvPr/>
+        </p:nvPicPr>
+        <p:blipFill>
+          <a:blip r:embed="rId4"/>
+          <a:stretch>
+            <a:fillRect/>
+          </a:stretch>
+        </p:blipFill>
+        <p:spPr>
+          <a:xfrm>
+            <a:off x="1013999" y="764999"/>
+            <a:ext cx="7116001" cy="5328001"/>
+          </a:xfrm>
+          <a:prstGeom prst="rect">
+            <a:avLst/>
+          </a:prstGeom>
+        </p:spPr>
+      </p:pic>
+    </p:spTree>
+    <p:extLst>
+      <p:ext uri="{BB962C8B-B14F-4D97-AF65-F5344CB8AC3E}">
+        <p14:creationId xmlns:p14="http://schemas.microsoft.com/office/powerpoint/2010/main" val="2693071990"/>
+      </p:ext>
+    </p:extLst>
+  </p:cSld>
+  <p:clrMapOvr>
+    <a:masterClrMapping/>
+  </p:clrMapOvr>
+</p:sld>
+</file>
+
+<file path=ppt/slides/slide5.xml><?xml version="1.0" encoding="utf-8"?>
+<p:sld xmlns:a="http://schemas.openxmlformats.org/drawingml/2006/main" xmlns:r="http://schemas.openxmlformats.org/officeDocument/2006/relationships" xmlns:p="http://schemas.openxmlformats.org/presentationml/2006/main">
+  <p:cSld>
+    <p:spTree>
+      <p:nvGrpSpPr>
+        <p:cNvPr id="1" name=""/>
+        <p:cNvGrpSpPr/>
+        <p:nvPr/>
+      </p:nvGrpSpPr>
+      <p:grpSpPr>
+        <a:xfrm>
+          <a:off x="0" y="0"/>
+          <a:ext cx="0" cy="0"/>
+          <a:chOff x="0" y="0"/>
+          <a:chExt cx="0" cy="0"/>
+        </a:xfrm>
+      </p:grpSpPr>
+      <p:sp>
+        <p:nvSpPr>
+          <p:cNvPr id="2" name="BJPseudoFooter"/>
+          <p:cNvSpPr txBox="1"/>
+          <p:nvPr>
+            <p:custDataLst>
+              <p:tags r:id="rId1"/>
+            </p:custDataLst>
+          </p:nvPr>
+        </p:nvSpPr>
+        <p:spPr>
+          <a:xfrm>
+            <a:off x="127000" y="6645245"/>
+            <a:ext cx="8890000" cy="200055"/>
+          </a:xfrm>
+          <a:prstGeom prst="rect">
+            <a:avLst/>
+          </a:prstGeom>
+          <a:noFill/>
+        </p:spPr>
+        <p:txBody>
+          <a:bodyPr vert="horz" rtlCol="0">
+            <a:spAutoFit/>
+          </a:bodyPr>
+          <a:lstStyle/>
+          <a:p>
+            <a:r>
+              <a:rPr lang="en-US" sz="700" smtClean="0">
+                <a:solidFill>
+                  <a:srgbClr val="7F7F7F"/>
+                </a:solidFill>
+                <a:latin typeface="Arial" panose="020B0604020202020204" pitchFamily="34" charset="0"/>
+              </a:rPr>
+              <a:t>Honeywell Internal</a:t>
+            </a:r>
+            <a:endParaRPr lang="en-US" sz="700">
+              <a:solidFill>
+                <a:srgbClr val="7F7F7F"/>
+              </a:solidFill>
+              <a:latin typeface="Arial" panose="020B0604020202020204" pitchFamily="34" charset="0"/>
+            </a:endParaRPr>
+          </a:p>
+        </p:txBody>
+      </p:sp>
+      <p:pic>
+        <p:nvPicPr>
+          <p:cNvPr id="3" name="Picture 2"/>
+          <p:cNvPicPr>
+            <a:picLocks noChangeAspect="1"/>
+          </p:cNvPicPr>
+          <p:nvPr/>
+        </p:nvPicPr>
+        <p:blipFill>
+          <a:blip r:embed="rId4"/>
+          <a:stretch>
+            <a:fillRect/>
+          </a:stretch>
+        </p:blipFill>
+        <p:spPr>
+          <a:xfrm>
+            <a:off x="1013999" y="764999"/>
+            <a:ext cx="7116001" cy="5328001"/>
+          </a:xfrm>
+          <a:prstGeom prst="rect">
+            <a:avLst/>
+          </a:prstGeom>
+        </p:spPr>
+      </p:pic>
+    </p:spTree>
+    <p:extLst>
+      <p:ext uri="{BB962C8B-B14F-4D97-AF65-F5344CB8AC3E}">
+        <p14:creationId xmlns:p14="http://schemas.microsoft.com/office/powerpoint/2010/main" val="2340059413"/>
+      </p:ext>
+    </p:extLst>
+  </p:cSld>
+  <p:clrMapOvr>
+    <a:masterClrMapping/>
+  </p:clrMapOvr>
+</p:sld>
+</file>
+
+<file path=ppt/slides/slide6.xml><?xml version="1.0" encoding="utf-8"?>
+<p:sld xmlns:a="http://schemas.openxmlformats.org/drawingml/2006/main" xmlns:r="http://schemas.openxmlformats.org/officeDocument/2006/relationships" xmlns:p="http://schemas.openxmlformats.org/presentationml/2006/main">
+  <p:cSld>
+    <p:spTree>
+      <p:nvGrpSpPr>
+        <p:cNvPr id="1" name=""/>
+        <p:cNvGrpSpPr/>
+        <p:nvPr/>
+      </p:nvGrpSpPr>
+      <p:grpSpPr>
+        <a:xfrm>
+          <a:off x="0" y="0"/>
+          <a:ext cx="0" cy="0"/>
+          <a:chOff x="0" y="0"/>
+          <a:chExt cx="0" cy="0"/>
+        </a:xfrm>
+      </p:grpSpPr>
+      <p:sp>
+        <p:nvSpPr>
+          <p:cNvPr id="2" name="BJPseudoFooter"/>
+          <p:cNvSpPr txBox="1"/>
+          <p:nvPr>
+            <p:custDataLst>
+              <p:tags r:id="rId1"/>
+            </p:custDataLst>
+          </p:nvPr>
+        </p:nvSpPr>
+        <p:spPr>
+          <a:xfrm>
+            <a:off x="127000" y="6645245"/>
+            <a:ext cx="8890000" cy="200055"/>
+          </a:xfrm>
+          <a:prstGeom prst="rect">
+            <a:avLst/>
+          </a:prstGeom>
+          <a:noFill/>
+        </p:spPr>
+        <p:txBody>
+          <a:bodyPr vert="horz" rtlCol="0">
+            <a:spAutoFit/>
+          </a:bodyPr>
+          <a:lstStyle/>
+          <a:p>
+            <a:r>
+              <a:rPr lang="en-US" sz="700" smtClean="0">
+                <a:solidFill>
+                  <a:srgbClr val="7F7F7F"/>
+                </a:solidFill>
+                <a:latin typeface="Arial" panose="020B0604020202020204" pitchFamily="34" charset="0"/>
+              </a:rPr>
+              <a:t>Honeywell Internal</a:t>
+            </a:r>
+            <a:endParaRPr lang="en-US" sz="700">
+              <a:solidFill>
+                <a:srgbClr val="7F7F7F"/>
+              </a:solidFill>
+              <a:latin typeface="Arial" panose="020B0604020202020204" pitchFamily="34" charset="0"/>
+            </a:endParaRPr>
+          </a:p>
+        </p:txBody>
+      </p:sp>
+      <p:pic>
+        <p:nvPicPr>
+          <p:cNvPr id="4" name="Picture 3"/>
+          <p:cNvPicPr>
+            <a:picLocks noChangeAspect="1"/>
+          </p:cNvPicPr>
+          <p:nvPr/>
+        </p:nvPicPr>
+        <p:blipFill>
+          <a:blip r:embed="rId4"/>
+          <a:stretch>
+            <a:fillRect/>
+          </a:stretch>
+        </p:blipFill>
+        <p:spPr>
+          <a:xfrm>
+            <a:off x="1013999" y="764999"/>
+            <a:ext cx="7116001" cy="5328001"/>
+          </a:xfrm>
+          <a:prstGeom prst="rect">
+            <a:avLst/>
+          </a:prstGeom>
+        </p:spPr>
+      </p:pic>
+    </p:spTree>
+    <p:extLst>
+      <p:ext uri="{BB962C8B-B14F-4D97-AF65-F5344CB8AC3E}">
+        <p14:creationId xmlns:p14="http://schemas.microsoft.com/office/powerpoint/2010/main" val="3311043155"/>
+      </p:ext>
+    </p:extLst>
+  </p:cSld>
+  <p:clrMapOvr>
+    <a:masterClrMapping/>
+  </p:clrMapOvr>
+</p:sld>
+</file>
+
+<file path=ppt/slides/slide7.xml><?xml version="1.0" encoding="utf-8"?>
+<p:sld xmlns:a="http://schemas.openxmlformats.org/drawingml/2006/main" xmlns:r="http://schemas.openxmlformats.org/officeDocument/2006/relationships" xmlns:p="http://schemas.openxmlformats.org/presentationml/2006/main">
+  <p:cSld>
+    <p:spTree>
+      <p:nvGrpSpPr>
+        <p:cNvPr id="1" name=""/>
+        <p:cNvGrpSpPr/>
+        <p:nvPr/>
+      </p:nvGrpSpPr>
+      <p:grpSpPr>
+        <a:xfrm>
+          <a:off x="0" y="0"/>
+          <a:ext cx="0" cy="0"/>
+          <a:chOff x="0" y="0"/>
+          <a:chExt cx="0" cy="0"/>
+        </a:xfrm>
+      </p:grpSpPr>
+      <p:sp>
+        <p:nvSpPr>
+          <p:cNvPr id="2" name="BJPseudoFooter"/>
+          <p:cNvSpPr txBox="1"/>
+          <p:nvPr>
+            <p:custDataLst>
+              <p:tags r:id="rId1"/>
+            </p:custDataLst>
+          </p:nvPr>
+        </p:nvSpPr>
+        <p:spPr>
+          <a:xfrm>
+            <a:off x="127000" y="6645245"/>
+            <a:ext cx="8890000" cy="200055"/>
+          </a:xfrm>
+          <a:prstGeom prst="rect">
+            <a:avLst/>
+          </a:prstGeom>
+          <a:noFill/>
+        </p:spPr>
+        <p:txBody>
+          <a:bodyPr vert="horz" rtlCol="0">
+            <a:spAutoFit/>
+          </a:bodyPr>
+          <a:lstStyle/>
+          <a:p>
+            <a:r>
+              <a:rPr lang="en-US" sz="700" smtClean="0">
+                <a:solidFill>
+                  <a:srgbClr val="7F7F7F"/>
+                </a:solidFill>
+                <a:latin typeface="Arial" panose="020B0604020202020204" pitchFamily="34" charset="0"/>
+              </a:rPr>
+              <a:t>Honeywell Internal</a:t>
+            </a:r>
+            <a:endParaRPr lang="en-US" sz="700">
+              <a:solidFill>
+                <a:srgbClr val="7F7F7F"/>
+              </a:solidFill>
+              <a:latin typeface="Arial" panose="020B0604020202020204" pitchFamily="34" charset="0"/>
+            </a:endParaRPr>
+          </a:p>
+        </p:txBody>
+      </p:sp>
+      <p:pic>
+        <p:nvPicPr>
+          <p:cNvPr id="3" name="Picture 2"/>
+          <p:cNvPicPr>
+            <a:picLocks noChangeAspect="1"/>
+          </p:cNvPicPr>
+          <p:nvPr/>
+        </p:nvPicPr>
+        <p:blipFill>
+          <a:blip r:embed="rId4"/>
+          <a:stretch>
+            <a:fillRect/>
+          </a:stretch>
+        </p:blipFill>
+        <p:spPr>
+          <a:xfrm>
+            <a:off x="1013999" y="764999"/>
+            <a:ext cx="7116001" cy="5328001"/>
+          </a:xfrm>
+          <a:prstGeom prst="rect">
+            <a:avLst/>
+          </a:prstGeom>
+        </p:spPr>
+      </p:pic>
+    </p:spTree>
+    <p:extLst>
+      <p:ext uri="{BB962C8B-B14F-4D97-AF65-F5344CB8AC3E}">
+        <p14:creationId xmlns:p14="http://schemas.microsoft.com/office/powerpoint/2010/main" val="286389957"/>
+      </p:ext>
+    </p:extLst>
+  </p:cSld>
+  <p:clrMapOvr>
+    <a:masterClrMapping/>
+  </p:clrMapOvr>
+</p:sld>
+</file>
+
+<file path=ppt/slides/slide8.xml><?xml version="1.0" encoding="utf-8"?>
+<p:sld xmlns:a="http://schemas.openxmlformats.org/drawingml/2006/main" xmlns:r="http://schemas.openxmlformats.org/officeDocument/2006/relationships" xmlns:p="http://schemas.openxmlformats.org/presentationml/2006/main">
+  <p:cSld>
+    <p:spTree>
+      <p:nvGrpSpPr>
+        <p:cNvPr id="1" name=""/>
+        <p:cNvGrpSpPr/>
+        <p:nvPr/>
+      </p:nvGrpSpPr>
+      <p:grpSpPr>
+        <a:xfrm>
+          <a:off x="0" y="0"/>
+          <a:ext cx="0" cy="0"/>
+          <a:chOff x="0" y="0"/>
+          <a:chExt cx="0" cy="0"/>
+        </a:xfrm>
+      </p:grpSpPr>
+      <p:sp>
+        <p:nvSpPr>
+          <p:cNvPr id="2" name="BJPseudoFooter"/>
+          <p:cNvSpPr txBox="1"/>
+          <p:nvPr>
+            <p:custDataLst>
+              <p:tags r:id="rId1"/>
+            </p:custDataLst>
+          </p:nvPr>
+        </p:nvSpPr>
+        <p:spPr>
+          <a:xfrm>
+            <a:off x="127000" y="6645245"/>
+            <a:ext cx="8890000" cy="200055"/>
+          </a:xfrm>
+          <a:prstGeom prst="rect">
+            <a:avLst/>
+          </a:prstGeom>
+          <a:noFill/>
+        </p:spPr>
+        <p:txBody>
+          <a:bodyPr vert="horz" rtlCol="0">
+            <a:spAutoFit/>
+          </a:bodyPr>
+          <a:lstStyle/>
+          <a:p>
+            <a:r>
+              <a:rPr lang="en-US" sz="700" smtClean="0">
+                <a:solidFill>
+                  <a:srgbClr val="7F7F7F"/>
+                </a:solidFill>
+                <a:latin typeface="Arial" panose="020B0604020202020204" pitchFamily="34" charset="0"/>
+              </a:rPr>
+              <a:t>Honeywell Internal</a:t>
+            </a:r>
+            <a:endParaRPr lang="en-US" sz="700">
+              <a:solidFill>
+                <a:srgbClr val="7F7F7F"/>
+              </a:solidFill>
+              <a:latin typeface="Arial" panose="020B0604020202020204" pitchFamily="34" charset="0"/>
+            </a:endParaRPr>
+          </a:p>
+        </p:txBody>
+      </p:sp>
+      <p:pic>
+        <p:nvPicPr>
+          <p:cNvPr id="4" name="Picture 3"/>
+          <p:cNvPicPr>
+            <a:picLocks noChangeAspect="1"/>
+          </p:cNvPicPr>
+          <p:nvPr/>
+        </p:nvPicPr>
+        <p:blipFill>
+          <a:blip r:embed="rId4"/>
+          <a:stretch>
+            <a:fillRect/>
+          </a:stretch>
+        </p:blipFill>
+        <p:spPr>
+          <a:xfrm>
+            <a:off x="1013999" y="764999"/>
+            <a:ext cx="7116001" cy="5328001"/>
+          </a:xfrm>
+          <a:prstGeom prst="rect">
+            <a:avLst/>
+          </a:prstGeom>
+        </p:spPr>
+      </p:pic>
+    </p:spTree>
+    <p:extLst>
+      <p:ext uri="{BB962C8B-B14F-4D97-AF65-F5344CB8AC3E}">
+        <p14:creationId xmlns:p14="http://schemas.microsoft.com/office/powerpoint/2010/main" val="1109606533"/>
+      </p:ext>
+    </p:extLst>
+  </p:cSld>
+  <p:clrMapOvr>
+    <a:masterClrMapping/>
+  </p:clrMapOvr>
+</p:sld>
+</file>
+
 <file path=ppt/tags/tag1.xml><?xml version="1.0" encoding="utf-8"?>
+<p:tagLst xmlns:a="http://schemas.openxmlformats.org/drawingml/2006/main" xmlns:r="http://schemas.openxmlformats.org/officeDocument/2006/relationships" xmlns:p="http://schemas.openxmlformats.org/presentationml/2006/main">
+  <p:tag name="BJHEADERFOOTERLABEL" val="TRUE"/>
+  <p:tag name="BJHEADERFOOTERTEXTLABEL" val="Honeywell Internal"/>
+</p:tagLst>
+</file>
+
+<file path=ppt/tags/tag10.xml><?xml version="1.0" encoding="utf-8"?>
+<p:tagLst xmlns:a="http://schemas.openxmlformats.org/drawingml/2006/main" xmlns:r="http://schemas.openxmlformats.org/officeDocument/2006/relationships" xmlns:p="http://schemas.openxmlformats.org/presentationml/2006/main">
+  <p:tag name="BJHEADERFOOTERLABEL" val="TRUE"/>
+  <p:tag name="BJHEADERFOOTERTEXTLABEL" val="Honeywell Internal"/>
+</p:tagLst>
+</file>
+
+<file path=ppt/tags/tag11.xml><?xml version="1.0" encoding="utf-8"?>
+<p:tagLst xmlns:a="http://schemas.openxmlformats.org/drawingml/2006/main" xmlns:r="http://schemas.openxmlformats.org/officeDocument/2006/relationships" xmlns:p="http://schemas.openxmlformats.org/presentationml/2006/main">
+  <p:tag name="BJHEADERFOOTERLABEL" val="TRUE"/>
+  <p:tag name="BJHEADERFOOTERTEXTLABEL" val="Honeywell Internal"/>
+</p:tagLst>
+</file>
+
+<file path=ppt/tags/tag12.xml><?xml version="1.0" encoding="utf-8"?>
+<p:tagLst xmlns:a="http://schemas.openxmlformats.org/drawingml/2006/main" xmlns:r="http://schemas.openxmlformats.org/officeDocument/2006/relationships" xmlns:p="http://schemas.openxmlformats.org/presentationml/2006/main">
+  <p:tag name="BJHEADERFOOTERLABEL" val="TRUE"/>
+  <p:tag name="BJHEADERFOOTERTEXTLABEL" val="Honeywell Internal"/>
+</p:tagLst>
+</file>
+
+<file path=ppt/tags/tag13.xml><?xml version="1.0" encoding="utf-8"?>
+<p:tagLst xmlns:a="http://schemas.openxmlformats.org/drawingml/2006/main" xmlns:r="http://schemas.openxmlformats.org/officeDocument/2006/relationships" xmlns:p="http://schemas.openxmlformats.org/presentationml/2006/main">
+  <p:tag name="BJHEADERFOOTERLABEL" val="TRUE"/>
+  <p:tag name="BJHEADERFOOTERTEXTLABEL" val="Honeywell Internal"/>
+</p:tagLst>
+</file>
+
+<file path=ppt/tags/tag14.xml><?xml version="1.0" encoding="utf-8"?>
+<p:tagLst xmlns:a="http://schemas.openxmlformats.org/drawingml/2006/main" xmlns:r="http://schemas.openxmlformats.org/officeDocument/2006/relationships" xmlns:p="http://schemas.openxmlformats.org/presentationml/2006/main">
+  <p:tag name="BJHEADERFOOTERLABEL" val="TRUE"/>
+  <p:tag name="BJHEADERFOOTERTEXTLABEL" val="Honeywell Internal"/>
+</p:tagLst>
+</file>
+
+<file path=ppt/tags/tag15.xml><?xml version="1.0" encoding="utf-8"?>
+<p:tagLst xmlns:a="http://schemas.openxmlformats.org/drawingml/2006/main" xmlns:r="http://schemas.openxmlformats.org/officeDocument/2006/relationships" xmlns:p="http://schemas.openxmlformats.org/presentationml/2006/main">
+  <p:tag name="BJHEADERFOOTERLABEL" val="TRUE"/>
+  <p:tag name="BJHEADERFOOTERTEXTLABEL" val="Honeywell Internal"/>
+</p:tagLst>
+</file>
+
+<file path=ppt/tags/tag16.xml><?xml version="1.0" encoding="utf-8"?>
+<p:tagLst xmlns:a="http://schemas.openxmlformats.org/drawingml/2006/main" xmlns:r="http://schemas.openxmlformats.org/officeDocument/2006/relationships" xmlns:p="http://schemas.openxmlformats.org/presentationml/2006/main">
+  <p:tag name="BJHEADERFOOTERLABEL" val="TRUE"/>
+  <p:tag name="BJHEADERFOOTERTEXTLABEL" val="Honeywell Internal"/>
+</p:tagLst>
+</file>
+
+<file path=ppt/tags/tag17.xml><?xml version="1.0" encoding="utf-8"?>
 <p:tagLst xmlns:a="http://schemas.openxmlformats.org/drawingml/2006/main" xmlns:r="http://schemas.openxmlformats.org/officeDocument/2006/relationships" xmlns:p="http://schemas.openxmlformats.org/presentationml/2006/main">
   <p:tag name="BJHEADERFOOTERLABEL" val="TRUE"/>
   <p:tag name="BJHEADERFOOTERTEXTLABEL" val="Honeywell Internal"/>
@@ -9022,6 +14431,48 @@
 </file>
 
 <file path=ppt/tags/tag3.xml><?xml version="1.0" encoding="utf-8"?>
+<p:tagLst xmlns:a="http://schemas.openxmlformats.org/drawingml/2006/main" xmlns:r="http://schemas.openxmlformats.org/officeDocument/2006/relationships" xmlns:p="http://schemas.openxmlformats.org/presentationml/2006/main">
+  <p:tag name="BJHEADERFOOTERLABEL" val="TRUE"/>
+  <p:tag name="BJHEADERFOOTERTEXTLABEL" val="Honeywell Internal"/>
+</p:tagLst>
+</file>
+
+<file path=ppt/tags/tag4.xml><?xml version="1.0" encoding="utf-8"?>
+<p:tagLst xmlns:a="http://schemas.openxmlformats.org/drawingml/2006/main" xmlns:r="http://schemas.openxmlformats.org/officeDocument/2006/relationships" xmlns:p="http://schemas.openxmlformats.org/presentationml/2006/main">
+  <p:tag name="BJHEADERFOOTERLABEL" val="TRUE"/>
+  <p:tag name="BJHEADERFOOTERTEXTLABEL" val="Honeywell Internal"/>
+</p:tagLst>
+</file>
+
+<file path=ppt/tags/tag5.xml><?xml version="1.0" encoding="utf-8"?>
+<p:tagLst xmlns:a="http://schemas.openxmlformats.org/drawingml/2006/main" xmlns:r="http://schemas.openxmlformats.org/officeDocument/2006/relationships" xmlns:p="http://schemas.openxmlformats.org/presentationml/2006/main">
+  <p:tag name="BJHEADERFOOTERLABEL" val="TRUE"/>
+  <p:tag name="BJHEADERFOOTERTEXTLABEL" val="Honeywell Internal"/>
+</p:tagLst>
+</file>
+
+<file path=ppt/tags/tag6.xml><?xml version="1.0" encoding="utf-8"?>
+<p:tagLst xmlns:a="http://schemas.openxmlformats.org/drawingml/2006/main" xmlns:r="http://schemas.openxmlformats.org/officeDocument/2006/relationships" xmlns:p="http://schemas.openxmlformats.org/presentationml/2006/main">
+  <p:tag name="BJHEADERFOOTERLABEL" val="TRUE"/>
+  <p:tag name="BJHEADERFOOTERTEXTLABEL" val="Honeywell Internal"/>
+</p:tagLst>
+</file>
+
+<file path=ppt/tags/tag7.xml><?xml version="1.0" encoding="utf-8"?>
+<p:tagLst xmlns:a="http://schemas.openxmlformats.org/drawingml/2006/main" xmlns:r="http://schemas.openxmlformats.org/officeDocument/2006/relationships" xmlns:p="http://schemas.openxmlformats.org/presentationml/2006/main">
+  <p:tag name="BJHEADERFOOTERLABEL" val="TRUE"/>
+  <p:tag name="BJHEADERFOOTERTEXTLABEL" val="Honeywell Internal"/>
+</p:tagLst>
+</file>
+
+<file path=ppt/tags/tag8.xml><?xml version="1.0" encoding="utf-8"?>
+<p:tagLst xmlns:a="http://schemas.openxmlformats.org/drawingml/2006/main" xmlns:r="http://schemas.openxmlformats.org/officeDocument/2006/relationships" xmlns:p="http://schemas.openxmlformats.org/presentationml/2006/main">
+  <p:tag name="BJHEADERFOOTERLABEL" val="TRUE"/>
+  <p:tag name="BJHEADERFOOTERTEXTLABEL" val="Honeywell Internal"/>
+</p:tagLst>
+</file>
+
+<file path=ppt/tags/tag9.xml><?xml version="1.0" encoding="utf-8"?>
 <p:tagLst xmlns:a="http://schemas.openxmlformats.org/drawingml/2006/main" xmlns:r="http://schemas.openxmlformats.org/officeDocument/2006/relationships" xmlns:p="http://schemas.openxmlformats.org/presentationml/2006/main">
   <p:tag name="BJHEADERFOOTERLABEL" val="TRUE"/>
   <p:tag name="BJHEADERFOOTERTEXTLABEL" val="Honeywell Internal"/>
@@ -10043,6 +15494,267 @@
 <file path=ppt/theme/theme4.xml><?xml version="1.0" encoding="utf-8"?>
 <a:theme xmlns:a="http://schemas.openxmlformats.org/drawingml/2006/main" name="Office Theme">
   <a:themeElements>
+    <a:clrScheme name="Office Theme">
+      <a:dk1>
+        <a:sysClr val="windowText" lastClr="000000"/>
+      </a:dk1>
+      <a:lt1>
+        <a:sysClr val="window" lastClr="FFFFFF"/>
+      </a:lt1>
+      <a:dk2>
+        <a:srgbClr val="44546A"/>
+      </a:dk2>
+      <a:lt2>
+        <a:srgbClr val="E7E6E6"/>
+      </a:lt2>
+      <a:accent1>
+        <a:srgbClr val="1D9A78"/>
+      </a:accent1>
+      <a:accent2>
+        <a:srgbClr val="8BC145"/>
+      </a:accent2>
+      <a:accent3>
+        <a:srgbClr val="36AFCE"/>
+      </a:accent3>
+      <a:accent4>
+        <a:srgbClr val="1D6FA9"/>
+      </a:accent4>
+      <a:accent5>
+        <a:srgbClr val="B74919"/>
+      </a:accent5>
+      <a:accent6>
+        <a:srgbClr val="F19D19"/>
+      </a:accent6>
+      <a:hlink>
+        <a:srgbClr val="0563C1"/>
+      </a:hlink>
+      <a:folHlink>
+        <a:srgbClr val="954F72"/>
+      </a:folHlink>
+    </a:clrScheme>
+    <a:fontScheme name="Office Theme">
+      <a:majorFont>
+        <a:latin typeface="Calibri Light" panose="020F0302020204030204"/>
+        <a:ea typeface=""/>
+        <a:cs typeface=""/>
+        <a:font script="Jpan" typeface="ＭＳ Ｐゴシック"/>
+        <a:font script="Hang" typeface="맑은 고딕"/>
+        <a:font script="Hans" typeface="宋体"/>
+        <a:font script="Hant" typeface="新細明體"/>
+        <a:font script="Arab" typeface="Times New Roman"/>
+        <a:font script="Hebr" typeface="Times New Roman"/>
+        <a:font script="Thai" typeface="Angsana New"/>
+        <a:font script="Ethi" typeface="Nyala"/>
+        <a:font script="Beng" typeface="Vrinda"/>
+        <a:font script="Gujr" typeface="Shruti"/>
+        <a:font script="Khmr" typeface="MoolBoran"/>
+        <a:font script="Knda" typeface="Tunga"/>
+        <a:font script="Guru" typeface="Raavi"/>
+        <a:font script="Cans" typeface="Euphemia"/>
+        <a:font script="Cher" typeface="Plantagenet Cherokee"/>
+        <a:font script="Yiii" typeface="Microsoft Yi Baiti"/>
+        <a:font script="Tibt" typeface="Microsoft Himalaya"/>
+        <a:font script="Thaa" typeface="MV Boli"/>
+        <a:font script="Deva" typeface="Mangal"/>
+        <a:font script="Telu" typeface="Gautami"/>
+        <a:font script="Taml" typeface="Latha"/>
+        <a:font script="Syrc" typeface="Estrangelo Edessa"/>
+        <a:font script="Orya" typeface="Kalinga"/>
+        <a:font script="Mlym" typeface="Kartika"/>
+        <a:font script="Laoo" typeface="DokChampa"/>
+        <a:font script="Sinh" typeface="Iskoola Pota"/>
+        <a:font script="Mong" typeface="Mongolian Baiti"/>
+        <a:font script="Viet" typeface="Times New Roman"/>
+        <a:font script="Uigh" typeface="Microsoft Uighur"/>
+        <a:font script="Geor" typeface="Sylfaen"/>
+      </a:majorFont>
+      <a:minorFont>
+        <a:latin typeface="Calibri" panose="020F0502020204030204"/>
+        <a:ea typeface=""/>
+        <a:cs typeface=""/>
+        <a:font script="Jpan" typeface="ＭＳ Ｐゴシック"/>
+        <a:font script="Hang" typeface="맑은 고딕"/>
+        <a:font script="Hans" typeface="宋体"/>
+        <a:font script="Hant" typeface="新細明體"/>
+        <a:font script="Arab" typeface="Arial"/>
+        <a:font script="Hebr" typeface="Arial"/>
+        <a:font script="Thai" typeface="Cordia New"/>
+        <a:font script="Ethi" typeface="Nyala"/>
+        <a:font script="Beng" typeface="Vrinda"/>
+        <a:font script="Gujr" typeface="Shruti"/>
+        <a:font script="Khmr" typeface="DaunPenh"/>
+        <a:font script="Knda" typeface="Tunga"/>
+        <a:font script="Guru" typeface="Raavi"/>
+        <a:font script="Cans" typeface="Euphemia"/>
+        <a:font script="Cher" typeface="Plantagenet Cherokee"/>
+        <a:font script="Yiii" typeface="Microsoft Yi Baiti"/>
+        <a:font script="Tibt" typeface="Microsoft Himalaya"/>
+        <a:font script="Thaa" typeface="MV Boli"/>
+        <a:font script="Deva" typeface="Mangal"/>
+        <a:font script="Telu" typeface="Gautami"/>
+        <a:font script="Taml" typeface="Latha"/>
+        <a:font script="Syrc" typeface="Estrangelo Edessa"/>
+        <a:font script="Orya" typeface="Kalinga"/>
+        <a:font script="Mlym" typeface="Kartika"/>
+        <a:font script="Laoo" typeface="DokChampa"/>
+        <a:font script="Sinh" typeface="Iskoola Pota"/>
+        <a:font script="Mong" typeface="Mongolian Baiti"/>
+        <a:font script="Viet" typeface="Arial"/>
+        <a:font script="Uigh" typeface="Microsoft Uighur"/>
+        <a:font script="Geor" typeface="Sylfaen"/>
+      </a:minorFont>
+    </a:fontScheme>
+    <a:fmtScheme name="Office Theme">
+      <a:fillStyleLst>
+        <a:solidFill>
+          <a:schemeClr val="phClr"/>
+        </a:solidFill>
+        <a:gradFill rotWithShape="1">
+          <a:gsLst>
+            <a:gs pos="0">
+              <a:schemeClr val="phClr">
+                <a:lumMod val="110000"/>
+                <a:satMod val="105000"/>
+                <a:tint val="67000"/>
+              </a:schemeClr>
+            </a:gs>
+            <a:gs pos="50000">
+              <a:schemeClr val="phClr">
+                <a:lumMod val="105000"/>
+                <a:satMod val="103000"/>
+                <a:tint val="73000"/>
+              </a:schemeClr>
+            </a:gs>
+            <a:gs pos="100000">
+              <a:schemeClr val="phClr">
+                <a:lumMod val="105000"/>
+                <a:satMod val="109000"/>
+                <a:tint val="81000"/>
+              </a:schemeClr>
+            </a:gs>
+          </a:gsLst>
+          <a:lin ang="5400000" scaled="0"/>
+        </a:gradFill>
+        <a:gradFill rotWithShape="1">
+          <a:gsLst>
+            <a:gs pos="0">
+              <a:schemeClr val="phClr">
+                <a:satMod val="103000"/>
+                <a:lumMod val="102000"/>
+                <a:tint val="94000"/>
+              </a:schemeClr>
+            </a:gs>
+            <a:gs pos="50000">
+              <a:schemeClr val="phClr">
+                <a:satMod val="110000"/>
+                <a:lumMod val="100000"/>
+                <a:shade val="100000"/>
+              </a:schemeClr>
+            </a:gs>
+            <a:gs pos="100000">
+              <a:schemeClr val="phClr">
+                <a:lumMod val="99000"/>
+                <a:satMod val="120000"/>
+                <a:shade val="78000"/>
+              </a:schemeClr>
+            </a:gs>
+          </a:gsLst>
+          <a:lin ang="5400000" scaled="0"/>
+        </a:gradFill>
+      </a:fillStyleLst>
+      <a:lnStyleLst>
+        <a:ln w="6350" cap="flat" cmpd="sng" algn="ctr">
+          <a:solidFill>
+            <a:schemeClr val="phClr"/>
+          </a:solidFill>
+          <a:prstDash val="solid"/>
+          <a:miter lim="800000"/>
+        </a:ln>
+        <a:ln w="12700" cap="flat" cmpd="sng" algn="ctr">
+          <a:solidFill>
+            <a:schemeClr val="phClr"/>
+          </a:solidFill>
+          <a:prstDash val="solid"/>
+          <a:miter lim="800000"/>
+        </a:ln>
+        <a:ln w="19050" cap="flat" cmpd="sng" algn="ctr">
+          <a:solidFill>
+            <a:schemeClr val="phClr"/>
+          </a:solidFill>
+          <a:prstDash val="solid"/>
+          <a:miter lim="800000"/>
+        </a:ln>
+      </a:lnStyleLst>
+      <a:effectStyleLst>
+        <a:effectStyle>
+          <a:effectLst/>
+        </a:effectStyle>
+        <a:effectStyle>
+          <a:effectLst/>
+        </a:effectStyle>
+        <a:effectStyle>
+          <a:effectLst>
+            <a:outerShdw blurRad="57150" dist="19050" dir="5400000" algn="ctr" rotWithShape="0">
+              <a:srgbClr val="000000">
+                <a:alpha val="63000"/>
+              </a:srgbClr>
+            </a:outerShdw>
+          </a:effectLst>
+        </a:effectStyle>
+      </a:effectStyleLst>
+      <a:bgFillStyleLst>
+        <a:solidFill>
+          <a:schemeClr val="phClr"/>
+        </a:solidFill>
+        <a:solidFill>
+          <a:schemeClr val="phClr">
+            <a:tint val="95000"/>
+            <a:satMod val="170000"/>
+          </a:schemeClr>
+        </a:solidFill>
+        <a:gradFill rotWithShape="1">
+          <a:gsLst>
+            <a:gs pos="0">
+              <a:schemeClr val="phClr">
+                <a:tint val="93000"/>
+                <a:satMod val="150000"/>
+                <a:shade val="98000"/>
+                <a:lumMod val="102000"/>
+              </a:schemeClr>
+            </a:gs>
+            <a:gs pos="50000">
+              <a:schemeClr val="phClr">
+                <a:tint val="98000"/>
+                <a:satMod val="130000"/>
+                <a:shade val="90000"/>
+                <a:lumMod val="103000"/>
+              </a:schemeClr>
+            </a:gs>
+            <a:gs pos="100000">
+              <a:schemeClr val="phClr">
+                <a:shade val="63000"/>
+                <a:satMod val="120000"/>
+              </a:schemeClr>
+            </a:gs>
+          </a:gsLst>
+          <a:lin ang="5400000" scaled="0"/>
+        </a:gradFill>
+      </a:bgFillStyleLst>
+    </a:fmtScheme>
+  </a:themeElements>
+  <a:objectDefaults/>
+  <a:extraClrSchemeLst/>
+  <a:extLst>
+    <a:ext uri="{05A4C25C-085E-4340-85A3-A5531E510DB2}">
+      <thm15:themeFamily xmlns:thm15="http://schemas.microsoft.com/office/thememl/2012/main" name="Office Theme" id="{62F939B6-93AF-4DB8-9C6B-D6C7DFDC589F}" vid="{AE6F2518-B084-4896-AF52-66CC2144AA26}"/>
+    </a:ext>
+  </a:extLst>
+</a:theme>
+</file>
+
+<file path=ppt/theme/theme5.xml><?xml version="1.0" encoding="utf-8"?>
+<a:theme xmlns:a="http://schemas.openxmlformats.org/drawingml/2006/main" name="Office Theme">
+  <a:themeElements>
     <a:clrScheme name="Office">
       <a:dk1>
         <a:sysClr val="windowText" lastClr="000000"/>
@@ -10360,7 +16072,7 @@
 </a:theme>
 </file>
 
-<file path=ppt/theme/theme5.xml><?xml version="1.0" encoding="utf-8"?>
+<file path=ppt/theme/theme6.xml><?xml version="1.0" encoding="utf-8"?>
 <a:theme xmlns:a="http://schemas.openxmlformats.org/drawingml/2006/main" name="Office Theme">
   <a:themeElements>
     <a:clrScheme name="Office">
@@ -10809,13 +16521,13 @@
 <file path=customXml/itemProps1.xml><?xml version="1.0" encoding="utf-8"?>
 <ds:datastoreItem xmlns:ds="http://schemas.openxmlformats.org/officeDocument/2006/customXml" ds:itemID="{462AEA34-0FE5-4161-8619-2C42421968B4}">
   <ds:schemaRefs>
-    <ds:schemaRef ds:uri="http://purl.org/dc/elements/1.1/"/>
-    <ds:schemaRef ds:uri="http://schemas.microsoft.com/office/2006/documentManagement/types"/>
+    <ds:schemaRef ds:uri="http://schemas.microsoft.com/office/infopath/2007/PartnerControls"/>
     <ds:schemaRef ds:uri="http://purl.org/dc/terms/"/>
     <ds:schemaRef ds:uri="http://www.w3.org/XML/1998/namespace"/>
+    <ds:schemaRef ds:uri="http://purl.org/dc/dcmitype/"/>
     <ds:schemaRef ds:uri="http://schemas.openxmlformats.org/package/2006/metadata/core-properties"/>
-    <ds:schemaRef ds:uri="http://purl.org/dc/dcmitype/"/>
-    <ds:schemaRef ds:uri="http://schemas.microsoft.com/office/infopath/2007/PartnerControls"/>
+    <ds:schemaRef ds:uri="http://schemas.microsoft.com/office/2006/documentManagement/types"/>
+    <ds:schemaRef ds:uri="http://purl.org/dc/elements/1.1/"/>
     <ds:schemaRef ds:uri="http://schemas.microsoft.com/office/2006/metadata/properties"/>
   </ds:schemaRefs>
 </ds:datastoreItem>
@@ -10838,7 +16550,7 @@
 </file>
 
 <file path=customXml/itemProps3.xml><?xml version="1.0" encoding="utf-8"?>
-<ds:datastoreItem xmlns:ds="http://schemas.openxmlformats.org/officeDocument/2006/customXml" ds:itemID="{CDBF5B56-B6B0-4737-A98A-75ADC734937C}">
+<ds:datastoreItem xmlns:ds="http://schemas.openxmlformats.org/officeDocument/2006/customXml" ds:itemID="{0684874E-5890-45A9-9D30-33B4B80CC0E1}">
   <ds:schemaRefs>
     <ds:schemaRef ds:uri="http://www.w3.org/2001/XMLSchema"/>
     <ds:schemaRef ds:uri="http://www.boldonjames.com/2008/01/sie/internal/label"/>
